--- a/images/theory_analysis/OpenStack_Network_Neutron/OpenStack_Network_Neutron.pptx
+++ b/images/theory_analysis/OpenStack_Network_Neutron/OpenStack_Network_Neutron.pptx
@@ -5,13 +5,15 @@
     <p:sldMasterId id="2147483648" r:id="rId1"/>
   </p:sldMasterIdLst>
   <p:notesMasterIdLst>
-    <p:notesMasterId r:id="rId6"/>
+    <p:notesMasterId r:id="rId8"/>
   </p:notesMasterIdLst>
   <p:sldIdLst>
     <p:sldId id="372" r:id="rId2"/>
-    <p:sldId id="373" r:id="rId3"/>
-    <p:sldId id="374" r:id="rId4"/>
-    <p:sldId id="375" r:id="rId5"/>
+    <p:sldId id="377" r:id="rId3"/>
+    <p:sldId id="375" r:id="rId4"/>
+    <p:sldId id="374" r:id="rId5"/>
+    <p:sldId id="376" r:id="rId6"/>
+    <p:sldId id="373" r:id="rId7"/>
   </p:sldIdLst>
   <p:sldSz cx="9144000" cy="5143500" type="screen16x9"/>
   <p:notesSz cx="6858000" cy="9144000"/>
@@ -112,7 +114,7 @@
   </p:defaultTextStyle>
   <p:extLst>
     <p:ext uri="{EFAFB233-063F-42B5-8137-9DF3F51BA10A}">
-      <p15:sldGuideLst xmlns:p15="http://schemas.microsoft.com/office/powerpoint/2012/main" xmlns="">
+      <p15:sldGuideLst xmlns:p15="http://schemas.microsoft.com/office/powerpoint/2012/main">
         <p15:guide id="1" orient="horz" pos="2160">
           <p15:clr>
             <a:srgbClr val="A4A3A4"/>
@@ -481,6 +483,174 @@
     </a:lvl9pPr>
   </p:notesStyle>
 </p:notesMaster>
+</file>
+
+<file path=ppt/notesSlides/notesSlide1.xml><?xml version="1.0" encoding="utf-8"?>
+<p:notes xmlns:a="http://schemas.openxmlformats.org/drawingml/2006/main" xmlns:r="http://schemas.openxmlformats.org/officeDocument/2006/relationships" xmlns:p="http://schemas.openxmlformats.org/presentationml/2006/main">
+  <p:cSld>
+    <p:spTree>
+      <p:nvGrpSpPr>
+        <p:cNvPr id="1" name=""/>
+        <p:cNvGrpSpPr/>
+        <p:nvPr/>
+      </p:nvGrpSpPr>
+      <p:grpSpPr>
+        <a:xfrm>
+          <a:off x="0" y="0"/>
+          <a:ext cx="0" cy="0"/>
+          <a:chOff x="0" y="0"/>
+          <a:chExt cx="0" cy="0"/>
+        </a:xfrm>
+      </p:grpSpPr>
+      <p:sp>
+        <p:nvSpPr>
+          <p:cNvPr id="2" name="슬라이드 이미지 개체 틀 1"/>
+          <p:cNvSpPr>
+            <a:spLocks noGrp="1" noRot="1" noChangeAspect="1"/>
+          </p:cNvSpPr>
+          <p:nvPr>
+            <p:ph type="sldImg"/>
+          </p:nvPr>
+        </p:nvSpPr>
+        <p:spPr/>
+      </p:sp>
+      <p:sp>
+        <p:nvSpPr>
+          <p:cNvPr id="3" name="슬라이드 노트 개체 틀 2"/>
+          <p:cNvSpPr>
+            <a:spLocks noGrp="1"/>
+          </p:cNvSpPr>
+          <p:nvPr>
+            <p:ph type="body" idx="1"/>
+          </p:nvPr>
+        </p:nvSpPr>
+        <p:spPr/>
+        <p:txBody>
+          <a:bodyPr/>
+          <a:lstStyle/>
+          <a:p>
+            <a:endParaRPr lang="ko-KR" altLang="en-US"/>
+          </a:p>
+        </p:txBody>
+      </p:sp>
+      <p:sp>
+        <p:nvSpPr>
+          <p:cNvPr id="4" name="슬라이드 번호 개체 틀 3"/>
+          <p:cNvSpPr>
+            <a:spLocks noGrp="1"/>
+          </p:cNvSpPr>
+          <p:nvPr>
+            <p:ph type="sldNum" sz="quarter" idx="5"/>
+          </p:nvPr>
+        </p:nvSpPr>
+        <p:spPr/>
+        <p:txBody>
+          <a:bodyPr/>
+          <a:lstStyle/>
+          <a:p>
+            <a:fld id="{BA5DFA43-8D57-47FB-BC46-057616015C3B}" type="slidenum">
+              <a:rPr lang="ko-KR" altLang="en-US" smtClean="0"/>
+              <a:t>1</a:t>
+            </a:fld>
+            <a:endParaRPr lang="ko-KR" altLang="en-US"/>
+          </a:p>
+        </p:txBody>
+      </p:sp>
+    </p:spTree>
+    <p:extLst>
+      <p:ext uri="{BB962C8B-B14F-4D97-AF65-F5344CB8AC3E}">
+        <p14:creationId xmlns:p14="http://schemas.microsoft.com/office/powerpoint/2010/main" val="2841412721"/>
+      </p:ext>
+    </p:extLst>
+  </p:cSld>
+  <p:clrMapOvr>
+    <a:masterClrMapping/>
+  </p:clrMapOvr>
+</p:notes>
+</file>
+
+<file path=ppt/notesSlides/notesSlide2.xml><?xml version="1.0" encoding="utf-8"?>
+<p:notes xmlns:a="http://schemas.openxmlformats.org/drawingml/2006/main" xmlns:r="http://schemas.openxmlformats.org/officeDocument/2006/relationships" xmlns:p="http://schemas.openxmlformats.org/presentationml/2006/main">
+  <p:cSld>
+    <p:spTree>
+      <p:nvGrpSpPr>
+        <p:cNvPr id="1" name=""/>
+        <p:cNvGrpSpPr/>
+        <p:nvPr/>
+      </p:nvGrpSpPr>
+      <p:grpSpPr>
+        <a:xfrm>
+          <a:off x="0" y="0"/>
+          <a:ext cx="0" cy="0"/>
+          <a:chOff x="0" y="0"/>
+          <a:chExt cx="0" cy="0"/>
+        </a:xfrm>
+      </p:grpSpPr>
+      <p:sp>
+        <p:nvSpPr>
+          <p:cNvPr id="2" name="슬라이드 이미지 개체 틀 1"/>
+          <p:cNvSpPr>
+            <a:spLocks noGrp="1" noRot="1" noChangeAspect="1"/>
+          </p:cNvSpPr>
+          <p:nvPr>
+            <p:ph type="sldImg"/>
+          </p:nvPr>
+        </p:nvSpPr>
+        <p:spPr/>
+      </p:sp>
+      <p:sp>
+        <p:nvSpPr>
+          <p:cNvPr id="3" name="슬라이드 노트 개체 틀 2"/>
+          <p:cNvSpPr>
+            <a:spLocks noGrp="1"/>
+          </p:cNvSpPr>
+          <p:nvPr>
+            <p:ph type="body" idx="1"/>
+          </p:nvPr>
+        </p:nvSpPr>
+        <p:spPr/>
+        <p:txBody>
+          <a:bodyPr/>
+          <a:lstStyle/>
+          <a:p>
+            <a:endParaRPr lang="ko-KR" altLang="en-US"/>
+          </a:p>
+        </p:txBody>
+      </p:sp>
+      <p:sp>
+        <p:nvSpPr>
+          <p:cNvPr id="4" name="슬라이드 번호 개체 틀 3"/>
+          <p:cNvSpPr>
+            <a:spLocks noGrp="1"/>
+          </p:cNvSpPr>
+          <p:nvPr>
+            <p:ph type="sldNum" sz="quarter" idx="5"/>
+          </p:nvPr>
+        </p:nvSpPr>
+        <p:spPr/>
+        <p:txBody>
+          <a:bodyPr/>
+          <a:lstStyle/>
+          <a:p>
+            <a:fld id="{BA5DFA43-8D57-47FB-BC46-057616015C3B}" type="slidenum">
+              <a:rPr lang="ko-KR" altLang="en-US" smtClean="0"/>
+              <a:t>2</a:t>
+            </a:fld>
+            <a:endParaRPr lang="ko-KR" altLang="en-US"/>
+          </a:p>
+        </p:txBody>
+      </p:sp>
+    </p:spTree>
+    <p:extLst>
+      <p:ext uri="{BB962C8B-B14F-4D97-AF65-F5344CB8AC3E}">
+        <p14:creationId xmlns:p14="http://schemas.microsoft.com/office/powerpoint/2010/main" val="4178700397"/>
+      </p:ext>
+    </p:extLst>
+  </p:cSld>
+  <p:clrMapOvr>
+    <a:masterClrMapping/>
+  </p:clrMapOvr>
+</p:notes>
 </file>
 
 <file path=ppt/slideLayouts/slideLayout1.xml><?xml version="1.0" encoding="utf-8"?>
@@ -3413,11 +3583,7 @@
           <a:lstStyle/>
           <a:p>
             <a:r>
-              <a:rPr lang="en-US" altLang="ko-KR" sz="3600" dirty="0" smtClean="0"/>
-              <a:t>Host </a:t>
-            </a:r>
-            <a:r>
-              <a:rPr lang="en-US" altLang="ko-KR" sz="3600" dirty="0" smtClean="0"/>
+              <a:rPr lang="en-US" altLang="ko-KR" sz="3600"/>
               <a:t>Network</a:t>
             </a:r>
             <a:endParaRPr lang="ko-KR" altLang="en-US" sz="3600" dirty="0"/>
@@ -3432,7 +3598,7 @@
         </p:nvSpPr>
         <p:spPr>
           <a:xfrm>
-            <a:off x="1403648" y="1450413"/>
+            <a:off x="251520" y="1267669"/>
             <a:ext cx="1616682" cy="2016224"/>
           </a:xfrm>
           <a:prstGeom prst="roundRect">
@@ -3461,7 +3627,7 @@
           <a:p>
             <a:pPr algn="ctr"/>
             <a:r>
-              <a:rPr lang="en-US" altLang="ko-KR" sz="1400" b="1" dirty="0" smtClean="0"/>
+              <a:rPr lang="en-US" altLang="ko-KR" sz="1400" b="1" dirty="0"/>
               <a:t>Network Node</a:t>
             </a:r>
             <a:endParaRPr lang="ko-KR" altLang="en-US" sz="1400" b="1" dirty="0"/>
@@ -3476,7 +3642,7 @@
         </p:nvSpPr>
         <p:spPr>
           <a:xfrm>
-            <a:off x="1547664" y="1851670"/>
+            <a:off x="395536" y="1668926"/>
             <a:ext cx="1328650" cy="390831"/>
           </a:xfrm>
           <a:prstGeom prst="roundRect">
@@ -3486,7 +3652,7 @@
           </a:prstGeom>
           <a:solidFill>
             <a:schemeClr val="bg1">
-              <a:lumMod val="95000"/>
+              <a:lumMod val="85000"/>
             </a:schemeClr>
           </a:solidFill>
         </p:spPr>
@@ -3510,11 +3676,11 @@
           <a:p>
             <a:pPr algn="ctr"/>
             <a:r>
-              <a:rPr lang="en-US" altLang="ko-KR" sz="1200" dirty="0" err="1" smtClean="0"/>
+              <a:rPr lang="en-US" altLang="ko-KR" sz="1200" dirty="0" err="1"/>
               <a:t>ML2</a:t>
             </a:r>
             <a:r>
-              <a:rPr lang="en-US" altLang="ko-KR" sz="1200" dirty="0" smtClean="0"/>
+              <a:rPr lang="en-US" altLang="ko-KR" sz="1200" dirty="0"/>
               <a:t> Plugin Agent</a:t>
             </a:r>
             <a:endParaRPr lang="ko-KR" altLang="en-US" sz="1200" dirty="0"/>
@@ -3529,7 +3695,7 @@
         </p:nvSpPr>
         <p:spPr>
           <a:xfrm>
-            <a:off x="1547664" y="2314509"/>
+            <a:off x="395536" y="2131765"/>
             <a:ext cx="1328650" cy="288032"/>
           </a:xfrm>
           <a:prstGeom prst="roundRect">
@@ -3539,7 +3705,7 @@
           </a:prstGeom>
           <a:solidFill>
             <a:schemeClr val="bg1">
-              <a:lumMod val="95000"/>
+              <a:lumMod val="85000"/>
             </a:schemeClr>
           </a:solidFill>
         </p:spPr>
@@ -3563,11 +3729,11 @@
           <a:p>
             <a:pPr algn="ctr"/>
             <a:r>
-              <a:rPr lang="en-US" altLang="ko-KR" sz="1200" dirty="0" err="1" smtClean="0"/>
+              <a:rPr lang="en-US" altLang="ko-KR" sz="1200" dirty="0" err="1"/>
               <a:t>L3</a:t>
             </a:r>
             <a:r>
-              <a:rPr lang="en-US" altLang="ko-KR" sz="1200" dirty="0" smtClean="0"/>
+              <a:rPr lang="en-US" altLang="ko-KR" sz="1200" dirty="0"/>
               <a:t> Agent</a:t>
             </a:r>
             <a:endParaRPr lang="ko-KR" altLang="en-US" sz="1200" dirty="0"/>
@@ -3582,7 +3748,7 @@
         </p:nvSpPr>
         <p:spPr>
           <a:xfrm>
-            <a:off x="1547664" y="2674549"/>
+            <a:off x="395536" y="2491805"/>
             <a:ext cx="1328650" cy="288032"/>
           </a:xfrm>
           <a:prstGeom prst="roundRect">
@@ -3592,7 +3758,7 @@
           </a:prstGeom>
           <a:solidFill>
             <a:schemeClr val="bg1">
-              <a:lumMod val="95000"/>
+              <a:lumMod val="85000"/>
             </a:schemeClr>
           </a:solidFill>
         </p:spPr>
@@ -3616,11 +3782,11 @@
           <a:p>
             <a:pPr algn="ctr"/>
             <a:r>
-              <a:rPr lang="en-US" altLang="ko-KR" sz="1200" dirty="0" err="1" smtClean="0"/>
+              <a:rPr lang="en-US" altLang="ko-KR" sz="1200" dirty="0" err="1"/>
               <a:t>DHCP</a:t>
             </a:r>
             <a:r>
-              <a:rPr lang="en-US" altLang="ko-KR" sz="1200" dirty="0" smtClean="0"/>
+              <a:rPr lang="en-US" altLang="ko-KR" sz="1200" dirty="0"/>
               <a:t> Agent</a:t>
             </a:r>
             <a:endParaRPr lang="ko-KR" altLang="en-US" sz="1200" dirty="0"/>
@@ -3635,7 +3801,7 @@
         </p:nvSpPr>
         <p:spPr>
           <a:xfrm>
-            <a:off x="1547664" y="3034589"/>
+            <a:off x="395536" y="2851845"/>
             <a:ext cx="1328650" cy="288032"/>
           </a:xfrm>
           <a:prstGeom prst="roundRect">
@@ -3645,7 +3811,7 @@
           </a:prstGeom>
           <a:solidFill>
             <a:schemeClr val="bg1">
-              <a:lumMod val="95000"/>
+              <a:lumMod val="85000"/>
             </a:schemeClr>
           </a:solidFill>
         </p:spPr>
@@ -3669,7 +3835,7 @@
           <a:p>
             <a:pPr algn="ctr"/>
             <a:r>
-              <a:rPr lang="en-US" altLang="ko-KR" sz="1200" dirty="0" smtClean="0"/>
+              <a:rPr lang="en-US" altLang="ko-KR" sz="1200" dirty="0"/>
               <a:t>Meta Agent</a:t>
             </a:r>
             <a:endParaRPr lang="ko-KR" altLang="en-US" sz="1200" dirty="0"/>
@@ -3685,7 +3851,7 @@
           <p:nvPr/>
         </p:nvPicPr>
         <p:blipFill>
-          <a:blip r:embed="rId2" cstate="print">
+          <a:blip r:embed="rId3" cstate="print">
             <a:extLst>
               <a:ext uri="{28A0092B-C50C-407E-A947-70E740481C1C}">
                 <a14:useLocalDpi xmlns:a14="http://schemas.microsoft.com/office/drawing/2010/main" val="0"/>
@@ -3699,7 +3865,7 @@
         </p:blipFill>
         <p:spPr bwMode="auto">
           <a:xfrm>
-            <a:off x="4211960" y="3682661"/>
+            <a:off x="4189284" y="3574538"/>
             <a:ext cx="571722" cy="545273"/>
           </a:xfrm>
           <a:prstGeom prst="rect">
@@ -3725,8 +3891,8 @@
         </p:nvSpPr>
         <p:spPr>
           <a:xfrm>
-            <a:off x="2051721" y="3466638"/>
-            <a:ext cx="2167920" cy="488660"/>
+            <a:off x="866061" y="3296097"/>
+            <a:ext cx="3332389" cy="551078"/>
           </a:xfrm>
           <a:custGeom>
             <a:avLst/>
@@ -3802,7 +3968,7 @@
         </p:nvSpPr>
         <p:spPr>
           <a:xfrm>
-            <a:off x="3769057" y="4330733"/>
+            <a:off x="3746381" y="4222610"/>
             <a:ext cx="1457528" cy="545273"/>
           </a:xfrm>
           <a:prstGeom prst="cloud">
@@ -3829,7 +3995,7 @@
           <a:p>
             <a:pPr algn="ctr"/>
             <a:r>
-              <a:rPr lang="en-US" altLang="ko-KR" sz="1400" b="1" dirty="0" smtClean="0"/>
+              <a:rPr lang="en-US" altLang="ko-KR" sz="1400" b="1" dirty="0"/>
               <a:t>Internet</a:t>
             </a:r>
             <a:endParaRPr lang="ko-KR" altLang="en-US" sz="1600" b="1" dirty="0"/>
@@ -3846,7 +4012,7 @@
         </p:nvCxnSpPr>
         <p:spPr>
           <a:xfrm>
-            <a:off x="4497821" y="4214093"/>
+            <a:off x="4475145" y="4105970"/>
             <a:ext cx="0" cy="147816"/>
           </a:xfrm>
           <a:prstGeom prst="line">
@@ -3881,7 +4047,7 @@
         </p:nvSpPr>
         <p:spPr>
           <a:xfrm>
-            <a:off x="6123670" y="1450413"/>
+            <a:off x="7242267" y="1270282"/>
             <a:ext cx="1616682" cy="1972238"/>
           </a:xfrm>
           <a:prstGeom prst="roundRect">
@@ -3910,7 +4076,7 @@
           <a:p>
             <a:pPr algn="ctr"/>
             <a:r>
-              <a:rPr lang="en-US" altLang="ko-KR" sz="1400" b="1" dirty="0" smtClean="0"/>
+              <a:rPr lang="en-US" altLang="ko-KR" sz="1400" b="1" dirty="0"/>
               <a:t>Controller Node</a:t>
             </a:r>
             <a:endParaRPr lang="ko-KR" altLang="en-US" sz="1400" b="1" dirty="0"/>
@@ -3925,7 +4091,7 @@
         </p:nvSpPr>
         <p:spPr>
           <a:xfrm>
-            <a:off x="6267686" y="1851670"/>
+            <a:off x="7386283" y="1671539"/>
             <a:ext cx="1328650" cy="288032"/>
           </a:xfrm>
           <a:prstGeom prst="roundRect">
@@ -3935,7 +4101,7 @@
           </a:prstGeom>
           <a:solidFill>
             <a:schemeClr val="bg1">
-              <a:lumMod val="95000"/>
+              <a:lumMod val="85000"/>
             </a:schemeClr>
           </a:solidFill>
         </p:spPr>
@@ -3959,7 +4125,7 @@
           <a:p>
             <a:pPr algn="ctr"/>
             <a:r>
-              <a:rPr lang="en-US" altLang="ko-KR" sz="1200" dirty="0" smtClean="0"/>
+              <a:rPr lang="en-US" altLang="ko-KR" sz="1200" dirty="0"/>
               <a:t>Neutron Server</a:t>
             </a:r>
             <a:endParaRPr lang="ko-KR" altLang="en-US" sz="1200" dirty="0"/>
@@ -3974,8 +4140,8 @@
         </p:nvSpPr>
         <p:spPr>
           <a:xfrm>
-            <a:off x="2357884" y="2957192"/>
-            <a:ext cx="2133600" cy="625532"/>
+            <a:off x="1226101" y="2785569"/>
+            <a:ext cx="4387156" cy="689032"/>
           </a:xfrm>
           <a:custGeom>
             <a:avLst/>
@@ -3996,6 +4162,22 @@
               <a:gd name="connsiteY2" fmla="*/ 1054100 h 1054100"/>
               <a:gd name="connsiteX3" fmla="*/ 2133600 w 2133600"/>
               <a:gd name="connsiteY3" fmla="*/ 0 h 1054100"/>
+              <a:gd name="connsiteX0" fmla="*/ 0 w 2133600"/>
+              <a:gd name="connsiteY0" fmla="*/ 726788 h 1054100"/>
+              <a:gd name="connsiteX1" fmla="*/ 0 w 2133600"/>
+              <a:gd name="connsiteY1" fmla="*/ 1054100 h 1054100"/>
+              <a:gd name="connsiteX2" fmla="*/ 2133600 w 2133600"/>
+              <a:gd name="connsiteY2" fmla="*/ 1054100 h 1054100"/>
+              <a:gd name="connsiteX3" fmla="*/ 2133600 w 2133600"/>
+              <a:gd name="connsiteY3" fmla="*/ 0 h 1054100"/>
+              <a:gd name="connsiteX0" fmla="*/ 0 w 2136775"/>
+              <a:gd name="connsiteY0" fmla="*/ 833793 h 1161105"/>
+              <a:gd name="connsiteX1" fmla="*/ 0 w 2136775"/>
+              <a:gd name="connsiteY1" fmla="*/ 1161105 h 1161105"/>
+              <a:gd name="connsiteX2" fmla="*/ 2133600 w 2136775"/>
+              <a:gd name="connsiteY2" fmla="*/ 1161105 h 1161105"/>
+              <a:gd name="connsiteX3" fmla="*/ 2136775 w 2136775"/>
+              <a:gd name="connsiteY3" fmla="*/ 0 h 1161105"/>
             </a:gdLst>
             <a:ahLst/>
             <a:cxnLst>
@@ -4014,19 +4196,21 @@
             </a:cxnLst>
             <a:rect l="l" t="t" r="r" b="b"/>
             <a:pathLst>
-              <a:path w="2133600" h="1054100">
+              <a:path w="2136775" h="1161105">
                 <a:moveTo>
-                  <a:pt x="0" y="828443"/>
+                  <a:pt x="0" y="833793"/>
                 </a:moveTo>
                 <a:lnTo>
-                  <a:pt x="0" y="1054100"/>
+                  <a:pt x="0" y="1161105"/>
                 </a:lnTo>
                 <a:lnTo>
-                  <a:pt x="2133600" y="1054100"/>
+                  <a:pt x="2133600" y="1161105"/>
                 </a:lnTo>
-                <a:lnTo>
-                  <a:pt x="2133600" y="0"/>
-                </a:lnTo>
+                <a:cubicBezTo>
+                  <a:pt x="2134658" y="774070"/>
+                  <a:pt x="2135717" y="387035"/>
+                  <a:pt x="2136775" y="0"/>
+                </a:cubicBezTo>
               </a:path>
             </a:pathLst>
           </a:custGeom>
@@ -4063,8 +4247,8 @@
         </p:nvSpPr>
         <p:spPr>
           <a:xfrm flipH="1">
-            <a:off x="4783675" y="3425817"/>
-            <a:ext cx="2148329" cy="529481"/>
+            <a:off x="4761006" y="3242288"/>
+            <a:ext cx="3289594" cy="604887"/>
           </a:xfrm>
           <a:custGeom>
             <a:avLst/>
@@ -4136,13 +4320,13 @@
         <p:nvCxnSpPr>
           <p:cNvPr id="60" name="직선 연결선 59"/>
           <p:cNvCxnSpPr>
-            <a:endCxn id="17" idx="0"/>
+            <a:cxnSpLocks/>
           </p:cNvCxnSpPr>
           <p:nvPr/>
         </p:nvCxnSpPr>
         <p:spPr>
           <a:xfrm>
-            <a:off x="4660261" y="1187450"/>
+            <a:off x="5778858" y="1007319"/>
             <a:ext cx="0" cy="262963"/>
           </a:xfrm>
           <a:prstGeom prst="line">
@@ -4179,8 +4363,8 @@
         </p:nvSpPr>
         <p:spPr>
           <a:xfrm>
-            <a:off x="2186434" y="1187450"/>
-            <a:ext cx="4745575" cy="260350"/>
+            <a:off x="1040126" y="1007319"/>
+            <a:ext cx="7010481" cy="260350"/>
           </a:xfrm>
           <a:custGeom>
             <a:avLst/>
@@ -4266,7 +4450,7 @@
         </p:nvSpPr>
         <p:spPr>
           <a:xfrm>
-            <a:off x="3887924" y="879673"/>
+            <a:off x="5006521" y="699542"/>
             <a:ext cx="1544674" cy="307777"/>
           </a:xfrm>
           <a:prstGeom prst="rect">
@@ -4282,7 +4466,7 @@
           <a:p>
             <a:pPr algn="ctr"/>
             <a:r>
-              <a:rPr lang="en-US" altLang="ko-KR" sz="1400" b="1" dirty="0" smtClean="0">
+              <a:rPr lang="en-US" altLang="ko-KR" sz="1400" b="1" dirty="0">
                 <a:solidFill>
                   <a:schemeClr val="accent6">
                     <a:lumMod val="75000"/>
@@ -4309,7 +4493,7 @@
         </p:nvSpPr>
         <p:spPr>
           <a:xfrm>
-            <a:off x="5085509" y="3649101"/>
+            <a:off x="4394453" y="3540978"/>
             <a:ext cx="1544674" cy="307777"/>
           </a:xfrm>
           <a:prstGeom prst="rect">
@@ -4325,7 +4509,7 @@
           <a:p>
             <a:pPr algn="ctr"/>
             <a:r>
-              <a:rPr lang="en-US" altLang="ko-KR" sz="1400" b="1" dirty="0" smtClean="0">
+              <a:rPr lang="en-US" altLang="ko-KR" sz="1400" b="1" dirty="0">
                 <a:solidFill>
                   <a:schemeClr val="accent3">
                     <a:lumMod val="75000"/>
@@ -4352,7 +4536,7 @@
         </p:nvSpPr>
         <p:spPr>
           <a:xfrm>
-            <a:off x="2379254" y="3649101"/>
+            <a:off x="2921787" y="3540978"/>
             <a:ext cx="1544674" cy="307777"/>
           </a:xfrm>
           <a:prstGeom prst="rect">
@@ -4368,7 +4552,7 @@
           <a:p>
             <a:pPr algn="ctr"/>
             <a:r>
-              <a:rPr lang="en-US" altLang="ko-KR" sz="1400" b="1" dirty="0" smtClean="0">
+              <a:rPr lang="en-US" altLang="ko-KR" sz="1400" b="1" dirty="0">
                 <a:solidFill>
                   <a:srgbClr val="C00000"/>
                 </a:solidFill>
@@ -4391,8 +4575,8 @@
         </p:nvSpPr>
         <p:spPr>
           <a:xfrm>
-            <a:off x="2942618" y="3271929"/>
-            <a:ext cx="1544674" cy="307777"/>
+            <a:off x="2738269" y="2946824"/>
+            <a:ext cx="3606371" cy="523220"/>
           </a:xfrm>
           <a:prstGeom prst="rect">
             <a:avLst/>
@@ -4407,12 +4591,23 @@
           <a:p>
             <a:pPr algn="ctr"/>
             <a:r>
-              <a:rPr lang="en-US" altLang="ko-KR" sz="1400" b="1" dirty="0" smtClean="0">
+              <a:rPr lang="en-US" altLang="ko-KR" sz="1400" b="1">
                 <a:solidFill>
                   <a:schemeClr val="accent1"/>
                 </a:solidFill>
               </a:rPr>
-              <a:t>User</a:t>
+              <a:t>Guest = Self-service </a:t>
+            </a:r>
+          </a:p>
+          <a:p>
+            <a:pPr algn="ctr"/>
+            <a:r>
+              <a:rPr lang="en-US" altLang="ko-KR" sz="1400" b="1">
+                <a:solidFill>
+                  <a:schemeClr val="accent1"/>
+                </a:solidFill>
+              </a:rPr>
+              <a:t>Network</a:t>
             </a:r>
             <a:endParaRPr lang="ko-KR" altLang="en-US" sz="1400" b="1" dirty="0">
               <a:solidFill>
@@ -4430,7 +4625,7 @@
         </p:nvSpPr>
         <p:spPr>
           <a:xfrm>
-            <a:off x="6267686" y="2242501"/>
+            <a:off x="7386283" y="2062370"/>
             <a:ext cx="1328650" cy="288032"/>
           </a:xfrm>
           <a:prstGeom prst="roundRect">
@@ -4459,7 +4654,7 @@
           <a:p>
             <a:pPr algn="ctr"/>
             <a:r>
-              <a:rPr lang="en-US" altLang="ko-KR" sz="1200" dirty="0" smtClean="0"/>
+              <a:rPr lang="en-US" altLang="ko-KR" sz="1200" dirty="0"/>
               <a:t>Nova Scheduler</a:t>
             </a:r>
             <a:endParaRPr lang="ko-KR" altLang="en-US" sz="1200" dirty="0"/>
@@ -4474,7 +4669,7 @@
         </p:nvSpPr>
         <p:spPr>
           <a:xfrm>
-            <a:off x="6267686" y="2624824"/>
+            <a:off x="7386283" y="2444693"/>
             <a:ext cx="1328650" cy="288032"/>
           </a:xfrm>
           <a:prstGeom prst="roundRect">
@@ -4503,7 +4698,7 @@
           <a:p>
             <a:pPr algn="ctr"/>
             <a:r>
-              <a:rPr lang="en-US" altLang="ko-KR" sz="1200" dirty="0" smtClean="0"/>
+              <a:rPr lang="en-US" altLang="ko-KR" sz="1200" dirty="0"/>
               <a:t>Nova API</a:t>
             </a:r>
             <a:endParaRPr lang="ko-KR" altLang="en-US" sz="1200" dirty="0"/>
@@ -4518,7 +4713,7 @@
         </p:nvGrpSpPr>
         <p:grpSpPr>
           <a:xfrm>
-            <a:off x="3891422" y="1453530"/>
+            <a:off x="5010019" y="1273399"/>
             <a:ext cx="1616682" cy="1318427"/>
             <a:chOff x="3707904" y="1594428"/>
             <a:chExt cx="1616682" cy="1318427"/>
@@ -4561,7 +4756,7 @@
             <a:p>
               <a:pPr algn="ctr"/>
               <a:r>
-                <a:rPr lang="en-US" altLang="ko-KR" sz="1400" b="1" dirty="0" smtClean="0"/>
+                <a:rPr lang="en-US" altLang="ko-KR" sz="1400" b="1" dirty="0"/>
                 <a:t>Compute Node</a:t>
               </a:r>
               <a:endParaRPr lang="ko-KR" altLang="en-US" sz="1400" b="1" dirty="0"/>
@@ -4605,11 +4800,11 @@
             <a:p>
               <a:pPr algn="ctr"/>
               <a:r>
-                <a:rPr lang="en-US" altLang="ko-KR" sz="1200" dirty="0" err="1" smtClean="0"/>
+                <a:rPr lang="en-US" altLang="ko-KR" sz="1200" dirty="0" err="1"/>
                 <a:t>ML2</a:t>
               </a:r>
               <a:r>
-                <a:rPr lang="en-US" altLang="ko-KR" sz="1200" dirty="0" smtClean="0"/>
+                <a:rPr lang="en-US" altLang="ko-KR" sz="1200" dirty="0"/>
                 <a:t> Plugin Agent</a:t>
               </a:r>
               <a:endParaRPr lang="ko-KR" altLang="en-US" sz="1200" dirty="0"/>
@@ -4653,7 +4848,7 @@
             <a:p>
               <a:pPr algn="ctr"/>
               <a:r>
-                <a:rPr lang="en-US" altLang="ko-KR" sz="1200" dirty="0" smtClean="0"/>
+                <a:rPr lang="en-US" altLang="ko-KR" sz="1200" dirty="0"/>
                 <a:t>Nova Compute</a:t>
               </a:r>
               <a:endParaRPr lang="ko-KR" altLang="en-US" sz="1200" dirty="0"/>
@@ -4669,7 +4864,7 @@
         </p:nvSpPr>
         <p:spPr>
           <a:xfrm>
-            <a:off x="6267686" y="3013852"/>
+            <a:off x="7386283" y="2833721"/>
             <a:ext cx="1328650" cy="288032"/>
           </a:xfrm>
           <a:prstGeom prst="roundRect">
@@ -4698,7 +4893,7 @@
           <a:p>
             <a:pPr algn="ctr"/>
             <a:r>
-              <a:rPr lang="en-US" altLang="ko-KR" sz="1200" dirty="0" smtClean="0"/>
+              <a:rPr lang="en-US" altLang="ko-KR" sz="1200" dirty="0"/>
               <a:t>Horizon</a:t>
             </a:r>
             <a:endParaRPr lang="ko-KR" altLang="en-US" sz="1200" dirty="0"/>
@@ -4713,7 +4908,7 @@
         </p:nvGrpSpPr>
         <p:grpSpPr>
           <a:xfrm>
-            <a:off x="3793421" y="1545779"/>
+            <a:off x="4912018" y="1365648"/>
             <a:ext cx="1616682" cy="1318427"/>
             <a:chOff x="3707904" y="1594428"/>
             <a:chExt cx="1616682" cy="1318427"/>
@@ -4756,7 +4951,7 @@
             <a:p>
               <a:pPr algn="ctr"/>
               <a:r>
-                <a:rPr lang="en-US" altLang="ko-KR" sz="1400" b="1" dirty="0" smtClean="0"/>
+                <a:rPr lang="en-US" altLang="ko-KR" sz="1400" b="1" dirty="0"/>
                 <a:t>Compute Node</a:t>
               </a:r>
               <a:endParaRPr lang="ko-KR" altLang="en-US" sz="1400" b="1" dirty="0"/>
@@ -4800,11 +4995,11 @@
             <a:p>
               <a:pPr algn="ctr"/>
               <a:r>
-                <a:rPr lang="en-US" altLang="ko-KR" sz="1200" dirty="0" err="1" smtClean="0"/>
+                <a:rPr lang="en-US" altLang="ko-KR" sz="1200" dirty="0" err="1"/>
                 <a:t>ML2</a:t>
               </a:r>
               <a:r>
-                <a:rPr lang="en-US" altLang="ko-KR" sz="1200" dirty="0" smtClean="0"/>
+                <a:rPr lang="en-US" altLang="ko-KR" sz="1200" dirty="0"/>
                 <a:t> Plugin Agent</a:t>
               </a:r>
               <a:endParaRPr lang="ko-KR" altLang="en-US" sz="1200" dirty="0"/>
@@ -4848,7 +5043,7 @@
             <a:p>
               <a:pPr algn="ctr"/>
               <a:r>
-                <a:rPr lang="en-US" altLang="ko-KR" sz="1200" dirty="0" smtClean="0"/>
+                <a:rPr lang="en-US" altLang="ko-KR" sz="1200" dirty="0"/>
                 <a:t>Nova Compute</a:t>
               </a:r>
               <a:endParaRPr lang="ko-KR" altLang="en-US" sz="1200" dirty="0"/>
@@ -4864,7 +5059,7 @@
         </p:nvGrpSpPr>
         <p:grpSpPr>
           <a:xfrm>
-            <a:off x="3675398" y="1638764"/>
+            <a:off x="4793995" y="1458633"/>
             <a:ext cx="1616682" cy="1318427"/>
             <a:chOff x="3707904" y="1594428"/>
             <a:chExt cx="1616682" cy="1318427"/>
@@ -4907,7 +5102,7 @@
             <a:p>
               <a:pPr algn="ctr"/>
               <a:r>
-                <a:rPr lang="en-US" altLang="ko-KR" sz="1400" b="1" dirty="0" smtClean="0"/>
+                <a:rPr lang="en-US" altLang="ko-KR" sz="1400" b="1" dirty="0"/>
                 <a:t>Compute Node</a:t>
               </a:r>
               <a:endParaRPr lang="ko-KR" altLang="en-US" sz="1400" b="1" dirty="0"/>
@@ -4932,7 +5127,7 @@
             </a:prstGeom>
             <a:solidFill>
               <a:schemeClr val="bg1">
-                <a:lumMod val="95000"/>
+                <a:lumMod val="85000"/>
               </a:schemeClr>
             </a:solidFill>
           </p:spPr>
@@ -4956,11 +5151,11 @@
             <a:p>
               <a:pPr algn="ctr"/>
               <a:r>
-                <a:rPr lang="en-US" altLang="ko-KR" sz="1200" dirty="0" err="1" smtClean="0"/>
+                <a:rPr lang="en-US" altLang="ko-KR" sz="1200" dirty="0" err="1"/>
                 <a:t>ML2</a:t>
               </a:r>
               <a:r>
-                <a:rPr lang="en-US" altLang="ko-KR" sz="1200" dirty="0" smtClean="0"/>
+                <a:rPr lang="en-US" altLang="ko-KR" sz="1200" dirty="0"/>
                 <a:t> Plugin Agent</a:t>
               </a:r>
               <a:endParaRPr lang="ko-KR" altLang="en-US" sz="1200" dirty="0"/>
@@ -5004,7 +5199,7 @@
             <a:p>
               <a:pPr algn="ctr"/>
               <a:r>
-                <a:rPr lang="en-US" altLang="ko-KR" sz="1200" dirty="0" smtClean="0"/>
+                <a:rPr lang="en-US" altLang="ko-KR" sz="1200" dirty="0"/>
                 <a:t>Nova Compute</a:t>
               </a:r>
               <a:endParaRPr lang="ko-KR" altLang="en-US" sz="1200" dirty="0"/>
@@ -5012,6 +5207,250 @@
           </p:txBody>
         </p:sp>
       </p:grpSp>
+      <p:sp>
+        <p:nvSpPr>
+          <p:cNvPr id="3" name="타원 2">
+            <a:extLst>
+              <a:ext uri="{FF2B5EF4-FFF2-40B4-BE49-F238E27FC236}">
+                <a16:creationId xmlns:a16="http://schemas.microsoft.com/office/drawing/2014/main" id="{AD537B5C-CB4A-414A-85CD-6180DA2598F7}"/>
+              </a:ext>
+            </a:extLst>
+          </p:cNvPr>
+          <p:cNvSpPr/>
+          <p:nvPr/>
+        </p:nvSpPr>
+        <p:spPr>
+          <a:xfrm>
+            <a:off x="3098308" y="3465861"/>
+            <a:ext cx="2736306" cy="457450"/>
+          </a:xfrm>
+          <a:prstGeom prst="ellipse">
+            <a:avLst/>
+          </a:prstGeom>
+          <a:noFill/>
+          <a:ln>
+            <a:solidFill>
+              <a:schemeClr val="accent4">
+                <a:lumMod val="75000"/>
+              </a:schemeClr>
+            </a:solidFill>
+            <a:prstDash val="dash"/>
+          </a:ln>
+        </p:spPr>
+        <p:style>
+          <a:lnRef idx="2">
+            <a:schemeClr val="accent1">
+              <a:shade val="50000"/>
+            </a:schemeClr>
+          </a:lnRef>
+          <a:fillRef idx="1">
+            <a:schemeClr val="accent1"/>
+          </a:fillRef>
+          <a:effectRef idx="0">
+            <a:schemeClr val="accent1"/>
+          </a:effectRef>
+          <a:fontRef idx="minor">
+            <a:schemeClr val="lt1"/>
+          </a:fontRef>
+        </p:style>
+        <p:txBody>
+          <a:bodyPr rtlCol="0" anchor="ctr"/>
+          <a:lstStyle/>
+          <a:p>
+            <a:pPr algn="ctr"/>
+            <a:endParaRPr lang="ko-KR" altLang="en-US"/>
+          </a:p>
+        </p:txBody>
+      </p:sp>
+      <p:sp>
+        <p:nvSpPr>
+          <p:cNvPr id="38" name="TextBox 37">
+            <a:extLst>
+              <a:ext uri="{FF2B5EF4-FFF2-40B4-BE49-F238E27FC236}">
+                <a16:creationId xmlns:a16="http://schemas.microsoft.com/office/drawing/2014/main" id="{18830EFF-6054-42CA-94A1-32DEED97FB6A}"/>
+              </a:ext>
+            </a:extLst>
+          </p:cNvPr>
+          <p:cNvSpPr txBox="1"/>
+          <p:nvPr/>
+        </p:nvSpPr>
+        <p:spPr>
+          <a:xfrm>
+            <a:off x="5114533" y="3848149"/>
+            <a:ext cx="1800193" cy="307777"/>
+          </a:xfrm>
+          <a:prstGeom prst="rect">
+            <a:avLst/>
+          </a:prstGeom>
+          <a:noFill/>
+        </p:spPr>
+        <p:txBody>
+          <a:bodyPr wrap="square" rtlCol="0">
+            <a:spAutoFit/>
+          </a:bodyPr>
+          <a:lstStyle/>
+          <a:p>
+            <a:pPr algn="ctr"/>
+            <a:r>
+              <a:rPr lang="en-US" altLang="ko-KR" sz="1400" b="1">
+                <a:solidFill>
+                  <a:schemeClr val="accent4">
+                    <a:lumMod val="75000"/>
+                  </a:schemeClr>
+                </a:solidFill>
+              </a:rPr>
+              <a:t>Provider Network</a:t>
+            </a:r>
+            <a:endParaRPr lang="ko-KR" altLang="en-US" sz="1400" b="1" dirty="0">
+              <a:solidFill>
+                <a:schemeClr val="accent4">
+                  <a:lumMod val="75000"/>
+                </a:schemeClr>
+              </a:solidFill>
+            </a:endParaRPr>
+          </a:p>
+        </p:txBody>
+      </p:sp>
+      <p:sp>
+        <p:nvSpPr>
+          <p:cNvPr id="43" name="모서리가 둥근 직사각형 83">
+            <a:extLst>
+              <a:ext uri="{FF2B5EF4-FFF2-40B4-BE49-F238E27FC236}">
+                <a16:creationId xmlns:a16="http://schemas.microsoft.com/office/drawing/2014/main" id="{D48A55DB-8A4E-4576-BF9C-E28BE761F258}"/>
+              </a:ext>
+            </a:extLst>
+          </p:cNvPr>
+          <p:cNvSpPr/>
+          <p:nvPr/>
+        </p:nvSpPr>
+        <p:spPr>
+          <a:xfrm>
+            <a:off x="2581769" y="1786706"/>
+            <a:ext cx="1616682" cy="601124"/>
+          </a:xfrm>
+          <a:prstGeom prst="roundRect">
+            <a:avLst>
+              <a:gd name="adj" fmla="val 3400"/>
+            </a:avLst>
+          </a:prstGeom>
+        </p:spPr>
+        <p:style>
+          <a:lnRef idx="2">
+            <a:schemeClr val="dk1"/>
+          </a:lnRef>
+          <a:fillRef idx="1">
+            <a:schemeClr val="lt1"/>
+          </a:fillRef>
+          <a:effectRef idx="0">
+            <a:schemeClr val="dk1"/>
+          </a:effectRef>
+          <a:fontRef idx="minor">
+            <a:schemeClr val="dk1"/>
+          </a:fontRef>
+        </p:style>
+        <p:txBody>
+          <a:bodyPr rtlCol="0" anchor="ctr"/>
+          <a:lstStyle/>
+          <a:p>
+            <a:pPr algn="ctr"/>
+            <a:r>
+              <a:rPr lang="en-US" altLang="ko-KR" sz="1400" b="1"/>
+              <a:t>SDN Service Node</a:t>
+            </a:r>
+            <a:endParaRPr lang="ko-KR" altLang="en-US" sz="1400" b="1" dirty="0"/>
+          </a:p>
+        </p:txBody>
+      </p:sp>
+      <p:cxnSp>
+        <p:nvCxnSpPr>
+          <p:cNvPr id="46" name="직선 연결선 45">
+            <a:extLst>
+              <a:ext uri="{FF2B5EF4-FFF2-40B4-BE49-F238E27FC236}">
+                <a16:creationId xmlns:a16="http://schemas.microsoft.com/office/drawing/2014/main" id="{9630122D-D8A6-4495-9843-0DFB33EBB221}"/>
+              </a:ext>
+            </a:extLst>
+          </p:cNvPr>
+          <p:cNvCxnSpPr>
+            <a:cxnSpLocks/>
+            <a:endCxn id="43" idx="0"/>
+          </p:cNvCxnSpPr>
+          <p:nvPr/>
+        </p:nvCxnSpPr>
+        <p:spPr>
+          <a:xfrm>
+            <a:off x="3390110" y="1007319"/>
+            <a:ext cx="0" cy="779387"/>
+          </a:xfrm>
+          <a:prstGeom prst="line">
+            <a:avLst/>
+          </a:prstGeom>
+          <a:ln w="28575">
+            <a:solidFill>
+              <a:schemeClr val="accent6">
+                <a:lumMod val="75000"/>
+              </a:schemeClr>
+            </a:solidFill>
+          </a:ln>
+        </p:spPr>
+        <p:style>
+          <a:lnRef idx="1">
+            <a:schemeClr val="accent1"/>
+          </a:lnRef>
+          <a:fillRef idx="0">
+            <a:schemeClr val="accent1"/>
+          </a:fillRef>
+          <a:effectRef idx="0">
+            <a:schemeClr val="accent1"/>
+          </a:effectRef>
+          <a:fontRef idx="minor">
+            <a:schemeClr val="tx1"/>
+          </a:fontRef>
+        </p:style>
+      </p:cxnSp>
+      <p:cxnSp>
+        <p:nvCxnSpPr>
+          <p:cNvPr id="51" name="직선 연결선 50">
+            <a:extLst>
+              <a:ext uri="{FF2B5EF4-FFF2-40B4-BE49-F238E27FC236}">
+                <a16:creationId xmlns:a16="http://schemas.microsoft.com/office/drawing/2014/main" id="{92033CCF-FDB2-420D-9781-9BEF7CF1FF53}"/>
+              </a:ext>
+            </a:extLst>
+          </p:cNvPr>
+          <p:cNvCxnSpPr>
+            <a:cxnSpLocks/>
+            <a:stCxn id="43" idx="2"/>
+          </p:cNvCxnSpPr>
+          <p:nvPr/>
+        </p:nvCxnSpPr>
+        <p:spPr>
+          <a:xfrm>
+            <a:off x="3390110" y="2387830"/>
+            <a:ext cx="0" cy="1086771"/>
+          </a:xfrm>
+          <a:prstGeom prst="line">
+            <a:avLst/>
+          </a:prstGeom>
+          <a:ln w="28575">
+            <a:solidFill>
+              <a:schemeClr val="accent1"/>
+            </a:solidFill>
+          </a:ln>
+        </p:spPr>
+        <p:style>
+          <a:lnRef idx="1">
+            <a:schemeClr val="accent1"/>
+          </a:lnRef>
+          <a:fillRef idx="0">
+            <a:schemeClr val="accent1"/>
+          </a:fillRef>
+          <a:effectRef idx="0">
+            <a:schemeClr val="accent1"/>
+          </a:effectRef>
+          <a:fontRef idx="minor">
+            <a:schemeClr val="tx1"/>
+          </a:fontRef>
+        </p:style>
+      </p:cxnSp>
     </p:spTree>
     <p:extLst>
       <p:ext uri="{BB962C8B-B14F-4D97-AF65-F5344CB8AC3E}">
@@ -5065,12 +5504,8 @@
           <a:lstStyle/>
           <a:p>
             <a:r>
-              <a:rPr lang="en-US" altLang="ko-KR" sz="3600" dirty="0" smtClean="0"/>
-              <a:t>Host </a:t>
-            </a:r>
-            <a:r>
-              <a:rPr lang="en-US" altLang="ko-KR" sz="3600" dirty="0" smtClean="0"/>
-              <a:t>Network</a:t>
+              <a:rPr lang="en-US" altLang="ko-KR" sz="3600"/>
+              <a:t>Neutron Architecture</a:t>
             </a:r>
             <a:endParaRPr lang="ko-KR" altLang="en-US" sz="3600" dirty="0"/>
           </a:p>
@@ -5078,20 +5513,805 @@
       </p:sp>
       <p:sp>
         <p:nvSpPr>
-          <p:cNvPr id="4" name="모서리가 둥근 직사각형 3"/>
+          <p:cNvPr id="42" name="모서리가 둥근 직사각형 83">
+            <a:extLst>
+              <a:ext uri="{FF2B5EF4-FFF2-40B4-BE49-F238E27FC236}">
+                <a16:creationId xmlns:a16="http://schemas.microsoft.com/office/drawing/2014/main" id="{C5D80CB6-E5E3-455C-9FE0-6EC55590EF76}"/>
+              </a:ext>
+            </a:extLst>
+          </p:cNvPr>
           <p:cNvSpPr/>
           <p:nvPr/>
         </p:nvSpPr>
         <p:spPr>
           <a:xfrm>
-            <a:off x="1403648" y="1450413"/>
-            <a:ext cx="1616682" cy="2016224"/>
+            <a:off x="3227727" y="1635646"/>
+            <a:ext cx="1616682" cy="504056"/>
+          </a:xfrm>
+          <a:prstGeom prst="roundRect">
+            <a:avLst>
+              <a:gd name="adj" fmla="val 9076"/>
+            </a:avLst>
+          </a:prstGeom>
+        </p:spPr>
+        <p:style>
+          <a:lnRef idx="2">
+            <a:schemeClr val="dk1"/>
+          </a:lnRef>
+          <a:fillRef idx="1">
+            <a:schemeClr val="lt1"/>
+          </a:fillRef>
+          <a:effectRef idx="0">
+            <a:schemeClr val="dk1"/>
+          </a:effectRef>
+          <a:fontRef idx="minor">
+            <a:schemeClr val="dk1"/>
+          </a:fontRef>
+        </p:style>
+        <p:txBody>
+          <a:bodyPr rtlCol="0" anchor="ctr"/>
+          <a:lstStyle/>
+          <a:p>
+            <a:pPr algn="ctr"/>
+            <a:r>
+              <a:rPr lang="en-US" altLang="ko-KR" sz="1400"/>
+              <a:t>SDN Service</a:t>
+            </a:r>
+            <a:endParaRPr lang="ko-KR" altLang="en-US" sz="1400" dirty="0"/>
+          </a:p>
+        </p:txBody>
+      </p:sp>
+      <p:sp>
+        <p:nvSpPr>
+          <p:cNvPr id="44" name="모서리가 둥근 직사각형 12">
+            <a:extLst>
+              <a:ext uri="{FF2B5EF4-FFF2-40B4-BE49-F238E27FC236}">
+                <a16:creationId xmlns:a16="http://schemas.microsoft.com/office/drawing/2014/main" id="{BE4E35CB-AC9F-4016-A6C7-612846F5BB7D}"/>
+              </a:ext>
+            </a:extLst>
+          </p:cNvPr>
+          <p:cNvSpPr/>
+          <p:nvPr/>
+        </p:nvSpPr>
+        <p:spPr>
+          <a:xfrm>
+            <a:off x="5836268" y="1635646"/>
+            <a:ext cx="1328650" cy="462839"/>
+          </a:xfrm>
+          <a:prstGeom prst="roundRect">
+            <a:avLst>
+              <a:gd name="adj" fmla="val 7147"/>
+            </a:avLst>
+          </a:prstGeom>
+          <a:noFill/>
+        </p:spPr>
+        <p:style>
+          <a:lnRef idx="2">
+            <a:schemeClr val="dk1"/>
+          </a:lnRef>
+          <a:fillRef idx="1">
+            <a:schemeClr val="lt1"/>
+          </a:fillRef>
+          <a:effectRef idx="0">
+            <a:schemeClr val="dk1"/>
+          </a:effectRef>
+          <a:fontRef idx="minor">
+            <a:schemeClr val="dk1"/>
+          </a:fontRef>
+        </p:style>
+        <p:txBody>
+          <a:bodyPr rtlCol="0" anchor="ctr"/>
+          <a:lstStyle/>
+          <a:p>
+            <a:pPr algn="ctr"/>
+            <a:r>
+              <a:rPr lang="en-US" altLang="ko-KR" sz="1200" dirty="0" err="1"/>
+              <a:t>ML2</a:t>
+            </a:r>
+            <a:r>
+              <a:rPr lang="en-US" altLang="ko-KR" sz="1200" dirty="0"/>
+              <a:t> Plugin Agent</a:t>
+            </a:r>
+            <a:endParaRPr lang="ko-KR" altLang="en-US" sz="1200" dirty="0"/>
+          </a:p>
+        </p:txBody>
+      </p:sp>
+      <p:sp>
+        <p:nvSpPr>
+          <p:cNvPr id="45" name="모서리가 둥근 직사각형 13">
+            <a:extLst>
+              <a:ext uri="{FF2B5EF4-FFF2-40B4-BE49-F238E27FC236}">
+                <a16:creationId xmlns:a16="http://schemas.microsoft.com/office/drawing/2014/main" id="{C47F36CD-9A85-40A0-AF33-F3EC6FEBCE0C}"/>
+              </a:ext>
+            </a:extLst>
+          </p:cNvPr>
+          <p:cNvSpPr/>
+          <p:nvPr/>
+        </p:nvSpPr>
+        <p:spPr>
+          <a:xfrm>
+            <a:off x="5836268" y="2242501"/>
+            <a:ext cx="1328650" cy="288032"/>
+          </a:xfrm>
+          <a:prstGeom prst="roundRect">
+            <a:avLst>
+              <a:gd name="adj" fmla="val 13044"/>
+            </a:avLst>
+          </a:prstGeom>
+          <a:noFill/>
+        </p:spPr>
+        <p:style>
+          <a:lnRef idx="2">
+            <a:schemeClr val="dk1"/>
+          </a:lnRef>
+          <a:fillRef idx="1">
+            <a:schemeClr val="lt1"/>
+          </a:fillRef>
+          <a:effectRef idx="0">
+            <a:schemeClr val="dk1"/>
+          </a:effectRef>
+          <a:fontRef idx="minor">
+            <a:schemeClr val="dk1"/>
+          </a:fontRef>
+        </p:style>
+        <p:txBody>
+          <a:bodyPr rtlCol="0" anchor="ctr"/>
+          <a:lstStyle/>
+          <a:p>
+            <a:pPr algn="ctr"/>
+            <a:r>
+              <a:rPr lang="en-US" altLang="ko-KR" sz="1200" dirty="0" err="1"/>
+              <a:t>L3</a:t>
+            </a:r>
+            <a:r>
+              <a:rPr lang="en-US" altLang="ko-KR" sz="1200" dirty="0"/>
+              <a:t> Agent</a:t>
+            </a:r>
+            <a:endParaRPr lang="ko-KR" altLang="en-US" sz="1200" dirty="0"/>
+          </a:p>
+        </p:txBody>
+      </p:sp>
+      <p:sp>
+        <p:nvSpPr>
+          <p:cNvPr id="47" name="모서리가 둥근 직사각형 14">
+            <a:extLst>
+              <a:ext uri="{FF2B5EF4-FFF2-40B4-BE49-F238E27FC236}">
+                <a16:creationId xmlns:a16="http://schemas.microsoft.com/office/drawing/2014/main" id="{2A497618-4A76-4B1B-8B66-B4B832D60985}"/>
+              </a:ext>
+            </a:extLst>
+          </p:cNvPr>
+          <p:cNvSpPr/>
+          <p:nvPr/>
+        </p:nvSpPr>
+        <p:spPr>
+          <a:xfrm>
+            <a:off x="5836268" y="2674549"/>
+            <a:ext cx="1328650" cy="288032"/>
+          </a:xfrm>
+          <a:prstGeom prst="roundRect">
+            <a:avLst>
+              <a:gd name="adj" fmla="val 13044"/>
+            </a:avLst>
+          </a:prstGeom>
+          <a:noFill/>
+        </p:spPr>
+        <p:style>
+          <a:lnRef idx="2">
+            <a:schemeClr val="dk1"/>
+          </a:lnRef>
+          <a:fillRef idx="1">
+            <a:schemeClr val="lt1"/>
+          </a:fillRef>
+          <a:effectRef idx="0">
+            <a:schemeClr val="dk1"/>
+          </a:effectRef>
+          <a:fontRef idx="minor">
+            <a:schemeClr val="dk1"/>
+          </a:fontRef>
+        </p:style>
+        <p:txBody>
+          <a:bodyPr rtlCol="0" anchor="ctr"/>
+          <a:lstStyle/>
+          <a:p>
+            <a:pPr algn="ctr"/>
+            <a:r>
+              <a:rPr lang="en-US" altLang="ko-KR" sz="1200" dirty="0" err="1"/>
+              <a:t>DHCP</a:t>
+            </a:r>
+            <a:r>
+              <a:rPr lang="en-US" altLang="ko-KR" sz="1200" dirty="0"/>
+              <a:t> Agent</a:t>
+            </a:r>
+            <a:endParaRPr lang="ko-KR" altLang="en-US" sz="1200" dirty="0"/>
+          </a:p>
+        </p:txBody>
+      </p:sp>
+      <p:sp>
+        <p:nvSpPr>
+          <p:cNvPr id="52" name="모서리가 둥근 직사각형 15">
+            <a:extLst>
+              <a:ext uri="{FF2B5EF4-FFF2-40B4-BE49-F238E27FC236}">
+                <a16:creationId xmlns:a16="http://schemas.microsoft.com/office/drawing/2014/main" id="{6991A66D-E7D0-40B1-B0C8-D05609B92833}"/>
+              </a:ext>
+            </a:extLst>
+          </p:cNvPr>
+          <p:cNvSpPr/>
+          <p:nvPr/>
+        </p:nvSpPr>
+        <p:spPr>
+          <a:xfrm>
+            <a:off x="5836268" y="3106597"/>
+            <a:ext cx="1328650" cy="288032"/>
+          </a:xfrm>
+          <a:prstGeom prst="roundRect">
+            <a:avLst>
+              <a:gd name="adj" fmla="val 13044"/>
+            </a:avLst>
+          </a:prstGeom>
+          <a:noFill/>
+        </p:spPr>
+        <p:style>
+          <a:lnRef idx="2">
+            <a:schemeClr val="dk1"/>
+          </a:lnRef>
+          <a:fillRef idx="1">
+            <a:schemeClr val="lt1"/>
+          </a:fillRef>
+          <a:effectRef idx="0">
+            <a:schemeClr val="dk1"/>
+          </a:effectRef>
+          <a:fontRef idx="minor">
+            <a:schemeClr val="dk1"/>
+          </a:fontRef>
+        </p:style>
+        <p:txBody>
+          <a:bodyPr rtlCol="0" anchor="ctr"/>
+          <a:lstStyle/>
+          <a:p>
+            <a:pPr algn="ctr"/>
+            <a:r>
+              <a:rPr lang="en-US" altLang="ko-KR" sz="1200" dirty="0"/>
+              <a:t>Meta Agent</a:t>
+            </a:r>
+            <a:endParaRPr lang="ko-KR" altLang="en-US" sz="1200" dirty="0"/>
+          </a:p>
+        </p:txBody>
+      </p:sp>
+      <p:sp>
+        <p:nvSpPr>
+          <p:cNvPr id="53" name="모서리가 둥근 직사각형 83">
+            <a:extLst>
+              <a:ext uri="{FF2B5EF4-FFF2-40B4-BE49-F238E27FC236}">
+                <a16:creationId xmlns:a16="http://schemas.microsoft.com/office/drawing/2014/main" id="{AEE171DB-C64D-452B-9127-4FAADD951626}"/>
+              </a:ext>
+            </a:extLst>
+          </p:cNvPr>
+          <p:cNvSpPr/>
+          <p:nvPr/>
+        </p:nvSpPr>
+        <p:spPr>
+          <a:xfrm>
+            <a:off x="3227727" y="2853260"/>
+            <a:ext cx="1616682" cy="504056"/>
+          </a:xfrm>
+          <a:prstGeom prst="roundRect">
+            <a:avLst>
+              <a:gd name="adj" fmla="val 9076"/>
+            </a:avLst>
+          </a:prstGeom>
+        </p:spPr>
+        <p:style>
+          <a:lnRef idx="2">
+            <a:schemeClr val="dk1"/>
+          </a:lnRef>
+          <a:fillRef idx="1">
+            <a:schemeClr val="lt1"/>
+          </a:fillRef>
+          <a:effectRef idx="0">
+            <a:schemeClr val="dk1"/>
+          </a:effectRef>
+          <a:fontRef idx="minor">
+            <a:schemeClr val="dk1"/>
+          </a:fontRef>
+        </p:style>
+        <p:txBody>
+          <a:bodyPr rtlCol="0" anchor="ctr"/>
+          <a:lstStyle/>
+          <a:p>
+            <a:pPr algn="ctr"/>
+            <a:r>
+              <a:rPr lang="en-US" altLang="ko-KR" sz="1400"/>
+              <a:t>Message Queue</a:t>
+            </a:r>
+            <a:endParaRPr lang="ko-KR" altLang="en-US" sz="1400" dirty="0"/>
+          </a:p>
+        </p:txBody>
+      </p:sp>
+      <p:sp>
+        <p:nvSpPr>
+          <p:cNvPr id="54" name="모서리가 둥근 직사각형 49">
+            <a:extLst>
+              <a:ext uri="{FF2B5EF4-FFF2-40B4-BE49-F238E27FC236}">
+                <a16:creationId xmlns:a16="http://schemas.microsoft.com/office/drawing/2014/main" id="{A4EEEF8E-A9DE-46B7-AB71-8DB77C1442E4}"/>
+              </a:ext>
+            </a:extLst>
+          </p:cNvPr>
+          <p:cNvSpPr/>
+          <p:nvPr/>
+        </p:nvSpPr>
+        <p:spPr>
+          <a:xfrm>
+            <a:off x="1011732" y="1676863"/>
+            <a:ext cx="1328650" cy="462839"/>
+          </a:xfrm>
+          <a:prstGeom prst="roundRect">
+            <a:avLst>
+              <a:gd name="adj" fmla="val 13044"/>
+            </a:avLst>
+          </a:prstGeom>
+          <a:noFill/>
+        </p:spPr>
+        <p:style>
+          <a:lnRef idx="2">
+            <a:schemeClr val="dk1"/>
+          </a:lnRef>
+          <a:fillRef idx="1">
+            <a:schemeClr val="lt1"/>
+          </a:fillRef>
+          <a:effectRef idx="0">
+            <a:schemeClr val="dk1"/>
+          </a:effectRef>
+          <a:fontRef idx="minor">
+            <a:schemeClr val="dk1"/>
+          </a:fontRef>
+        </p:style>
+        <p:txBody>
+          <a:bodyPr rtlCol="0" anchor="ctr"/>
+          <a:lstStyle/>
+          <a:p>
+            <a:pPr algn="ctr"/>
+            <a:r>
+              <a:rPr lang="en-US" altLang="ko-KR" sz="1400" dirty="0"/>
+              <a:t>Neutron Server</a:t>
+            </a:r>
+            <a:endParaRPr lang="ko-KR" altLang="en-US" sz="1400" dirty="0"/>
+          </a:p>
+        </p:txBody>
+      </p:sp>
+      <p:cxnSp>
+        <p:nvCxnSpPr>
+          <p:cNvPr id="56" name="직선 연결선 55">
+            <a:extLst>
+              <a:ext uri="{FF2B5EF4-FFF2-40B4-BE49-F238E27FC236}">
+                <a16:creationId xmlns:a16="http://schemas.microsoft.com/office/drawing/2014/main" id="{B840CCAE-D4BB-4C95-B2C9-36EDB92E6CD4}"/>
+              </a:ext>
+            </a:extLst>
+          </p:cNvPr>
+          <p:cNvCxnSpPr>
+            <a:cxnSpLocks/>
+            <a:stCxn id="54" idx="3"/>
+            <a:endCxn id="53" idx="1"/>
+          </p:cNvCxnSpPr>
+          <p:nvPr/>
+        </p:nvCxnSpPr>
+        <p:spPr>
+          <a:xfrm>
+            <a:off x="2340382" y="1908283"/>
+            <a:ext cx="887345" cy="1197005"/>
+          </a:xfrm>
+          <a:prstGeom prst="line">
+            <a:avLst/>
+          </a:prstGeom>
+          <a:ln w="28575">
+            <a:solidFill>
+              <a:schemeClr val="accent2"/>
+            </a:solidFill>
+          </a:ln>
+        </p:spPr>
+        <p:style>
+          <a:lnRef idx="1">
+            <a:schemeClr val="accent1"/>
+          </a:lnRef>
+          <a:fillRef idx="0">
+            <a:schemeClr val="accent1"/>
+          </a:fillRef>
+          <a:effectRef idx="0">
+            <a:schemeClr val="accent1"/>
+          </a:effectRef>
+          <a:fontRef idx="minor">
+            <a:schemeClr val="tx1"/>
+          </a:fontRef>
+        </p:style>
+      </p:cxnSp>
+      <p:cxnSp>
+        <p:nvCxnSpPr>
+          <p:cNvPr id="57" name="직선 연결선 56">
+            <a:extLst>
+              <a:ext uri="{FF2B5EF4-FFF2-40B4-BE49-F238E27FC236}">
+                <a16:creationId xmlns:a16="http://schemas.microsoft.com/office/drawing/2014/main" id="{7DAF916A-1567-445E-91D9-CDA8CBD0E572}"/>
+              </a:ext>
+            </a:extLst>
+          </p:cNvPr>
+          <p:cNvCxnSpPr>
+            <a:cxnSpLocks/>
+            <a:stCxn id="44" idx="1"/>
+            <a:endCxn id="53" idx="3"/>
+          </p:cNvCxnSpPr>
+          <p:nvPr/>
+        </p:nvCxnSpPr>
+        <p:spPr>
+          <a:xfrm flipH="1">
+            <a:off x="4844409" y="1867066"/>
+            <a:ext cx="991859" cy="1238222"/>
+          </a:xfrm>
+          <a:prstGeom prst="line">
+            <a:avLst/>
+          </a:prstGeom>
+          <a:ln w="28575">
+            <a:solidFill>
+              <a:schemeClr val="accent2"/>
+            </a:solidFill>
+          </a:ln>
+        </p:spPr>
+        <p:style>
+          <a:lnRef idx="1">
+            <a:schemeClr val="accent1"/>
+          </a:lnRef>
+          <a:fillRef idx="0">
+            <a:schemeClr val="accent1"/>
+          </a:fillRef>
+          <a:effectRef idx="0">
+            <a:schemeClr val="accent1"/>
+          </a:effectRef>
+          <a:fontRef idx="minor">
+            <a:schemeClr val="tx1"/>
+          </a:fontRef>
+        </p:style>
+      </p:cxnSp>
+      <p:cxnSp>
+        <p:nvCxnSpPr>
+          <p:cNvPr id="58" name="직선 연결선 57">
+            <a:extLst>
+              <a:ext uri="{FF2B5EF4-FFF2-40B4-BE49-F238E27FC236}">
+                <a16:creationId xmlns:a16="http://schemas.microsoft.com/office/drawing/2014/main" id="{715AAFEC-970C-4A3B-8AAD-CDDE5907DBFF}"/>
+              </a:ext>
+            </a:extLst>
+          </p:cNvPr>
+          <p:cNvCxnSpPr>
+            <a:cxnSpLocks/>
+            <a:stCxn id="45" idx="1"/>
+            <a:endCxn id="53" idx="3"/>
+          </p:cNvCxnSpPr>
+          <p:nvPr/>
+        </p:nvCxnSpPr>
+        <p:spPr>
+          <a:xfrm flipH="1">
+            <a:off x="4844409" y="2386517"/>
+            <a:ext cx="991859" cy="718771"/>
+          </a:xfrm>
+          <a:prstGeom prst="line">
+            <a:avLst/>
+          </a:prstGeom>
+          <a:ln w="28575">
+            <a:solidFill>
+              <a:schemeClr val="accent2"/>
+            </a:solidFill>
+          </a:ln>
+        </p:spPr>
+        <p:style>
+          <a:lnRef idx="1">
+            <a:schemeClr val="accent1"/>
+          </a:lnRef>
+          <a:fillRef idx="0">
+            <a:schemeClr val="accent1"/>
+          </a:fillRef>
+          <a:effectRef idx="0">
+            <a:schemeClr val="accent1"/>
+          </a:effectRef>
+          <a:fontRef idx="minor">
+            <a:schemeClr val="tx1"/>
+          </a:fontRef>
+        </p:style>
+      </p:cxnSp>
+      <p:cxnSp>
+        <p:nvCxnSpPr>
+          <p:cNvPr id="61" name="직선 연결선 60">
+            <a:extLst>
+              <a:ext uri="{FF2B5EF4-FFF2-40B4-BE49-F238E27FC236}">
+                <a16:creationId xmlns:a16="http://schemas.microsoft.com/office/drawing/2014/main" id="{7FC46266-3A9A-48F4-9CB7-2DAC7123829E}"/>
+              </a:ext>
+            </a:extLst>
+          </p:cNvPr>
+          <p:cNvCxnSpPr>
+            <a:cxnSpLocks/>
+            <a:stCxn id="47" idx="1"/>
+            <a:endCxn id="53" idx="3"/>
+          </p:cNvCxnSpPr>
+          <p:nvPr/>
+        </p:nvCxnSpPr>
+        <p:spPr>
+          <a:xfrm flipH="1">
+            <a:off x="4844409" y="2818565"/>
+            <a:ext cx="991859" cy="286723"/>
+          </a:xfrm>
+          <a:prstGeom prst="line">
+            <a:avLst/>
+          </a:prstGeom>
+          <a:ln w="28575">
+            <a:solidFill>
+              <a:schemeClr val="accent2"/>
+            </a:solidFill>
+          </a:ln>
+        </p:spPr>
+        <p:style>
+          <a:lnRef idx="1">
+            <a:schemeClr val="accent1"/>
+          </a:lnRef>
+          <a:fillRef idx="0">
+            <a:schemeClr val="accent1"/>
+          </a:fillRef>
+          <a:effectRef idx="0">
+            <a:schemeClr val="accent1"/>
+          </a:effectRef>
+          <a:fontRef idx="minor">
+            <a:schemeClr val="tx1"/>
+          </a:fontRef>
+        </p:style>
+      </p:cxnSp>
+      <p:cxnSp>
+        <p:nvCxnSpPr>
+          <p:cNvPr id="63" name="직선 연결선 62">
+            <a:extLst>
+              <a:ext uri="{FF2B5EF4-FFF2-40B4-BE49-F238E27FC236}">
+                <a16:creationId xmlns:a16="http://schemas.microsoft.com/office/drawing/2014/main" id="{E3A1FCCC-EE94-481F-A2A0-19A37F8BB715}"/>
+              </a:ext>
+            </a:extLst>
+          </p:cNvPr>
+          <p:cNvCxnSpPr>
+            <a:cxnSpLocks/>
+            <a:stCxn id="52" idx="1"/>
+            <a:endCxn id="53" idx="3"/>
+          </p:cNvCxnSpPr>
+          <p:nvPr/>
+        </p:nvCxnSpPr>
+        <p:spPr>
+          <a:xfrm flipH="1" flipV="1">
+            <a:off x="4844409" y="3105288"/>
+            <a:ext cx="991859" cy="145325"/>
+          </a:xfrm>
+          <a:prstGeom prst="line">
+            <a:avLst/>
+          </a:prstGeom>
+          <a:ln w="28575">
+            <a:solidFill>
+              <a:schemeClr val="accent2"/>
+            </a:solidFill>
+          </a:ln>
+        </p:spPr>
+        <p:style>
+          <a:lnRef idx="1">
+            <a:schemeClr val="accent1"/>
+          </a:lnRef>
+          <a:fillRef idx="0">
+            <a:schemeClr val="accent1"/>
+          </a:fillRef>
+          <a:effectRef idx="0">
+            <a:schemeClr val="accent1"/>
+          </a:effectRef>
+          <a:fontRef idx="minor">
+            <a:schemeClr val="tx1"/>
+          </a:fontRef>
+        </p:style>
+      </p:cxnSp>
+      <p:cxnSp>
+        <p:nvCxnSpPr>
+          <p:cNvPr id="66" name="직선 연결선 65">
+            <a:extLst>
+              <a:ext uri="{FF2B5EF4-FFF2-40B4-BE49-F238E27FC236}">
+                <a16:creationId xmlns:a16="http://schemas.microsoft.com/office/drawing/2014/main" id="{196A1954-F175-43F4-850F-255A2E2FEB77}"/>
+              </a:ext>
+            </a:extLst>
+          </p:cNvPr>
+          <p:cNvCxnSpPr>
+            <a:cxnSpLocks/>
+            <a:stCxn id="54" idx="2"/>
+            <a:endCxn id="24" idx="1"/>
+          </p:cNvCxnSpPr>
+          <p:nvPr/>
+        </p:nvCxnSpPr>
+        <p:spPr>
+          <a:xfrm>
+            <a:off x="1676057" y="2139702"/>
+            <a:ext cx="0" cy="393050"/>
+          </a:xfrm>
+          <a:prstGeom prst="line">
+            <a:avLst/>
+          </a:prstGeom>
+          <a:ln w="28575">
+            <a:solidFill>
+              <a:schemeClr val="tx1"/>
+            </a:solidFill>
+          </a:ln>
+        </p:spPr>
+        <p:style>
+          <a:lnRef idx="1">
+            <a:schemeClr val="accent1"/>
+          </a:lnRef>
+          <a:fillRef idx="0">
+            <a:schemeClr val="accent1"/>
+          </a:fillRef>
+          <a:effectRef idx="0">
+            <a:schemeClr val="accent1"/>
+          </a:effectRef>
+          <a:fontRef idx="minor">
+            <a:schemeClr val="tx1"/>
+          </a:fontRef>
+        </p:style>
+      </p:cxnSp>
+      <p:sp>
+        <p:nvSpPr>
+          <p:cNvPr id="24" name="원통형 23">
+            <a:extLst>
+              <a:ext uri="{FF2B5EF4-FFF2-40B4-BE49-F238E27FC236}">
+                <a16:creationId xmlns:a16="http://schemas.microsoft.com/office/drawing/2014/main" id="{7B2AF53B-7BE6-47CB-AE03-4BB33D24EC35}"/>
+              </a:ext>
+            </a:extLst>
+          </p:cNvPr>
+          <p:cNvSpPr/>
+          <p:nvPr/>
+        </p:nvSpPr>
+        <p:spPr>
+          <a:xfrm>
+            <a:off x="1165004" y="2532752"/>
+            <a:ext cx="1022106" cy="831086"/>
+          </a:xfrm>
+          <a:prstGeom prst="can">
+            <a:avLst/>
+          </a:prstGeom>
+        </p:spPr>
+        <p:style>
+          <a:lnRef idx="2">
+            <a:schemeClr val="dk1"/>
+          </a:lnRef>
+          <a:fillRef idx="1">
+            <a:schemeClr val="lt1"/>
+          </a:fillRef>
+          <a:effectRef idx="0">
+            <a:schemeClr val="dk1"/>
+          </a:effectRef>
+          <a:fontRef idx="minor">
+            <a:schemeClr val="dk1"/>
+          </a:fontRef>
+        </p:style>
+        <p:txBody>
+          <a:bodyPr rtlCol="0" anchor="ctr"/>
+          <a:lstStyle/>
+          <a:p>
+            <a:pPr algn="ctr"/>
+            <a:r>
+              <a:rPr lang="en-US" altLang="ko-KR" sz="1400"/>
+              <a:t>DB</a:t>
+            </a:r>
+            <a:endParaRPr lang="ko-KR" altLang="en-US" sz="1400"/>
+          </a:p>
+        </p:txBody>
+      </p:sp>
+      <p:cxnSp>
+        <p:nvCxnSpPr>
+          <p:cNvPr id="73" name="직선 연결선 72">
+            <a:extLst>
+              <a:ext uri="{FF2B5EF4-FFF2-40B4-BE49-F238E27FC236}">
+                <a16:creationId xmlns:a16="http://schemas.microsoft.com/office/drawing/2014/main" id="{70B51FB6-F714-453A-BE99-60E14DBD22CB}"/>
+              </a:ext>
+            </a:extLst>
+          </p:cNvPr>
+          <p:cNvCxnSpPr>
+            <a:cxnSpLocks/>
+            <a:stCxn id="42" idx="1"/>
+            <a:endCxn id="54" idx="3"/>
+          </p:cNvCxnSpPr>
+          <p:nvPr/>
+        </p:nvCxnSpPr>
+        <p:spPr>
+          <a:xfrm flipH="1">
+            <a:off x="2340382" y="1887674"/>
+            <a:ext cx="887345" cy="20609"/>
+          </a:xfrm>
+          <a:prstGeom prst="line">
+            <a:avLst/>
+          </a:prstGeom>
+          <a:ln w="28575">
+            <a:solidFill>
+              <a:schemeClr val="accent1"/>
+            </a:solidFill>
+          </a:ln>
+        </p:spPr>
+        <p:style>
+          <a:lnRef idx="1">
+            <a:schemeClr val="accent1"/>
+          </a:lnRef>
+          <a:fillRef idx="0">
+            <a:schemeClr val="accent1"/>
+          </a:fillRef>
+          <a:effectRef idx="0">
+            <a:schemeClr val="accent1"/>
+          </a:effectRef>
+          <a:fontRef idx="minor">
+            <a:schemeClr val="tx1"/>
+          </a:fontRef>
+        </p:style>
+      </p:cxnSp>
+      <p:cxnSp>
+        <p:nvCxnSpPr>
+          <p:cNvPr id="87" name="직선 연결선 86">
+            <a:extLst>
+              <a:ext uri="{FF2B5EF4-FFF2-40B4-BE49-F238E27FC236}">
+                <a16:creationId xmlns:a16="http://schemas.microsoft.com/office/drawing/2014/main" id="{F4EF03C2-CCB8-4B30-B5EB-DFD69F430682}"/>
+              </a:ext>
+            </a:extLst>
+          </p:cNvPr>
+          <p:cNvCxnSpPr>
+            <a:cxnSpLocks/>
+            <a:stCxn id="44" idx="1"/>
+            <a:endCxn id="42" idx="3"/>
+          </p:cNvCxnSpPr>
+          <p:nvPr/>
+        </p:nvCxnSpPr>
+        <p:spPr>
+          <a:xfrm flipH="1">
+            <a:off x="4844409" y="1867066"/>
+            <a:ext cx="991859" cy="20608"/>
+          </a:xfrm>
+          <a:prstGeom prst="line">
+            <a:avLst/>
+          </a:prstGeom>
+          <a:ln w="28575">
+            <a:solidFill>
+              <a:schemeClr val="accent1"/>
+            </a:solidFill>
+          </a:ln>
+        </p:spPr>
+        <p:style>
+          <a:lnRef idx="1">
+            <a:schemeClr val="accent1"/>
+          </a:lnRef>
+          <a:fillRef idx="0">
+            <a:schemeClr val="accent1"/>
+          </a:fillRef>
+          <a:effectRef idx="0">
+            <a:schemeClr val="accent1"/>
+          </a:effectRef>
+          <a:fontRef idx="minor">
+            <a:schemeClr val="tx1"/>
+          </a:fontRef>
+        </p:style>
+      </p:cxnSp>
+      <p:sp>
+        <p:nvSpPr>
+          <p:cNvPr id="88" name="모서리가 둥근 직사각형 16">
+            <a:extLst>
+              <a:ext uri="{FF2B5EF4-FFF2-40B4-BE49-F238E27FC236}">
+                <a16:creationId xmlns:a16="http://schemas.microsoft.com/office/drawing/2014/main" id="{9FCCCCDD-F2EF-417F-8D7D-9A9B28E181F2}"/>
+              </a:ext>
+            </a:extLst>
+          </p:cNvPr>
+          <p:cNvSpPr/>
+          <p:nvPr/>
+        </p:nvSpPr>
+        <p:spPr>
+          <a:xfrm>
+            <a:off x="7632340" y="2239849"/>
+            <a:ext cx="828092" cy="290684"/>
           </a:xfrm>
           <a:prstGeom prst="roundRect">
             <a:avLst>
               <a:gd name="adj" fmla="val 3400"/>
             </a:avLst>
           </a:prstGeom>
+          <a:noFill/>
+          <a:ln>
+            <a:noFill/>
+          </a:ln>
         </p:spPr>
         <p:style>
           <a:lnRef idx="2">
@@ -5111,9 +6331,4607 @@
           <a:bodyPr rtlCol="0" anchor="t"/>
           <a:lstStyle/>
           <a:p>
+            <a:r>
+              <a:rPr lang="en-US" altLang="ko-KR" sz="1200"/>
+              <a:t>RPC</a:t>
+            </a:r>
+            <a:endParaRPr lang="ko-KR" altLang="en-US" sz="1200" dirty="0"/>
+          </a:p>
+        </p:txBody>
+      </p:sp>
+      <p:sp>
+        <p:nvSpPr>
+          <p:cNvPr id="89" name="모서리가 둥근 직사각형 16">
+            <a:extLst>
+              <a:ext uri="{FF2B5EF4-FFF2-40B4-BE49-F238E27FC236}">
+                <a16:creationId xmlns:a16="http://schemas.microsoft.com/office/drawing/2014/main" id="{AD1CDF0F-E7AB-45CB-8FEE-D3973643846D}"/>
+              </a:ext>
+            </a:extLst>
+          </p:cNvPr>
+          <p:cNvSpPr/>
+          <p:nvPr/>
+        </p:nvSpPr>
+        <p:spPr>
+          <a:xfrm>
+            <a:off x="7632340" y="2527881"/>
+            <a:ext cx="828092" cy="286724"/>
+          </a:xfrm>
+          <a:prstGeom prst="roundRect">
+            <a:avLst>
+              <a:gd name="adj" fmla="val 3400"/>
+            </a:avLst>
+          </a:prstGeom>
+          <a:noFill/>
+          <a:ln>
+            <a:noFill/>
+          </a:ln>
+        </p:spPr>
+        <p:style>
+          <a:lnRef idx="2">
+            <a:schemeClr val="dk1"/>
+          </a:lnRef>
+          <a:fillRef idx="1">
+            <a:schemeClr val="lt1"/>
+          </a:fillRef>
+          <a:effectRef idx="0">
+            <a:schemeClr val="dk1"/>
+          </a:effectRef>
+          <a:fontRef idx="minor">
+            <a:schemeClr val="dk1"/>
+          </a:fontRef>
+        </p:style>
+        <p:txBody>
+          <a:bodyPr rtlCol="0" anchor="t"/>
+          <a:lstStyle/>
+          <a:p>
+            <a:r>
+              <a:rPr lang="en-US" altLang="ko-KR" sz="1200"/>
+              <a:t>REST API</a:t>
+            </a:r>
+            <a:endParaRPr lang="ko-KR" altLang="en-US" sz="1200" dirty="0"/>
+          </a:p>
+        </p:txBody>
+      </p:sp>
+      <p:cxnSp>
+        <p:nvCxnSpPr>
+          <p:cNvPr id="90" name="직선 연결선 89">
+            <a:extLst>
+              <a:ext uri="{FF2B5EF4-FFF2-40B4-BE49-F238E27FC236}">
+                <a16:creationId xmlns:a16="http://schemas.microsoft.com/office/drawing/2014/main" id="{079B8A53-750B-42BA-B9B3-8B89223D9E0D}"/>
+              </a:ext>
+            </a:extLst>
+          </p:cNvPr>
+          <p:cNvCxnSpPr>
+            <a:cxnSpLocks/>
+            <a:stCxn id="88" idx="1"/>
+          </p:cNvCxnSpPr>
+          <p:nvPr/>
+        </p:nvCxnSpPr>
+        <p:spPr>
+          <a:xfrm flipH="1" flipV="1">
+            <a:off x="7348436" y="2383882"/>
+            <a:ext cx="283904" cy="1309"/>
+          </a:xfrm>
+          <a:prstGeom prst="line">
+            <a:avLst/>
+          </a:prstGeom>
+          <a:ln w="28575">
+            <a:solidFill>
+              <a:schemeClr val="accent2"/>
+            </a:solidFill>
+          </a:ln>
+        </p:spPr>
+        <p:style>
+          <a:lnRef idx="1">
+            <a:schemeClr val="accent1"/>
+          </a:lnRef>
+          <a:fillRef idx="0">
+            <a:schemeClr val="accent1"/>
+          </a:fillRef>
+          <a:effectRef idx="0">
+            <a:schemeClr val="accent1"/>
+          </a:effectRef>
+          <a:fontRef idx="minor">
+            <a:schemeClr val="tx1"/>
+          </a:fontRef>
+        </p:style>
+      </p:cxnSp>
+      <p:cxnSp>
+        <p:nvCxnSpPr>
+          <p:cNvPr id="91" name="직선 연결선 90">
+            <a:extLst>
+              <a:ext uri="{FF2B5EF4-FFF2-40B4-BE49-F238E27FC236}">
+                <a16:creationId xmlns:a16="http://schemas.microsoft.com/office/drawing/2014/main" id="{EAC8A567-08F1-4FBA-A4A1-69BAD9D9031D}"/>
+              </a:ext>
+            </a:extLst>
+          </p:cNvPr>
+          <p:cNvCxnSpPr>
+            <a:cxnSpLocks/>
+            <a:stCxn id="89" idx="1"/>
+          </p:cNvCxnSpPr>
+          <p:nvPr/>
+        </p:nvCxnSpPr>
+        <p:spPr>
+          <a:xfrm flipH="1">
+            <a:off x="7348436" y="2671243"/>
+            <a:ext cx="283904" cy="0"/>
+          </a:xfrm>
+          <a:prstGeom prst="line">
+            <a:avLst/>
+          </a:prstGeom>
+          <a:ln w="28575">
+            <a:solidFill>
+              <a:schemeClr val="accent1"/>
+            </a:solidFill>
+          </a:ln>
+        </p:spPr>
+        <p:style>
+          <a:lnRef idx="1">
+            <a:schemeClr val="accent1"/>
+          </a:lnRef>
+          <a:fillRef idx="0">
+            <a:schemeClr val="accent1"/>
+          </a:fillRef>
+          <a:effectRef idx="0">
+            <a:schemeClr val="accent1"/>
+          </a:effectRef>
+          <a:fontRef idx="minor">
+            <a:schemeClr val="tx1"/>
+          </a:fontRef>
+        </p:style>
+      </p:cxnSp>
+    </p:spTree>
+    <p:extLst>
+      <p:ext uri="{BB962C8B-B14F-4D97-AF65-F5344CB8AC3E}">
+        <p14:creationId xmlns:p14="http://schemas.microsoft.com/office/powerpoint/2010/main" val="551393433"/>
+      </p:ext>
+    </p:extLst>
+  </p:cSld>
+  <p:clrMapOvr>
+    <a:masterClrMapping/>
+  </p:clrMapOvr>
+</p:sld>
+</file>
+
+<file path=ppt/slides/slide3.xml><?xml version="1.0" encoding="utf-8"?>
+<p:sld xmlns:a="http://schemas.openxmlformats.org/drawingml/2006/main" xmlns:r="http://schemas.openxmlformats.org/officeDocument/2006/relationships" xmlns:p="http://schemas.openxmlformats.org/presentationml/2006/main">
+  <p:cSld>
+    <p:spTree>
+      <p:nvGrpSpPr>
+        <p:cNvPr id="1" name=""/>
+        <p:cNvGrpSpPr/>
+        <p:nvPr/>
+      </p:nvGrpSpPr>
+      <p:grpSpPr>
+        <a:xfrm>
+          <a:off x="0" y="0"/>
+          <a:ext cx="0" cy="0"/>
+          <a:chOff x="0" y="0"/>
+          <a:chExt cx="0" cy="0"/>
+        </a:xfrm>
+      </p:grpSpPr>
+      <p:sp>
+        <p:nvSpPr>
+          <p:cNvPr id="2" name="제목 1"/>
+          <p:cNvSpPr>
+            <a:spLocks noGrp="1"/>
+          </p:cNvSpPr>
+          <p:nvPr>
+            <p:ph type="title"/>
+          </p:nvPr>
+        </p:nvSpPr>
+        <p:spPr>
+          <a:xfrm>
+            <a:off x="457200" y="-20538"/>
+            <a:ext cx="8229600" cy="720080"/>
+          </a:xfrm>
+        </p:spPr>
+        <p:txBody>
+          <a:bodyPr>
+            <a:normAutofit/>
+          </a:bodyPr>
+          <a:lstStyle/>
+          <a:p>
+            <a:r>
+              <a:rPr lang="en-US" altLang="ko-KR" sz="3600" dirty="0"/>
+              <a:t>Compute Node</a:t>
+            </a:r>
+            <a:r>
+              <a:rPr lang="en-US" altLang="ko-KR" sz="3600"/>
+              <a:t>, VXLAN</a:t>
+            </a:r>
+            <a:r>
+              <a:rPr lang="en-US" altLang="ko-KR" sz="3600" dirty="0"/>
+              <a:t>, No </a:t>
+            </a:r>
+            <a:r>
+              <a:rPr lang="en-US" altLang="ko-KR" sz="3600" dirty="0" err="1"/>
+              <a:t>OVS</a:t>
+            </a:r>
+            <a:r>
+              <a:rPr lang="en-US" altLang="ko-KR" sz="3600" dirty="0"/>
+              <a:t> </a:t>
+            </a:r>
+            <a:endParaRPr lang="ko-KR" altLang="en-US" sz="3600" dirty="0"/>
+          </a:p>
+        </p:txBody>
+      </p:sp>
+      <p:sp>
+        <p:nvSpPr>
+          <p:cNvPr id="4" name="모서리가 둥근 직사각형 3"/>
+          <p:cNvSpPr/>
+          <p:nvPr/>
+        </p:nvSpPr>
+        <p:spPr>
+          <a:xfrm>
+            <a:off x="1475656" y="1275606"/>
+            <a:ext cx="5904656" cy="3168352"/>
+          </a:xfrm>
+          <a:prstGeom prst="roundRect">
+            <a:avLst>
+              <a:gd name="adj" fmla="val 3400"/>
+            </a:avLst>
+          </a:prstGeom>
+        </p:spPr>
+        <p:style>
+          <a:lnRef idx="2">
+            <a:schemeClr val="dk1"/>
+          </a:lnRef>
+          <a:fillRef idx="1">
+            <a:schemeClr val="lt1"/>
+          </a:fillRef>
+          <a:effectRef idx="0">
+            <a:schemeClr val="dk1"/>
+          </a:effectRef>
+          <a:fontRef idx="minor">
+            <a:schemeClr val="dk1"/>
+          </a:fontRef>
+        </p:style>
+        <p:txBody>
+          <a:bodyPr rtlCol="0" anchor="t"/>
+          <a:lstStyle/>
+          <a:p>
             <a:pPr algn="ctr"/>
             <a:r>
-              <a:rPr lang="en-US" altLang="ko-KR" sz="1400" b="1" dirty="0" smtClean="0"/>
+              <a:rPr lang="en-US" altLang="ko-KR" sz="1400" b="1" dirty="0"/>
+              <a:t>Compute Node</a:t>
+            </a:r>
+            <a:endParaRPr lang="ko-KR" altLang="en-US" sz="1400" b="1" dirty="0"/>
+          </a:p>
+        </p:txBody>
+      </p:sp>
+      <p:sp>
+        <p:nvSpPr>
+          <p:cNvPr id="7" name="모서리가 둥근 직사각형 6"/>
+          <p:cNvSpPr/>
+          <p:nvPr/>
+        </p:nvSpPr>
+        <p:spPr>
+          <a:xfrm>
+            <a:off x="1619672" y="1659277"/>
+            <a:ext cx="1296144" cy="722732"/>
+          </a:xfrm>
+          <a:prstGeom prst="roundRect">
+            <a:avLst>
+              <a:gd name="adj" fmla="val 3400"/>
+            </a:avLst>
+          </a:prstGeom>
+        </p:spPr>
+        <p:style>
+          <a:lnRef idx="2">
+            <a:schemeClr val="dk1"/>
+          </a:lnRef>
+          <a:fillRef idx="1">
+            <a:schemeClr val="lt1"/>
+          </a:fillRef>
+          <a:effectRef idx="0">
+            <a:schemeClr val="dk1"/>
+          </a:effectRef>
+          <a:fontRef idx="minor">
+            <a:schemeClr val="dk1"/>
+          </a:fontRef>
+        </p:style>
+        <p:txBody>
+          <a:bodyPr rtlCol="0" anchor="t"/>
+          <a:lstStyle/>
+          <a:p>
+            <a:pPr algn="ctr"/>
+            <a:r>
+              <a:rPr lang="en-US" altLang="ko-KR" sz="1400" b="1" dirty="0" err="1"/>
+              <a:t>VM</a:t>
+            </a:r>
+            <a:r>
+              <a:rPr lang="en-US" altLang="ko-KR" sz="1400" b="1" dirty="0"/>
+              <a:t> A</a:t>
+            </a:r>
+            <a:endParaRPr lang="ko-KR" altLang="en-US" sz="1400" b="1" dirty="0"/>
+          </a:p>
+        </p:txBody>
+      </p:sp>
+      <p:sp>
+        <p:nvSpPr>
+          <p:cNvPr id="9" name="모서리가 둥근 직사각형 8"/>
+          <p:cNvSpPr/>
+          <p:nvPr/>
+        </p:nvSpPr>
+        <p:spPr>
+          <a:xfrm>
+            <a:off x="3059832" y="1659277"/>
+            <a:ext cx="1296144" cy="722732"/>
+          </a:xfrm>
+          <a:prstGeom prst="roundRect">
+            <a:avLst>
+              <a:gd name="adj" fmla="val 3400"/>
+            </a:avLst>
+          </a:prstGeom>
+        </p:spPr>
+        <p:style>
+          <a:lnRef idx="2">
+            <a:schemeClr val="dk1"/>
+          </a:lnRef>
+          <a:fillRef idx="1">
+            <a:schemeClr val="lt1"/>
+          </a:fillRef>
+          <a:effectRef idx="0">
+            <a:schemeClr val="dk1"/>
+          </a:effectRef>
+          <a:fontRef idx="minor">
+            <a:schemeClr val="dk1"/>
+          </a:fontRef>
+        </p:style>
+        <p:txBody>
+          <a:bodyPr rtlCol="0" anchor="t"/>
+          <a:lstStyle/>
+          <a:p>
+            <a:pPr algn="ctr"/>
+            <a:r>
+              <a:rPr lang="en-US" altLang="ko-KR" sz="1400" b="1" dirty="0" err="1"/>
+              <a:t>VM</a:t>
+            </a:r>
+            <a:r>
+              <a:rPr lang="en-US" altLang="ko-KR" sz="1400" b="1" dirty="0"/>
+              <a:t> B</a:t>
+            </a:r>
+            <a:endParaRPr lang="ko-KR" altLang="en-US" sz="1400" b="1" dirty="0"/>
+          </a:p>
+        </p:txBody>
+      </p:sp>
+      <p:sp>
+        <p:nvSpPr>
+          <p:cNvPr id="10" name="모서리가 둥근 직사각형 9"/>
+          <p:cNvSpPr/>
+          <p:nvPr/>
+        </p:nvSpPr>
+        <p:spPr>
+          <a:xfrm>
+            <a:off x="4499992" y="1659277"/>
+            <a:ext cx="1296144" cy="722732"/>
+          </a:xfrm>
+          <a:prstGeom prst="roundRect">
+            <a:avLst>
+              <a:gd name="adj" fmla="val 3400"/>
+            </a:avLst>
+          </a:prstGeom>
+        </p:spPr>
+        <p:style>
+          <a:lnRef idx="2">
+            <a:schemeClr val="dk1"/>
+          </a:lnRef>
+          <a:fillRef idx="1">
+            <a:schemeClr val="lt1"/>
+          </a:fillRef>
+          <a:effectRef idx="0">
+            <a:schemeClr val="dk1"/>
+          </a:effectRef>
+          <a:fontRef idx="minor">
+            <a:schemeClr val="dk1"/>
+          </a:fontRef>
+        </p:style>
+        <p:txBody>
+          <a:bodyPr rtlCol="0" anchor="t"/>
+          <a:lstStyle/>
+          <a:p>
+            <a:pPr algn="ctr"/>
+            <a:r>
+              <a:rPr lang="en-US" altLang="ko-KR" sz="1400" b="1" dirty="0" err="1"/>
+              <a:t>VM</a:t>
+            </a:r>
+            <a:r>
+              <a:rPr lang="en-US" altLang="ko-KR" sz="1400" b="1" dirty="0"/>
+              <a:t> C</a:t>
+            </a:r>
+            <a:endParaRPr lang="ko-KR" altLang="en-US" sz="1400" b="1" dirty="0"/>
+          </a:p>
+        </p:txBody>
+      </p:sp>
+      <p:sp>
+        <p:nvSpPr>
+          <p:cNvPr id="11" name="모서리가 둥근 직사각형 10"/>
+          <p:cNvSpPr/>
+          <p:nvPr/>
+        </p:nvSpPr>
+        <p:spPr>
+          <a:xfrm>
+            <a:off x="5940152" y="1659277"/>
+            <a:ext cx="1296144" cy="722732"/>
+          </a:xfrm>
+          <a:prstGeom prst="roundRect">
+            <a:avLst>
+              <a:gd name="adj" fmla="val 3400"/>
+            </a:avLst>
+          </a:prstGeom>
+        </p:spPr>
+        <p:style>
+          <a:lnRef idx="2">
+            <a:schemeClr val="dk1"/>
+          </a:lnRef>
+          <a:fillRef idx="1">
+            <a:schemeClr val="lt1"/>
+          </a:fillRef>
+          <a:effectRef idx="0">
+            <a:schemeClr val="dk1"/>
+          </a:effectRef>
+          <a:fontRef idx="minor">
+            <a:schemeClr val="dk1"/>
+          </a:fontRef>
+        </p:style>
+        <p:txBody>
+          <a:bodyPr rtlCol="0" anchor="t"/>
+          <a:lstStyle/>
+          <a:p>
+            <a:pPr algn="ctr"/>
+            <a:r>
+              <a:rPr lang="en-US" altLang="ko-KR" sz="1400" b="1" dirty="0" err="1"/>
+              <a:t>VM</a:t>
+            </a:r>
+            <a:r>
+              <a:rPr lang="en-US" altLang="ko-KR" sz="1400" b="1" dirty="0"/>
+              <a:t> D</a:t>
+            </a:r>
+            <a:endParaRPr lang="ko-KR" altLang="en-US" sz="1400" b="1" dirty="0"/>
+          </a:p>
+        </p:txBody>
+      </p:sp>
+      <p:sp>
+        <p:nvSpPr>
+          <p:cNvPr id="12" name="모서리가 둥근 직사각형 11"/>
+          <p:cNvSpPr/>
+          <p:nvPr/>
+        </p:nvSpPr>
+        <p:spPr>
+          <a:xfrm>
+            <a:off x="1943708" y="2091325"/>
+            <a:ext cx="648072" cy="290684"/>
+          </a:xfrm>
+          <a:prstGeom prst="roundRect">
+            <a:avLst>
+              <a:gd name="adj" fmla="val 3400"/>
+            </a:avLst>
+          </a:prstGeom>
+        </p:spPr>
+        <p:style>
+          <a:lnRef idx="2">
+            <a:schemeClr val="dk1"/>
+          </a:lnRef>
+          <a:fillRef idx="1">
+            <a:schemeClr val="lt1"/>
+          </a:fillRef>
+          <a:effectRef idx="0">
+            <a:schemeClr val="dk1"/>
+          </a:effectRef>
+          <a:fontRef idx="minor">
+            <a:schemeClr val="dk1"/>
+          </a:fontRef>
+        </p:style>
+        <p:txBody>
+          <a:bodyPr rtlCol="0" anchor="t"/>
+          <a:lstStyle/>
+          <a:p>
+            <a:pPr algn="ctr"/>
+            <a:r>
+              <a:rPr lang="en-US" altLang="ko-KR" sz="1400" dirty="0" err="1"/>
+              <a:t>eth0</a:t>
+            </a:r>
+            <a:endParaRPr lang="ko-KR" altLang="en-US" sz="1400" dirty="0"/>
+          </a:p>
+        </p:txBody>
+      </p:sp>
+      <p:sp>
+        <p:nvSpPr>
+          <p:cNvPr id="13" name="모서리가 둥근 직사각형 12"/>
+          <p:cNvSpPr/>
+          <p:nvPr/>
+        </p:nvSpPr>
+        <p:spPr>
+          <a:xfrm>
+            <a:off x="3383868" y="2091325"/>
+            <a:ext cx="648072" cy="290684"/>
+          </a:xfrm>
+          <a:prstGeom prst="roundRect">
+            <a:avLst>
+              <a:gd name="adj" fmla="val 3400"/>
+            </a:avLst>
+          </a:prstGeom>
+        </p:spPr>
+        <p:style>
+          <a:lnRef idx="2">
+            <a:schemeClr val="dk1"/>
+          </a:lnRef>
+          <a:fillRef idx="1">
+            <a:schemeClr val="lt1"/>
+          </a:fillRef>
+          <a:effectRef idx="0">
+            <a:schemeClr val="dk1"/>
+          </a:effectRef>
+          <a:fontRef idx="minor">
+            <a:schemeClr val="dk1"/>
+          </a:fontRef>
+        </p:style>
+        <p:txBody>
+          <a:bodyPr rtlCol="0" anchor="t"/>
+          <a:lstStyle/>
+          <a:p>
+            <a:pPr algn="ctr"/>
+            <a:r>
+              <a:rPr lang="en-US" altLang="ko-KR" sz="1400" dirty="0" err="1"/>
+              <a:t>eth0</a:t>
+            </a:r>
+            <a:endParaRPr lang="ko-KR" altLang="en-US" sz="1400" dirty="0"/>
+          </a:p>
+        </p:txBody>
+      </p:sp>
+      <p:sp>
+        <p:nvSpPr>
+          <p:cNvPr id="14" name="모서리가 둥근 직사각형 13"/>
+          <p:cNvSpPr/>
+          <p:nvPr/>
+        </p:nvSpPr>
+        <p:spPr>
+          <a:xfrm>
+            <a:off x="4824028" y="2091325"/>
+            <a:ext cx="648072" cy="290684"/>
+          </a:xfrm>
+          <a:prstGeom prst="roundRect">
+            <a:avLst>
+              <a:gd name="adj" fmla="val 3400"/>
+            </a:avLst>
+          </a:prstGeom>
+        </p:spPr>
+        <p:style>
+          <a:lnRef idx="2">
+            <a:schemeClr val="dk1"/>
+          </a:lnRef>
+          <a:fillRef idx="1">
+            <a:schemeClr val="lt1"/>
+          </a:fillRef>
+          <a:effectRef idx="0">
+            <a:schemeClr val="dk1"/>
+          </a:effectRef>
+          <a:fontRef idx="minor">
+            <a:schemeClr val="dk1"/>
+          </a:fontRef>
+        </p:style>
+        <p:txBody>
+          <a:bodyPr rtlCol="0" anchor="t"/>
+          <a:lstStyle/>
+          <a:p>
+            <a:pPr algn="ctr"/>
+            <a:r>
+              <a:rPr lang="en-US" altLang="ko-KR" sz="1400" dirty="0" err="1"/>
+              <a:t>eth0</a:t>
+            </a:r>
+            <a:endParaRPr lang="ko-KR" altLang="en-US" sz="1400" dirty="0"/>
+          </a:p>
+        </p:txBody>
+      </p:sp>
+      <p:sp>
+        <p:nvSpPr>
+          <p:cNvPr id="15" name="모서리가 둥근 직사각형 14"/>
+          <p:cNvSpPr/>
+          <p:nvPr/>
+        </p:nvSpPr>
+        <p:spPr>
+          <a:xfrm>
+            <a:off x="6264188" y="2091325"/>
+            <a:ext cx="648072" cy="290684"/>
+          </a:xfrm>
+          <a:prstGeom prst="roundRect">
+            <a:avLst>
+              <a:gd name="adj" fmla="val 3400"/>
+            </a:avLst>
+          </a:prstGeom>
+        </p:spPr>
+        <p:style>
+          <a:lnRef idx="2">
+            <a:schemeClr val="dk1"/>
+          </a:lnRef>
+          <a:fillRef idx="1">
+            <a:schemeClr val="lt1"/>
+          </a:fillRef>
+          <a:effectRef idx="0">
+            <a:schemeClr val="dk1"/>
+          </a:effectRef>
+          <a:fontRef idx="minor">
+            <a:schemeClr val="dk1"/>
+          </a:fontRef>
+        </p:style>
+        <p:txBody>
+          <a:bodyPr rtlCol="0" anchor="t"/>
+          <a:lstStyle/>
+          <a:p>
+            <a:pPr algn="ctr"/>
+            <a:r>
+              <a:rPr lang="en-US" altLang="ko-KR" sz="1400" dirty="0" err="1"/>
+              <a:t>eth0</a:t>
+            </a:r>
+            <a:endParaRPr lang="ko-KR" altLang="en-US" sz="1400" dirty="0"/>
+          </a:p>
+        </p:txBody>
+      </p:sp>
+      <p:sp>
+        <p:nvSpPr>
+          <p:cNvPr id="16" name="모서리가 둥근 직사각형 15"/>
+          <p:cNvSpPr/>
+          <p:nvPr/>
+        </p:nvSpPr>
+        <p:spPr>
+          <a:xfrm>
+            <a:off x="2370882" y="3145162"/>
+            <a:ext cx="1224136" cy="290684"/>
+          </a:xfrm>
+          <a:prstGeom prst="roundRect">
+            <a:avLst>
+              <a:gd name="adj" fmla="val 3400"/>
+            </a:avLst>
+          </a:prstGeom>
+          <a:solidFill>
+            <a:schemeClr val="accent2">
+              <a:lumMod val="40000"/>
+              <a:lumOff val="60000"/>
+            </a:schemeClr>
+          </a:solidFill>
+        </p:spPr>
+        <p:style>
+          <a:lnRef idx="2">
+            <a:schemeClr val="dk1"/>
+          </a:lnRef>
+          <a:fillRef idx="1">
+            <a:schemeClr val="lt1"/>
+          </a:fillRef>
+          <a:effectRef idx="0">
+            <a:schemeClr val="dk1"/>
+          </a:effectRef>
+          <a:fontRef idx="minor">
+            <a:schemeClr val="dk1"/>
+          </a:fontRef>
+        </p:style>
+        <p:txBody>
+          <a:bodyPr rtlCol="0" anchor="t"/>
+          <a:lstStyle/>
+          <a:p>
+            <a:pPr algn="ctr"/>
+            <a:r>
+              <a:rPr lang="en-US" altLang="ko-KR" sz="1400" dirty="0" err="1"/>
+              <a:t>brq01</a:t>
+            </a:r>
+            <a:endParaRPr lang="ko-KR" altLang="en-US" sz="1400" dirty="0"/>
+          </a:p>
+        </p:txBody>
+      </p:sp>
+      <p:sp>
+        <p:nvSpPr>
+          <p:cNvPr id="17" name="모서리가 둥근 직사각형 16"/>
+          <p:cNvSpPr/>
+          <p:nvPr/>
+        </p:nvSpPr>
+        <p:spPr>
+          <a:xfrm>
+            <a:off x="1943708" y="2582239"/>
+            <a:ext cx="648072" cy="290684"/>
+          </a:xfrm>
+          <a:prstGeom prst="roundRect">
+            <a:avLst>
+              <a:gd name="adj" fmla="val 3400"/>
+            </a:avLst>
+          </a:prstGeom>
+          <a:solidFill>
+            <a:schemeClr val="accent5">
+              <a:lumMod val="40000"/>
+              <a:lumOff val="60000"/>
+            </a:schemeClr>
+          </a:solidFill>
+        </p:spPr>
+        <p:style>
+          <a:lnRef idx="2">
+            <a:schemeClr val="dk1"/>
+          </a:lnRef>
+          <a:fillRef idx="1">
+            <a:schemeClr val="lt1"/>
+          </a:fillRef>
+          <a:effectRef idx="0">
+            <a:schemeClr val="dk1"/>
+          </a:effectRef>
+          <a:fontRef idx="minor">
+            <a:schemeClr val="dk1"/>
+          </a:fontRef>
+        </p:style>
+        <p:txBody>
+          <a:bodyPr rtlCol="0" anchor="t"/>
+          <a:lstStyle/>
+          <a:p>
+            <a:pPr algn="ctr"/>
+            <a:r>
+              <a:rPr lang="en-US" altLang="ko-KR" sz="1400"/>
+              <a:t>tap01</a:t>
+            </a:r>
+            <a:endParaRPr lang="ko-KR" altLang="en-US" sz="1400" dirty="0"/>
+          </a:p>
+        </p:txBody>
+      </p:sp>
+      <p:sp>
+        <p:nvSpPr>
+          <p:cNvPr id="18" name="모서리가 둥근 직사각형 17"/>
+          <p:cNvSpPr/>
+          <p:nvPr/>
+        </p:nvSpPr>
+        <p:spPr>
+          <a:xfrm>
+            <a:off x="3383868" y="2582239"/>
+            <a:ext cx="648072" cy="290684"/>
+          </a:xfrm>
+          <a:prstGeom prst="roundRect">
+            <a:avLst>
+              <a:gd name="adj" fmla="val 3400"/>
+            </a:avLst>
+          </a:prstGeom>
+          <a:solidFill>
+            <a:schemeClr val="accent5">
+              <a:lumMod val="40000"/>
+              <a:lumOff val="60000"/>
+            </a:schemeClr>
+          </a:solidFill>
+        </p:spPr>
+        <p:style>
+          <a:lnRef idx="2">
+            <a:schemeClr val="dk1"/>
+          </a:lnRef>
+          <a:fillRef idx="1">
+            <a:schemeClr val="lt1"/>
+          </a:fillRef>
+          <a:effectRef idx="0">
+            <a:schemeClr val="dk1"/>
+          </a:effectRef>
+          <a:fontRef idx="minor">
+            <a:schemeClr val="dk1"/>
+          </a:fontRef>
+        </p:style>
+        <p:txBody>
+          <a:bodyPr rtlCol="0" anchor="t"/>
+          <a:lstStyle/>
+          <a:p>
+            <a:pPr algn="ctr"/>
+            <a:r>
+              <a:rPr lang="en-US" altLang="ko-KR" sz="1400" dirty="0" err="1"/>
+              <a:t>tap02</a:t>
+            </a:r>
+            <a:endParaRPr lang="ko-KR" altLang="en-US" sz="1400" dirty="0"/>
+          </a:p>
+        </p:txBody>
+      </p:sp>
+      <p:sp>
+        <p:nvSpPr>
+          <p:cNvPr id="19" name="모서리가 둥근 직사각형 18"/>
+          <p:cNvSpPr/>
+          <p:nvPr/>
+        </p:nvSpPr>
+        <p:spPr>
+          <a:xfrm>
+            <a:off x="4824028" y="2582239"/>
+            <a:ext cx="648072" cy="290684"/>
+          </a:xfrm>
+          <a:prstGeom prst="roundRect">
+            <a:avLst>
+              <a:gd name="adj" fmla="val 3400"/>
+            </a:avLst>
+          </a:prstGeom>
+          <a:solidFill>
+            <a:schemeClr val="accent5">
+              <a:lumMod val="40000"/>
+              <a:lumOff val="60000"/>
+            </a:schemeClr>
+          </a:solidFill>
+        </p:spPr>
+        <p:style>
+          <a:lnRef idx="2">
+            <a:schemeClr val="dk1"/>
+          </a:lnRef>
+          <a:fillRef idx="1">
+            <a:schemeClr val="lt1"/>
+          </a:fillRef>
+          <a:effectRef idx="0">
+            <a:schemeClr val="dk1"/>
+          </a:effectRef>
+          <a:fontRef idx="minor">
+            <a:schemeClr val="dk1"/>
+          </a:fontRef>
+        </p:style>
+        <p:txBody>
+          <a:bodyPr rtlCol="0" anchor="t"/>
+          <a:lstStyle/>
+          <a:p>
+            <a:pPr algn="ctr"/>
+            <a:r>
+              <a:rPr lang="en-US" altLang="ko-KR" sz="1400" dirty="0" err="1"/>
+              <a:t>tap03</a:t>
+            </a:r>
+            <a:endParaRPr lang="ko-KR" altLang="en-US" sz="1400" dirty="0"/>
+          </a:p>
+        </p:txBody>
+      </p:sp>
+      <p:sp>
+        <p:nvSpPr>
+          <p:cNvPr id="20" name="모서리가 둥근 직사각형 19"/>
+          <p:cNvSpPr/>
+          <p:nvPr/>
+        </p:nvSpPr>
+        <p:spPr>
+          <a:xfrm>
+            <a:off x="6264188" y="2582239"/>
+            <a:ext cx="648072" cy="290684"/>
+          </a:xfrm>
+          <a:prstGeom prst="roundRect">
+            <a:avLst>
+              <a:gd name="adj" fmla="val 3400"/>
+            </a:avLst>
+          </a:prstGeom>
+          <a:solidFill>
+            <a:schemeClr val="accent5">
+              <a:lumMod val="40000"/>
+              <a:lumOff val="60000"/>
+            </a:schemeClr>
+          </a:solidFill>
+        </p:spPr>
+        <p:style>
+          <a:lnRef idx="2">
+            <a:schemeClr val="dk1"/>
+          </a:lnRef>
+          <a:fillRef idx="1">
+            <a:schemeClr val="lt1"/>
+          </a:fillRef>
+          <a:effectRef idx="0">
+            <a:schemeClr val="dk1"/>
+          </a:effectRef>
+          <a:fontRef idx="minor">
+            <a:schemeClr val="dk1"/>
+          </a:fontRef>
+        </p:style>
+        <p:txBody>
+          <a:bodyPr rtlCol="0" anchor="t"/>
+          <a:lstStyle/>
+          <a:p>
+            <a:pPr algn="ctr"/>
+            <a:r>
+              <a:rPr lang="en-US" altLang="ko-KR" sz="1400" dirty="0" err="1"/>
+              <a:t>tap04</a:t>
+            </a:r>
+            <a:endParaRPr lang="ko-KR" altLang="en-US" sz="1400" dirty="0"/>
+          </a:p>
+        </p:txBody>
+      </p:sp>
+      <p:sp>
+        <p:nvSpPr>
+          <p:cNvPr id="21" name="모서리가 둥근 직사각형 20"/>
+          <p:cNvSpPr/>
+          <p:nvPr/>
+        </p:nvSpPr>
+        <p:spPr>
+          <a:xfrm>
+            <a:off x="5245472" y="3145162"/>
+            <a:ext cx="1224136" cy="290684"/>
+          </a:xfrm>
+          <a:prstGeom prst="roundRect">
+            <a:avLst>
+              <a:gd name="adj" fmla="val 3400"/>
+            </a:avLst>
+          </a:prstGeom>
+          <a:solidFill>
+            <a:schemeClr val="accent2">
+              <a:lumMod val="40000"/>
+              <a:lumOff val="60000"/>
+            </a:schemeClr>
+          </a:solidFill>
+        </p:spPr>
+        <p:style>
+          <a:lnRef idx="2">
+            <a:schemeClr val="dk1"/>
+          </a:lnRef>
+          <a:fillRef idx="1">
+            <a:schemeClr val="lt1"/>
+          </a:fillRef>
+          <a:effectRef idx="0">
+            <a:schemeClr val="dk1"/>
+          </a:effectRef>
+          <a:fontRef idx="minor">
+            <a:schemeClr val="dk1"/>
+          </a:fontRef>
+        </p:style>
+        <p:txBody>
+          <a:bodyPr rtlCol="0" anchor="t"/>
+          <a:lstStyle/>
+          <a:p>
+            <a:pPr algn="ctr"/>
+            <a:r>
+              <a:rPr lang="en-US" altLang="ko-KR" sz="1400" dirty="0" err="1"/>
+              <a:t>brq02</a:t>
+            </a:r>
+            <a:endParaRPr lang="ko-KR" altLang="en-US" sz="1400" dirty="0"/>
+          </a:p>
+        </p:txBody>
+      </p:sp>
+      <p:sp>
+        <p:nvSpPr>
+          <p:cNvPr id="22" name="모서리가 둥근 직사각형 21"/>
+          <p:cNvSpPr/>
+          <p:nvPr/>
+        </p:nvSpPr>
+        <p:spPr>
+          <a:xfrm>
+            <a:off x="3815916" y="4153274"/>
+            <a:ext cx="1224136" cy="290684"/>
+          </a:xfrm>
+          <a:prstGeom prst="roundRect">
+            <a:avLst>
+              <a:gd name="adj" fmla="val 3400"/>
+            </a:avLst>
+          </a:prstGeom>
+        </p:spPr>
+        <p:style>
+          <a:lnRef idx="2">
+            <a:schemeClr val="dk1"/>
+          </a:lnRef>
+          <a:fillRef idx="1">
+            <a:schemeClr val="lt1"/>
+          </a:fillRef>
+          <a:effectRef idx="0">
+            <a:schemeClr val="dk1"/>
+          </a:effectRef>
+          <a:fontRef idx="minor">
+            <a:schemeClr val="dk1"/>
+          </a:fontRef>
+        </p:style>
+        <p:txBody>
+          <a:bodyPr rtlCol="0" anchor="t"/>
+          <a:lstStyle/>
+          <a:p>
+            <a:pPr algn="ctr"/>
+            <a:r>
+              <a:rPr lang="en-US" altLang="ko-KR" sz="1400" dirty="0" err="1"/>
+              <a:t>eth0</a:t>
+            </a:r>
+            <a:endParaRPr lang="ko-KR" altLang="en-US" sz="1400" dirty="0"/>
+          </a:p>
+        </p:txBody>
+      </p:sp>
+      <p:cxnSp>
+        <p:nvCxnSpPr>
+          <p:cNvPr id="24" name="직선 연결선 23"/>
+          <p:cNvCxnSpPr>
+            <a:stCxn id="12" idx="2"/>
+            <a:endCxn id="17" idx="0"/>
+          </p:cNvCxnSpPr>
+          <p:nvPr/>
+        </p:nvCxnSpPr>
+        <p:spPr>
+          <a:xfrm>
+            <a:off x="2267744" y="2382009"/>
+            <a:ext cx="0" cy="200230"/>
+          </a:xfrm>
+          <a:prstGeom prst="line">
+            <a:avLst/>
+          </a:prstGeom>
+          <a:ln w="28575">
+            <a:solidFill>
+              <a:schemeClr val="tx1"/>
+            </a:solidFill>
+          </a:ln>
+        </p:spPr>
+        <p:style>
+          <a:lnRef idx="1">
+            <a:schemeClr val="accent1"/>
+          </a:lnRef>
+          <a:fillRef idx="0">
+            <a:schemeClr val="accent1"/>
+          </a:fillRef>
+          <a:effectRef idx="0">
+            <a:schemeClr val="accent1"/>
+          </a:effectRef>
+          <a:fontRef idx="minor">
+            <a:schemeClr val="tx1"/>
+          </a:fontRef>
+        </p:style>
+      </p:cxnSp>
+      <p:cxnSp>
+        <p:nvCxnSpPr>
+          <p:cNvPr id="25" name="직선 연결선 24"/>
+          <p:cNvCxnSpPr>
+            <a:stCxn id="13" idx="2"/>
+            <a:endCxn id="18" idx="0"/>
+          </p:cNvCxnSpPr>
+          <p:nvPr/>
+        </p:nvCxnSpPr>
+        <p:spPr>
+          <a:xfrm>
+            <a:off x="3707904" y="2382009"/>
+            <a:ext cx="0" cy="200230"/>
+          </a:xfrm>
+          <a:prstGeom prst="line">
+            <a:avLst/>
+          </a:prstGeom>
+          <a:ln w="28575">
+            <a:solidFill>
+              <a:schemeClr val="tx1"/>
+            </a:solidFill>
+          </a:ln>
+        </p:spPr>
+        <p:style>
+          <a:lnRef idx="1">
+            <a:schemeClr val="accent1"/>
+          </a:lnRef>
+          <a:fillRef idx="0">
+            <a:schemeClr val="accent1"/>
+          </a:fillRef>
+          <a:effectRef idx="0">
+            <a:schemeClr val="accent1"/>
+          </a:effectRef>
+          <a:fontRef idx="minor">
+            <a:schemeClr val="tx1"/>
+          </a:fontRef>
+        </p:style>
+      </p:cxnSp>
+      <p:cxnSp>
+        <p:nvCxnSpPr>
+          <p:cNvPr id="28" name="직선 연결선 27"/>
+          <p:cNvCxnSpPr>
+            <a:stCxn id="14" idx="2"/>
+            <a:endCxn id="19" idx="0"/>
+          </p:cNvCxnSpPr>
+          <p:nvPr/>
+        </p:nvCxnSpPr>
+        <p:spPr>
+          <a:xfrm>
+            <a:off x="5148064" y="2382009"/>
+            <a:ext cx="0" cy="200230"/>
+          </a:xfrm>
+          <a:prstGeom prst="line">
+            <a:avLst/>
+          </a:prstGeom>
+          <a:ln w="28575">
+            <a:solidFill>
+              <a:schemeClr val="tx1"/>
+            </a:solidFill>
+          </a:ln>
+        </p:spPr>
+        <p:style>
+          <a:lnRef idx="1">
+            <a:schemeClr val="accent1"/>
+          </a:lnRef>
+          <a:fillRef idx="0">
+            <a:schemeClr val="accent1"/>
+          </a:fillRef>
+          <a:effectRef idx="0">
+            <a:schemeClr val="accent1"/>
+          </a:effectRef>
+          <a:fontRef idx="minor">
+            <a:schemeClr val="tx1"/>
+          </a:fontRef>
+        </p:style>
+      </p:cxnSp>
+      <p:cxnSp>
+        <p:nvCxnSpPr>
+          <p:cNvPr id="31" name="직선 연결선 30"/>
+          <p:cNvCxnSpPr>
+            <a:stCxn id="15" idx="2"/>
+            <a:endCxn id="20" idx="0"/>
+          </p:cNvCxnSpPr>
+          <p:nvPr/>
+        </p:nvCxnSpPr>
+        <p:spPr>
+          <a:xfrm>
+            <a:off x="6588224" y="2382009"/>
+            <a:ext cx="0" cy="200230"/>
+          </a:xfrm>
+          <a:prstGeom prst="line">
+            <a:avLst/>
+          </a:prstGeom>
+          <a:ln w="28575">
+            <a:solidFill>
+              <a:schemeClr val="tx1"/>
+            </a:solidFill>
+          </a:ln>
+        </p:spPr>
+        <p:style>
+          <a:lnRef idx="1">
+            <a:schemeClr val="accent1"/>
+          </a:lnRef>
+          <a:fillRef idx="0">
+            <a:schemeClr val="accent1"/>
+          </a:fillRef>
+          <a:effectRef idx="0">
+            <a:schemeClr val="accent1"/>
+          </a:effectRef>
+          <a:fontRef idx="minor">
+            <a:schemeClr val="tx1"/>
+          </a:fontRef>
+        </p:style>
+      </p:cxnSp>
+      <p:cxnSp>
+        <p:nvCxnSpPr>
+          <p:cNvPr id="34" name="직선 연결선 33"/>
+          <p:cNvCxnSpPr>
+            <a:stCxn id="17" idx="2"/>
+          </p:cNvCxnSpPr>
+          <p:nvPr/>
+        </p:nvCxnSpPr>
+        <p:spPr>
+          <a:xfrm>
+            <a:off x="2267744" y="2872923"/>
+            <a:ext cx="715206" cy="272239"/>
+          </a:xfrm>
+          <a:prstGeom prst="line">
+            <a:avLst/>
+          </a:prstGeom>
+          <a:ln w="28575">
+            <a:solidFill>
+              <a:schemeClr val="tx1"/>
+            </a:solidFill>
+          </a:ln>
+        </p:spPr>
+        <p:style>
+          <a:lnRef idx="1">
+            <a:schemeClr val="accent1"/>
+          </a:lnRef>
+          <a:fillRef idx="0">
+            <a:schemeClr val="accent1"/>
+          </a:fillRef>
+          <a:effectRef idx="0">
+            <a:schemeClr val="accent1"/>
+          </a:effectRef>
+          <a:fontRef idx="minor">
+            <a:schemeClr val="tx1"/>
+          </a:fontRef>
+        </p:style>
+      </p:cxnSp>
+      <p:sp>
+        <p:nvSpPr>
+          <p:cNvPr id="37" name="모서리가 둥근 직사각형 36"/>
+          <p:cNvSpPr/>
+          <p:nvPr/>
+        </p:nvSpPr>
+        <p:spPr>
+          <a:xfrm>
+            <a:off x="2370882" y="3637508"/>
+            <a:ext cx="1224136" cy="290684"/>
+          </a:xfrm>
+          <a:prstGeom prst="roundRect">
+            <a:avLst>
+              <a:gd name="adj" fmla="val 3400"/>
+            </a:avLst>
+          </a:prstGeom>
+          <a:solidFill>
+            <a:schemeClr val="accent3">
+              <a:lumMod val="40000"/>
+              <a:lumOff val="60000"/>
+            </a:schemeClr>
+          </a:solidFill>
+        </p:spPr>
+        <p:style>
+          <a:lnRef idx="2">
+            <a:schemeClr val="dk1"/>
+          </a:lnRef>
+          <a:fillRef idx="1">
+            <a:schemeClr val="lt1"/>
+          </a:fillRef>
+          <a:effectRef idx="0">
+            <a:schemeClr val="dk1"/>
+          </a:effectRef>
+          <a:fontRef idx="minor">
+            <a:schemeClr val="dk1"/>
+          </a:fontRef>
+        </p:style>
+        <p:txBody>
+          <a:bodyPr rtlCol="0" anchor="t"/>
+          <a:lstStyle/>
+          <a:p>
+            <a:pPr algn="ctr"/>
+            <a:r>
+              <a:rPr lang="en-US" altLang="ko-KR" sz="1400"/>
+              <a:t>vxlan-10</a:t>
+            </a:r>
+            <a:endParaRPr lang="ko-KR" altLang="en-US" sz="1400" dirty="0"/>
+          </a:p>
+        </p:txBody>
+      </p:sp>
+      <p:cxnSp>
+        <p:nvCxnSpPr>
+          <p:cNvPr id="38" name="직선 연결선 37"/>
+          <p:cNvCxnSpPr>
+            <a:stCxn id="18" idx="2"/>
+            <a:endCxn id="16" idx="0"/>
+          </p:cNvCxnSpPr>
+          <p:nvPr/>
+        </p:nvCxnSpPr>
+        <p:spPr>
+          <a:xfrm flipH="1">
+            <a:off x="2982950" y="2872923"/>
+            <a:ext cx="724954" cy="272239"/>
+          </a:xfrm>
+          <a:prstGeom prst="line">
+            <a:avLst/>
+          </a:prstGeom>
+          <a:ln w="28575">
+            <a:solidFill>
+              <a:schemeClr val="tx1"/>
+            </a:solidFill>
+          </a:ln>
+        </p:spPr>
+        <p:style>
+          <a:lnRef idx="1">
+            <a:schemeClr val="accent1"/>
+          </a:lnRef>
+          <a:fillRef idx="0">
+            <a:schemeClr val="accent1"/>
+          </a:fillRef>
+          <a:effectRef idx="0">
+            <a:schemeClr val="accent1"/>
+          </a:effectRef>
+          <a:fontRef idx="minor">
+            <a:schemeClr val="tx1"/>
+          </a:fontRef>
+        </p:style>
+      </p:cxnSp>
+      <p:cxnSp>
+        <p:nvCxnSpPr>
+          <p:cNvPr id="41" name="직선 연결선 40"/>
+          <p:cNvCxnSpPr>
+            <a:stCxn id="19" idx="2"/>
+            <a:endCxn id="21" idx="0"/>
+          </p:cNvCxnSpPr>
+          <p:nvPr/>
+        </p:nvCxnSpPr>
+        <p:spPr>
+          <a:xfrm>
+            <a:off x="5148064" y="2872923"/>
+            <a:ext cx="709476" cy="272239"/>
+          </a:xfrm>
+          <a:prstGeom prst="line">
+            <a:avLst/>
+          </a:prstGeom>
+          <a:ln w="28575">
+            <a:solidFill>
+              <a:schemeClr val="tx1"/>
+            </a:solidFill>
+          </a:ln>
+        </p:spPr>
+        <p:style>
+          <a:lnRef idx="1">
+            <a:schemeClr val="accent1"/>
+          </a:lnRef>
+          <a:fillRef idx="0">
+            <a:schemeClr val="accent1"/>
+          </a:fillRef>
+          <a:effectRef idx="0">
+            <a:schemeClr val="accent1"/>
+          </a:effectRef>
+          <a:fontRef idx="minor">
+            <a:schemeClr val="tx1"/>
+          </a:fontRef>
+        </p:style>
+      </p:cxnSp>
+      <p:cxnSp>
+        <p:nvCxnSpPr>
+          <p:cNvPr id="44" name="직선 연결선 43"/>
+          <p:cNvCxnSpPr>
+            <a:stCxn id="20" idx="2"/>
+            <a:endCxn id="21" idx="0"/>
+          </p:cNvCxnSpPr>
+          <p:nvPr/>
+        </p:nvCxnSpPr>
+        <p:spPr>
+          <a:xfrm flipH="1">
+            <a:off x="5857540" y="2872923"/>
+            <a:ext cx="730684" cy="272239"/>
+          </a:xfrm>
+          <a:prstGeom prst="line">
+            <a:avLst/>
+          </a:prstGeom>
+          <a:ln w="28575">
+            <a:solidFill>
+              <a:schemeClr val="tx1"/>
+            </a:solidFill>
+          </a:ln>
+        </p:spPr>
+        <p:style>
+          <a:lnRef idx="1">
+            <a:schemeClr val="accent1"/>
+          </a:lnRef>
+          <a:fillRef idx="0">
+            <a:schemeClr val="accent1"/>
+          </a:fillRef>
+          <a:effectRef idx="0">
+            <a:schemeClr val="accent1"/>
+          </a:effectRef>
+          <a:fontRef idx="minor">
+            <a:schemeClr val="tx1"/>
+          </a:fontRef>
+        </p:style>
+      </p:cxnSp>
+      <p:cxnSp>
+        <p:nvCxnSpPr>
+          <p:cNvPr id="47" name="직선 연결선 46"/>
+          <p:cNvCxnSpPr>
+            <a:stCxn id="16" idx="2"/>
+            <a:endCxn id="37" idx="0"/>
+          </p:cNvCxnSpPr>
+          <p:nvPr/>
+        </p:nvCxnSpPr>
+        <p:spPr>
+          <a:xfrm>
+            <a:off x="2982950" y="3435846"/>
+            <a:ext cx="0" cy="201662"/>
+          </a:xfrm>
+          <a:prstGeom prst="line">
+            <a:avLst/>
+          </a:prstGeom>
+          <a:ln w="28575">
+            <a:solidFill>
+              <a:schemeClr val="tx1"/>
+            </a:solidFill>
+          </a:ln>
+        </p:spPr>
+        <p:style>
+          <a:lnRef idx="1">
+            <a:schemeClr val="accent1"/>
+          </a:lnRef>
+          <a:fillRef idx="0">
+            <a:schemeClr val="accent1"/>
+          </a:fillRef>
+          <a:effectRef idx="0">
+            <a:schemeClr val="accent1"/>
+          </a:effectRef>
+          <a:fontRef idx="minor">
+            <a:schemeClr val="tx1"/>
+          </a:fontRef>
+        </p:style>
+      </p:cxnSp>
+      <p:sp>
+        <p:nvSpPr>
+          <p:cNvPr id="51" name="모서리가 둥근 직사각형 50"/>
+          <p:cNvSpPr/>
+          <p:nvPr/>
+        </p:nvSpPr>
+        <p:spPr>
+          <a:xfrm>
+            <a:off x="5245472" y="3637508"/>
+            <a:ext cx="1224136" cy="290684"/>
+          </a:xfrm>
+          <a:prstGeom prst="roundRect">
+            <a:avLst>
+              <a:gd name="adj" fmla="val 3400"/>
+            </a:avLst>
+          </a:prstGeom>
+          <a:solidFill>
+            <a:schemeClr val="accent3">
+              <a:lumMod val="40000"/>
+              <a:lumOff val="60000"/>
+            </a:schemeClr>
+          </a:solidFill>
+        </p:spPr>
+        <p:style>
+          <a:lnRef idx="2">
+            <a:schemeClr val="dk1"/>
+          </a:lnRef>
+          <a:fillRef idx="1">
+            <a:schemeClr val="lt1"/>
+          </a:fillRef>
+          <a:effectRef idx="0">
+            <a:schemeClr val="dk1"/>
+          </a:effectRef>
+          <a:fontRef idx="minor">
+            <a:schemeClr val="dk1"/>
+          </a:fontRef>
+        </p:style>
+        <p:txBody>
+          <a:bodyPr rtlCol="0" anchor="t"/>
+          <a:lstStyle/>
+          <a:p>
+            <a:pPr algn="ctr"/>
+            <a:r>
+              <a:rPr lang="en-US" altLang="ko-KR" sz="1400"/>
+              <a:t>vxlan-20</a:t>
+            </a:r>
+            <a:endParaRPr lang="ko-KR" altLang="en-US" sz="1400" dirty="0"/>
+          </a:p>
+        </p:txBody>
+      </p:sp>
+      <p:cxnSp>
+        <p:nvCxnSpPr>
+          <p:cNvPr id="52" name="직선 연결선 51"/>
+          <p:cNvCxnSpPr>
+            <a:stCxn id="21" idx="2"/>
+            <a:endCxn id="51" idx="0"/>
+          </p:cNvCxnSpPr>
+          <p:nvPr/>
+        </p:nvCxnSpPr>
+        <p:spPr>
+          <a:xfrm>
+            <a:off x="5857540" y="3435846"/>
+            <a:ext cx="0" cy="201662"/>
+          </a:xfrm>
+          <a:prstGeom prst="line">
+            <a:avLst/>
+          </a:prstGeom>
+          <a:ln w="28575">
+            <a:solidFill>
+              <a:schemeClr val="tx1"/>
+            </a:solidFill>
+          </a:ln>
+        </p:spPr>
+        <p:style>
+          <a:lnRef idx="1">
+            <a:schemeClr val="accent1"/>
+          </a:lnRef>
+          <a:fillRef idx="0">
+            <a:schemeClr val="accent1"/>
+          </a:fillRef>
+          <a:effectRef idx="0">
+            <a:schemeClr val="accent1"/>
+          </a:effectRef>
+          <a:fontRef idx="minor">
+            <a:schemeClr val="tx1"/>
+          </a:fontRef>
+        </p:style>
+      </p:cxnSp>
+      <p:cxnSp>
+        <p:nvCxnSpPr>
+          <p:cNvPr id="55" name="직선 연결선 54"/>
+          <p:cNvCxnSpPr>
+            <a:stCxn id="37" idx="2"/>
+            <a:endCxn id="22" idx="0"/>
+          </p:cNvCxnSpPr>
+          <p:nvPr/>
+        </p:nvCxnSpPr>
+        <p:spPr>
+          <a:xfrm>
+            <a:off x="2982950" y="3928192"/>
+            <a:ext cx="1445034" cy="225082"/>
+          </a:xfrm>
+          <a:prstGeom prst="line">
+            <a:avLst/>
+          </a:prstGeom>
+          <a:ln w="28575">
+            <a:solidFill>
+              <a:schemeClr val="tx1"/>
+            </a:solidFill>
+          </a:ln>
+        </p:spPr>
+        <p:style>
+          <a:lnRef idx="1">
+            <a:schemeClr val="accent1"/>
+          </a:lnRef>
+          <a:fillRef idx="0">
+            <a:schemeClr val="accent1"/>
+          </a:fillRef>
+          <a:effectRef idx="0">
+            <a:schemeClr val="accent1"/>
+          </a:effectRef>
+          <a:fontRef idx="minor">
+            <a:schemeClr val="tx1"/>
+          </a:fontRef>
+        </p:style>
+      </p:cxnSp>
+      <p:cxnSp>
+        <p:nvCxnSpPr>
+          <p:cNvPr id="58" name="직선 연결선 57"/>
+          <p:cNvCxnSpPr>
+            <a:stCxn id="51" idx="2"/>
+            <a:endCxn id="22" idx="0"/>
+          </p:cNvCxnSpPr>
+          <p:nvPr/>
+        </p:nvCxnSpPr>
+        <p:spPr>
+          <a:xfrm flipH="1">
+            <a:off x="4427984" y="3928192"/>
+            <a:ext cx="1429556" cy="225082"/>
+          </a:xfrm>
+          <a:prstGeom prst="line">
+            <a:avLst/>
+          </a:prstGeom>
+          <a:ln w="28575">
+            <a:solidFill>
+              <a:schemeClr val="tx1"/>
+            </a:solidFill>
+          </a:ln>
+        </p:spPr>
+        <p:style>
+          <a:lnRef idx="1">
+            <a:schemeClr val="accent1"/>
+          </a:lnRef>
+          <a:fillRef idx="0">
+            <a:schemeClr val="accent1"/>
+          </a:fillRef>
+          <a:effectRef idx="0">
+            <a:schemeClr val="accent1"/>
+          </a:effectRef>
+          <a:fontRef idx="minor">
+            <a:schemeClr val="tx1"/>
+          </a:fontRef>
+        </p:style>
+      </p:cxnSp>
+      <p:sp>
+        <p:nvSpPr>
+          <p:cNvPr id="33" name="모서리가 둥근 직사각형 50">
+            <a:extLst>
+              <a:ext uri="{FF2B5EF4-FFF2-40B4-BE49-F238E27FC236}">
+                <a16:creationId xmlns:a16="http://schemas.microsoft.com/office/drawing/2014/main" id="{2C34BD8D-B8AC-4D53-A7C4-26095FE88EB2}"/>
+              </a:ext>
+            </a:extLst>
+          </p:cNvPr>
+          <p:cNvSpPr/>
+          <p:nvPr/>
+        </p:nvSpPr>
+        <p:spPr>
+          <a:xfrm>
+            <a:off x="7530249" y="3203705"/>
+            <a:ext cx="537624" cy="232141"/>
+          </a:xfrm>
+          <a:prstGeom prst="roundRect">
+            <a:avLst>
+              <a:gd name="adj" fmla="val 3400"/>
+            </a:avLst>
+          </a:prstGeom>
+          <a:solidFill>
+            <a:schemeClr val="accent3">
+              <a:lumMod val="40000"/>
+              <a:lumOff val="60000"/>
+            </a:schemeClr>
+          </a:solidFill>
+        </p:spPr>
+        <p:style>
+          <a:lnRef idx="2">
+            <a:schemeClr val="dk1"/>
+          </a:lnRef>
+          <a:fillRef idx="1">
+            <a:schemeClr val="lt1"/>
+          </a:fillRef>
+          <a:effectRef idx="0">
+            <a:schemeClr val="dk1"/>
+          </a:effectRef>
+          <a:fontRef idx="minor">
+            <a:schemeClr val="dk1"/>
+          </a:fontRef>
+        </p:style>
+        <p:txBody>
+          <a:bodyPr rtlCol="0" anchor="t"/>
+          <a:lstStyle/>
+          <a:p>
+            <a:pPr algn="ctr"/>
+            <a:endParaRPr lang="ko-KR" altLang="en-US" sz="1400" dirty="0"/>
+          </a:p>
+        </p:txBody>
+      </p:sp>
+      <p:sp>
+        <p:nvSpPr>
+          <p:cNvPr id="35" name="모서리가 둥근 직사각형 50">
+            <a:extLst>
+              <a:ext uri="{FF2B5EF4-FFF2-40B4-BE49-F238E27FC236}">
+                <a16:creationId xmlns:a16="http://schemas.microsoft.com/office/drawing/2014/main" id="{CE3A2EC8-56A4-4792-A541-B45B905DF54E}"/>
+              </a:ext>
+            </a:extLst>
+          </p:cNvPr>
+          <p:cNvSpPr/>
+          <p:nvPr/>
+        </p:nvSpPr>
+        <p:spPr>
+          <a:xfrm>
+            <a:off x="7530694" y="2779715"/>
+            <a:ext cx="537624" cy="232141"/>
+          </a:xfrm>
+          <a:prstGeom prst="roundRect">
+            <a:avLst>
+              <a:gd name="adj" fmla="val 3400"/>
+            </a:avLst>
+          </a:prstGeom>
+          <a:solidFill>
+            <a:schemeClr val="accent2">
+              <a:lumMod val="40000"/>
+              <a:lumOff val="60000"/>
+            </a:schemeClr>
+          </a:solidFill>
+        </p:spPr>
+        <p:style>
+          <a:lnRef idx="2">
+            <a:schemeClr val="dk1"/>
+          </a:lnRef>
+          <a:fillRef idx="1">
+            <a:schemeClr val="lt1"/>
+          </a:fillRef>
+          <a:effectRef idx="0">
+            <a:schemeClr val="dk1"/>
+          </a:effectRef>
+          <a:fontRef idx="minor">
+            <a:schemeClr val="dk1"/>
+          </a:fontRef>
+        </p:style>
+        <p:txBody>
+          <a:bodyPr rtlCol="0" anchor="t"/>
+          <a:lstStyle/>
+          <a:p>
+            <a:pPr algn="ctr"/>
+            <a:endParaRPr lang="ko-KR" altLang="en-US" sz="1400" dirty="0"/>
+          </a:p>
+        </p:txBody>
+      </p:sp>
+      <p:sp>
+        <p:nvSpPr>
+          <p:cNvPr id="36" name="모서리가 둥근 직사각형 50">
+            <a:extLst>
+              <a:ext uri="{FF2B5EF4-FFF2-40B4-BE49-F238E27FC236}">
+                <a16:creationId xmlns:a16="http://schemas.microsoft.com/office/drawing/2014/main" id="{F824A24B-7393-4C9D-952F-FDFE2692B458}"/>
+              </a:ext>
+            </a:extLst>
+          </p:cNvPr>
+          <p:cNvSpPr/>
+          <p:nvPr/>
+        </p:nvSpPr>
+        <p:spPr>
+          <a:xfrm>
+            <a:off x="7530249" y="2355726"/>
+            <a:ext cx="537624" cy="232141"/>
+          </a:xfrm>
+          <a:prstGeom prst="roundRect">
+            <a:avLst>
+              <a:gd name="adj" fmla="val 3400"/>
+            </a:avLst>
+          </a:prstGeom>
+          <a:solidFill>
+            <a:schemeClr val="accent5">
+              <a:lumMod val="40000"/>
+              <a:lumOff val="60000"/>
+            </a:schemeClr>
+          </a:solidFill>
+        </p:spPr>
+        <p:style>
+          <a:lnRef idx="2">
+            <a:schemeClr val="dk1"/>
+          </a:lnRef>
+          <a:fillRef idx="1">
+            <a:schemeClr val="lt1"/>
+          </a:fillRef>
+          <a:effectRef idx="0">
+            <a:schemeClr val="dk1"/>
+          </a:effectRef>
+          <a:fontRef idx="minor">
+            <a:schemeClr val="dk1"/>
+          </a:fontRef>
+        </p:style>
+        <p:txBody>
+          <a:bodyPr rtlCol="0" anchor="t"/>
+          <a:lstStyle/>
+          <a:p>
+            <a:pPr algn="ctr"/>
+            <a:endParaRPr lang="ko-KR" altLang="en-US" sz="1400" dirty="0"/>
+          </a:p>
+        </p:txBody>
+      </p:sp>
+      <p:sp>
+        <p:nvSpPr>
+          <p:cNvPr id="39" name="모서리가 둥근 직사각형 16">
+            <a:extLst>
+              <a:ext uri="{FF2B5EF4-FFF2-40B4-BE49-F238E27FC236}">
+                <a16:creationId xmlns:a16="http://schemas.microsoft.com/office/drawing/2014/main" id="{919C546F-6535-4B96-AD27-5603CB9B99A9}"/>
+              </a:ext>
+            </a:extLst>
+          </p:cNvPr>
+          <p:cNvSpPr/>
+          <p:nvPr/>
+        </p:nvSpPr>
+        <p:spPr>
+          <a:xfrm>
+            <a:off x="8056134" y="2296491"/>
+            <a:ext cx="828092" cy="290684"/>
+          </a:xfrm>
+          <a:prstGeom prst="roundRect">
+            <a:avLst>
+              <a:gd name="adj" fmla="val 3400"/>
+            </a:avLst>
+          </a:prstGeom>
+          <a:noFill/>
+          <a:ln>
+            <a:noFill/>
+          </a:ln>
+        </p:spPr>
+        <p:style>
+          <a:lnRef idx="2">
+            <a:schemeClr val="dk1"/>
+          </a:lnRef>
+          <a:fillRef idx="1">
+            <a:schemeClr val="lt1"/>
+          </a:fillRef>
+          <a:effectRef idx="0">
+            <a:schemeClr val="dk1"/>
+          </a:effectRef>
+          <a:fontRef idx="minor">
+            <a:schemeClr val="dk1"/>
+          </a:fontRef>
+        </p:style>
+        <p:txBody>
+          <a:bodyPr rtlCol="0" anchor="t"/>
+          <a:lstStyle/>
+          <a:p>
+            <a:r>
+              <a:rPr lang="en-US" altLang="ko-KR" sz="1400"/>
+              <a:t>TAP</a:t>
+            </a:r>
+            <a:endParaRPr lang="ko-KR" altLang="en-US" sz="1400" dirty="0"/>
+          </a:p>
+        </p:txBody>
+      </p:sp>
+      <p:sp>
+        <p:nvSpPr>
+          <p:cNvPr id="40" name="모서리가 둥근 직사각형 16">
+            <a:extLst>
+              <a:ext uri="{FF2B5EF4-FFF2-40B4-BE49-F238E27FC236}">
+                <a16:creationId xmlns:a16="http://schemas.microsoft.com/office/drawing/2014/main" id="{6F1550A1-1DCC-4373-BB97-861E9E4A2C82}"/>
+              </a:ext>
+            </a:extLst>
+          </p:cNvPr>
+          <p:cNvSpPr/>
+          <p:nvPr/>
+        </p:nvSpPr>
+        <p:spPr>
+          <a:xfrm>
+            <a:off x="8056134" y="2720319"/>
+            <a:ext cx="828092" cy="290684"/>
+          </a:xfrm>
+          <a:prstGeom prst="roundRect">
+            <a:avLst>
+              <a:gd name="adj" fmla="val 3400"/>
+            </a:avLst>
+          </a:prstGeom>
+          <a:noFill/>
+          <a:ln>
+            <a:noFill/>
+          </a:ln>
+        </p:spPr>
+        <p:style>
+          <a:lnRef idx="2">
+            <a:schemeClr val="dk1"/>
+          </a:lnRef>
+          <a:fillRef idx="1">
+            <a:schemeClr val="lt1"/>
+          </a:fillRef>
+          <a:effectRef idx="0">
+            <a:schemeClr val="dk1"/>
+          </a:effectRef>
+          <a:fontRef idx="minor">
+            <a:schemeClr val="dk1"/>
+          </a:fontRef>
+        </p:style>
+        <p:txBody>
+          <a:bodyPr rtlCol="0" anchor="t"/>
+          <a:lstStyle/>
+          <a:p>
+            <a:r>
+              <a:rPr lang="en-US" altLang="ko-KR" sz="1400"/>
+              <a:t>Bridge</a:t>
+            </a:r>
+            <a:endParaRPr lang="ko-KR" altLang="en-US" sz="1400" dirty="0"/>
+          </a:p>
+        </p:txBody>
+      </p:sp>
+      <p:sp>
+        <p:nvSpPr>
+          <p:cNvPr id="42" name="모서리가 둥근 직사각형 16">
+            <a:extLst>
+              <a:ext uri="{FF2B5EF4-FFF2-40B4-BE49-F238E27FC236}">
+                <a16:creationId xmlns:a16="http://schemas.microsoft.com/office/drawing/2014/main" id="{C8E6EEDD-B230-43F4-A0F1-CD024C5EEA90}"/>
+              </a:ext>
+            </a:extLst>
+          </p:cNvPr>
+          <p:cNvSpPr/>
+          <p:nvPr/>
+        </p:nvSpPr>
+        <p:spPr>
+          <a:xfrm>
+            <a:off x="8056134" y="3154220"/>
+            <a:ext cx="828092" cy="290684"/>
+          </a:xfrm>
+          <a:prstGeom prst="roundRect">
+            <a:avLst>
+              <a:gd name="adj" fmla="val 3400"/>
+            </a:avLst>
+          </a:prstGeom>
+          <a:noFill/>
+          <a:ln>
+            <a:noFill/>
+          </a:ln>
+        </p:spPr>
+        <p:style>
+          <a:lnRef idx="2">
+            <a:schemeClr val="dk1"/>
+          </a:lnRef>
+          <a:fillRef idx="1">
+            <a:schemeClr val="lt1"/>
+          </a:fillRef>
+          <a:effectRef idx="0">
+            <a:schemeClr val="dk1"/>
+          </a:effectRef>
+          <a:fontRef idx="minor">
+            <a:schemeClr val="dk1"/>
+          </a:fontRef>
+        </p:style>
+        <p:txBody>
+          <a:bodyPr rtlCol="0" anchor="t"/>
+          <a:lstStyle/>
+          <a:p>
+            <a:r>
+              <a:rPr lang="en-US" altLang="ko-KR" sz="1400"/>
+              <a:t>VXLAN</a:t>
+            </a:r>
+            <a:endParaRPr lang="ko-KR" altLang="en-US" sz="1400" dirty="0"/>
+          </a:p>
+        </p:txBody>
+      </p:sp>
+    </p:spTree>
+    <p:extLst>
+      <p:ext uri="{BB962C8B-B14F-4D97-AF65-F5344CB8AC3E}">
+        <p14:creationId xmlns:p14="http://schemas.microsoft.com/office/powerpoint/2010/main" val="3448164958"/>
+      </p:ext>
+    </p:extLst>
+  </p:cSld>
+  <p:clrMapOvr>
+    <a:masterClrMapping/>
+  </p:clrMapOvr>
+</p:sld>
+</file>
+
+<file path=ppt/slides/slide4.xml><?xml version="1.0" encoding="utf-8"?>
+<p:sld xmlns:a="http://schemas.openxmlformats.org/drawingml/2006/main" xmlns:r="http://schemas.openxmlformats.org/officeDocument/2006/relationships" xmlns:p="http://schemas.openxmlformats.org/presentationml/2006/main">
+  <p:cSld>
+    <p:spTree>
+      <p:nvGrpSpPr>
+        <p:cNvPr id="1" name=""/>
+        <p:cNvGrpSpPr/>
+        <p:nvPr/>
+      </p:nvGrpSpPr>
+      <p:grpSpPr>
+        <a:xfrm>
+          <a:off x="0" y="0"/>
+          <a:ext cx="0" cy="0"/>
+          <a:chOff x="0" y="0"/>
+          <a:chExt cx="0" cy="0"/>
+        </a:xfrm>
+      </p:grpSpPr>
+      <p:sp>
+        <p:nvSpPr>
+          <p:cNvPr id="2" name="제목 1"/>
+          <p:cNvSpPr>
+            <a:spLocks noGrp="1"/>
+          </p:cNvSpPr>
+          <p:nvPr>
+            <p:ph type="title"/>
+          </p:nvPr>
+        </p:nvSpPr>
+        <p:spPr>
+          <a:xfrm>
+            <a:off x="457200" y="-20538"/>
+            <a:ext cx="8229600" cy="720080"/>
+          </a:xfrm>
+        </p:spPr>
+        <p:txBody>
+          <a:bodyPr>
+            <a:normAutofit/>
+          </a:bodyPr>
+          <a:lstStyle/>
+          <a:p>
+            <a:r>
+              <a:rPr lang="en-US" altLang="ko-KR" sz="3600" dirty="0"/>
+              <a:t>Network Node, </a:t>
+            </a:r>
+            <a:r>
+              <a:rPr lang="en-US" altLang="ko-KR" sz="3600" dirty="0" err="1"/>
+              <a:t>VXLAN</a:t>
+            </a:r>
+            <a:r>
+              <a:rPr lang="en-US" altLang="ko-KR" sz="3600" dirty="0"/>
+              <a:t>, No </a:t>
+            </a:r>
+            <a:r>
+              <a:rPr lang="en-US" altLang="ko-KR" sz="3600" dirty="0" err="1"/>
+              <a:t>OVS</a:t>
+            </a:r>
+            <a:r>
+              <a:rPr lang="en-US" altLang="ko-KR" sz="3600" dirty="0"/>
+              <a:t> </a:t>
+            </a:r>
+            <a:endParaRPr lang="ko-KR" altLang="en-US" sz="3600" dirty="0"/>
+          </a:p>
+        </p:txBody>
+      </p:sp>
+      <p:sp>
+        <p:nvSpPr>
+          <p:cNvPr id="3" name="모서리가 둥근 직사각형 3">
+            <a:extLst>
+              <a:ext uri="{FF2B5EF4-FFF2-40B4-BE49-F238E27FC236}">
+                <a16:creationId xmlns:a16="http://schemas.microsoft.com/office/drawing/2014/main" id="{A23BAC36-3C4C-46DB-8DCA-81EACBEFE739}"/>
+              </a:ext>
+            </a:extLst>
+          </p:cNvPr>
+          <p:cNvSpPr/>
+          <p:nvPr/>
+        </p:nvSpPr>
+        <p:spPr>
+          <a:xfrm>
+            <a:off x="251520" y="843558"/>
+            <a:ext cx="7272808" cy="4032448"/>
+          </a:xfrm>
+          <a:prstGeom prst="roundRect">
+            <a:avLst>
+              <a:gd name="adj" fmla="val 3400"/>
+            </a:avLst>
+          </a:prstGeom>
+        </p:spPr>
+        <p:style>
+          <a:lnRef idx="2">
+            <a:schemeClr val="dk1"/>
+          </a:lnRef>
+          <a:fillRef idx="1">
+            <a:schemeClr val="lt1"/>
+          </a:fillRef>
+          <a:effectRef idx="0">
+            <a:schemeClr val="dk1"/>
+          </a:effectRef>
+          <a:fontRef idx="minor">
+            <a:schemeClr val="dk1"/>
+          </a:fontRef>
+        </p:style>
+        <p:txBody>
+          <a:bodyPr rtlCol="0" anchor="t"/>
+          <a:lstStyle/>
+          <a:p>
+            <a:pPr algn="ctr"/>
+            <a:r>
+              <a:rPr lang="en-US" altLang="ko-KR" sz="1400" b="1"/>
+              <a:t>Network </a:t>
+            </a:r>
+            <a:r>
+              <a:rPr lang="en-US" altLang="ko-KR" sz="1400" b="1" dirty="0"/>
+              <a:t>Node</a:t>
+            </a:r>
+            <a:endParaRPr lang="ko-KR" altLang="en-US" sz="1400" b="1" dirty="0"/>
+          </a:p>
+        </p:txBody>
+      </p:sp>
+      <p:sp>
+        <p:nvSpPr>
+          <p:cNvPr id="18" name="모서리가 둥근 직사각형 21">
+            <a:extLst>
+              <a:ext uri="{FF2B5EF4-FFF2-40B4-BE49-F238E27FC236}">
+                <a16:creationId xmlns:a16="http://schemas.microsoft.com/office/drawing/2014/main" id="{AA4E49A8-55AA-456A-99BD-7E4094016B21}"/>
+              </a:ext>
+            </a:extLst>
+          </p:cNvPr>
+          <p:cNvSpPr/>
+          <p:nvPr/>
+        </p:nvSpPr>
+        <p:spPr>
+          <a:xfrm>
+            <a:off x="3275856" y="4589677"/>
+            <a:ext cx="1224136" cy="290684"/>
+          </a:xfrm>
+          <a:prstGeom prst="roundRect">
+            <a:avLst>
+              <a:gd name="adj" fmla="val 3400"/>
+            </a:avLst>
+          </a:prstGeom>
+        </p:spPr>
+        <p:style>
+          <a:lnRef idx="2">
+            <a:schemeClr val="dk1"/>
+          </a:lnRef>
+          <a:fillRef idx="1">
+            <a:schemeClr val="lt1"/>
+          </a:fillRef>
+          <a:effectRef idx="0">
+            <a:schemeClr val="dk1"/>
+          </a:effectRef>
+          <a:fontRef idx="minor">
+            <a:schemeClr val="dk1"/>
+          </a:fontRef>
+        </p:style>
+        <p:txBody>
+          <a:bodyPr rtlCol="0" anchor="t"/>
+          <a:lstStyle/>
+          <a:p>
+            <a:pPr algn="ctr"/>
+            <a:r>
+              <a:rPr lang="en-US" altLang="ko-KR" sz="1400" dirty="0" err="1"/>
+              <a:t>eth0</a:t>
+            </a:r>
+            <a:endParaRPr lang="ko-KR" altLang="en-US" sz="1400" dirty="0"/>
+          </a:p>
+        </p:txBody>
+      </p:sp>
+      <p:sp>
+        <p:nvSpPr>
+          <p:cNvPr id="33" name="모서리가 둥근 직사각형 15">
+            <a:extLst>
+              <a:ext uri="{FF2B5EF4-FFF2-40B4-BE49-F238E27FC236}">
+                <a16:creationId xmlns:a16="http://schemas.microsoft.com/office/drawing/2014/main" id="{B21FC047-FCF0-465A-840B-ABEC5E356DC2}"/>
+              </a:ext>
+            </a:extLst>
+          </p:cNvPr>
+          <p:cNvSpPr/>
+          <p:nvPr/>
+        </p:nvSpPr>
+        <p:spPr>
+          <a:xfrm>
+            <a:off x="395536" y="3937250"/>
+            <a:ext cx="1224136" cy="290684"/>
+          </a:xfrm>
+          <a:prstGeom prst="roundRect">
+            <a:avLst>
+              <a:gd name="adj" fmla="val 3400"/>
+            </a:avLst>
+          </a:prstGeom>
+          <a:solidFill>
+            <a:schemeClr val="accent2">
+              <a:lumMod val="40000"/>
+              <a:lumOff val="60000"/>
+            </a:schemeClr>
+          </a:solidFill>
+        </p:spPr>
+        <p:style>
+          <a:lnRef idx="2">
+            <a:schemeClr val="dk1"/>
+          </a:lnRef>
+          <a:fillRef idx="1">
+            <a:schemeClr val="lt1"/>
+          </a:fillRef>
+          <a:effectRef idx="0">
+            <a:schemeClr val="dk1"/>
+          </a:effectRef>
+          <a:fontRef idx="minor">
+            <a:schemeClr val="dk1"/>
+          </a:fontRef>
+        </p:style>
+        <p:txBody>
+          <a:bodyPr rtlCol="0" anchor="t"/>
+          <a:lstStyle/>
+          <a:p>
+            <a:pPr algn="ctr"/>
+            <a:r>
+              <a:rPr lang="en-US" altLang="ko-KR" sz="1400" dirty="0" err="1"/>
+              <a:t>brq01</a:t>
+            </a:r>
+            <a:endParaRPr lang="ko-KR" altLang="en-US" sz="1400" dirty="0"/>
+          </a:p>
+        </p:txBody>
+      </p:sp>
+      <p:sp>
+        <p:nvSpPr>
+          <p:cNvPr id="34" name="모서리가 둥근 직사각형 16">
+            <a:extLst>
+              <a:ext uri="{FF2B5EF4-FFF2-40B4-BE49-F238E27FC236}">
+                <a16:creationId xmlns:a16="http://schemas.microsoft.com/office/drawing/2014/main" id="{F8F5C29F-DF97-4B14-A16C-3345E0B2C0D8}"/>
+              </a:ext>
+            </a:extLst>
+          </p:cNvPr>
+          <p:cNvSpPr/>
+          <p:nvPr/>
+        </p:nvSpPr>
+        <p:spPr>
+          <a:xfrm>
+            <a:off x="683568" y="3447937"/>
+            <a:ext cx="648072" cy="290684"/>
+          </a:xfrm>
+          <a:prstGeom prst="roundRect">
+            <a:avLst>
+              <a:gd name="adj" fmla="val 3400"/>
+            </a:avLst>
+          </a:prstGeom>
+          <a:solidFill>
+            <a:schemeClr val="tx2">
+              <a:lumMod val="40000"/>
+              <a:lumOff val="60000"/>
+            </a:schemeClr>
+          </a:solidFill>
+        </p:spPr>
+        <p:style>
+          <a:lnRef idx="2">
+            <a:schemeClr val="dk1"/>
+          </a:lnRef>
+          <a:fillRef idx="1">
+            <a:schemeClr val="lt1"/>
+          </a:fillRef>
+          <a:effectRef idx="0">
+            <a:schemeClr val="dk1"/>
+          </a:effectRef>
+          <a:fontRef idx="minor">
+            <a:schemeClr val="dk1"/>
+          </a:fontRef>
+        </p:style>
+        <p:txBody>
+          <a:bodyPr rtlCol="0" anchor="t"/>
+          <a:lstStyle/>
+          <a:p>
+            <a:pPr algn="ctr"/>
+            <a:r>
+              <a:rPr lang="en-US" altLang="ko-KR" sz="1400"/>
+              <a:t>tap01</a:t>
+            </a:r>
+            <a:endParaRPr lang="ko-KR" altLang="en-US" sz="1400" dirty="0"/>
+          </a:p>
+        </p:txBody>
+      </p:sp>
+      <p:sp>
+        <p:nvSpPr>
+          <p:cNvPr id="36" name="모서리가 둥근 직사각형 20">
+            <a:extLst>
+              <a:ext uri="{FF2B5EF4-FFF2-40B4-BE49-F238E27FC236}">
+                <a16:creationId xmlns:a16="http://schemas.microsoft.com/office/drawing/2014/main" id="{E32D9CC5-0BA8-41B4-AA91-8EEDC694ABEC}"/>
+              </a:ext>
+            </a:extLst>
+          </p:cNvPr>
+          <p:cNvSpPr/>
+          <p:nvPr/>
+        </p:nvSpPr>
+        <p:spPr>
+          <a:xfrm>
+            <a:off x="3275856" y="3444904"/>
+            <a:ext cx="1224136" cy="290684"/>
+          </a:xfrm>
+          <a:prstGeom prst="roundRect">
+            <a:avLst>
+              <a:gd name="adj" fmla="val 3400"/>
+            </a:avLst>
+          </a:prstGeom>
+          <a:solidFill>
+            <a:schemeClr val="accent2">
+              <a:lumMod val="40000"/>
+              <a:lumOff val="60000"/>
+            </a:schemeClr>
+          </a:solidFill>
+        </p:spPr>
+        <p:style>
+          <a:lnRef idx="2">
+            <a:schemeClr val="dk1"/>
+          </a:lnRef>
+          <a:fillRef idx="1">
+            <a:schemeClr val="lt1"/>
+          </a:fillRef>
+          <a:effectRef idx="0">
+            <a:schemeClr val="dk1"/>
+          </a:effectRef>
+          <a:fontRef idx="minor">
+            <a:schemeClr val="dk1"/>
+          </a:fontRef>
+        </p:style>
+        <p:txBody>
+          <a:bodyPr rtlCol="0" anchor="t"/>
+          <a:lstStyle/>
+          <a:p>
+            <a:pPr algn="ctr"/>
+            <a:r>
+              <a:rPr lang="en-US" altLang="ko-KR" sz="1400" dirty="0" err="1"/>
+              <a:t>brq02</a:t>
+            </a:r>
+            <a:endParaRPr lang="ko-KR" altLang="en-US" sz="1400" dirty="0"/>
+          </a:p>
+        </p:txBody>
+      </p:sp>
+      <p:sp>
+        <p:nvSpPr>
+          <p:cNvPr id="37" name="모서리가 둥근 직사각형 50">
+            <a:extLst>
+              <a:ext uri="{FF2B5EF4-FFF2-40B4-BE49-F238E27FC236}">
+                <a16:creationId xmlns:a16="http://schemas.microsoft.com/office/drawing/2014/main" id="{A131A08C-E9CA-46C0-A9AB-7EC3DC3BD6B8}"/>
+              </a:ext>
+            </a:extLst>
+          </p:cNvPr>
+          <p:cNvSpPr/>
+          <p:nvPr/>
+        </p:nvSpPr>
+        <p:spPr>
+          <a:xfrm>
+            <a:off x="3275856" y="3937250"/>
+            <a:ext cx="1224136" cy="290684"/>
+          </a:xfrm>
+          <a:prstGeom prst="roundRect">
+            <a:avLst>
+              <a:gd name="adj" fmla="val 3400"/>
+            </a:avLst>
+          </a:prstGeom>
+          <a:solidFill>
+            <a:schemeClr val="accent3">
+              <a:lumMod val="40000"/>
+              <a:lumOff val="60000"/>
+            </a:schemeClr>
+          </a:solidFill>
+        </p:spPr>
+        <p:style>
+          <a:lnRef idx="2">
+            <a:schemeClr val="dk1"/>
+          </a:lnRef>
+          <a:fillRef idx="1">
+            <a:schemeClr val="lt1"/>
+          </a:fillRef>
+          <a:effectRef idx="0">
+            <a:schemeClr val="dk1"/>
+          </a:effectRef>
+          <a:fontRef idx="minor">
+            <a:schemeClr val="dk1"/>
+          </a:fontRef>
+        </p:style>
+        <p:txBody>
+          <a:bodyPr rtlCol="0" anchor="t"/>
+          <a:lstStyle/>
+          <a:p>
+            <a:pPr algn="ctr"/>
+            <a:r>
+              <a:rPr lang="en-US" altLang="ko-KR" sz="1400"/>
+              <a:t>vxlan-10</a:t>
+            </a:r>
+            <a:endParaRPr lang="ko-KR" altLang="en-US" sz="1400" dirty="0"/>
+          </a:p>
+        </p:txBody>
+      </p:sp>
+      <p:cxnSp>
+        <p:nvCxnSpPr>
+          <p:cNvPr id="38" name="직선 연결선 37">
+            <a:extLst>
+              <a:ext uri="{FF2B5EF4-FFF2-40B4-BE49-F238E27FC236}">
+                <a16:creationId xmlns:a16="http://schemas.microsoft.com/office/drawing/2014/main" id="{677C44B7-6C54-4E6B-8EE5-65BC84D7BDC6}"/>
+              </a:ext>
+            </a:extLst>
+          </p:cNvPr>
+          <p:cNvCxnSpPr>
+            <a:cxnSpLocks/>
+            <a:stCxn id="33" idx="2"/>
+            <a:endCxn id="18" idx="0"/>
+          </p:cNvCxnSpPr>
+          <p:nvPr/>
+        </p:nvCxnSpPr>
+        <p:spPr>
+          <a:xfrm>
+            <a:off x="1007604" y="4227934"/>
+            <a:ext cx="2880320" cy="361743"/>
+          </a:xfrm>
+          <a:prstGeom prst="line">
+            <a:avLst/>
+          </a:prstGeom>
+          <a:ln w="28575">
+            <a:solidFill>
+              <a:schemeClr val="tx1"/>
+            </a:solidFill>
+          </a:ln>
+        </p:spPr>
+        <p:style>
+          <a:lnRef idx="1">
+            <a:schemeClr val="accent1"/>
+          </a:lnRef>
+          <a:fillRef idx="0">
+            <a:schemeClr val="accent1"/>
+          </a:fillRef>
+          <a:effectRef idx="0">
+            <a:schemeClr val="accent1"/>
+          </a:effectRef>
+          <a:fontRef idx="minor">
+            <a:schemeClr val="tx1"/>
+          </a:fontRef>
+        </p:style>
+      </p:cxnSp>
+      <p:sp>
+        <p:nvSpPr>
+          <p:cNvPr id="41" name="모서리가 둥근 직사각형 16">
+            <a:extLst>
+              <a:ext uri="{FF2B5EF4-FFF2-40B4-BE49-F238E27FC236}">
+                <a16:creationId xmlns:a16="http://schemas.microsoft.com/office/drawing/2014/main" id="{399FE24C-C5B4-4E31-BEF5-5A04AEEBDF36}"/>
+              </a:ext>
+            </a:extLst>
+          </p:cNvPr>
+          <p:cNvSpPr/>
+          <p:nvPr/>
+        </p:nvSpPr>
+        <p:spPr>
+          <a:xfrm>
+            <a:off x="2771801" y="2952530"/>
+            <a:ext cx="648072" cy="290684"/>
+          </a:xfrm>
+          <a:prstGeom prst="roundRect">
+            <a:avLst>
+              <a:gd name="adj" fmla="val 3400"/>
+            </a:avLst>
+          </a:prstGeom>
+          <a:solidFill>
+            <a:schemeClr val="tx2">
+              <a:lumMod val="40000"/>
+              <a:lumOff val="60000"/>
+            </a:schemeClr>
+          </a:solidFill>
+        </p:spPr>
+        <p:style>
+          <a:lnRef idx="2">
+            <a:schemeClr val="dk1"/>
+          </a:lnRef>
+          <a:fillRef idx="1">
+            <a:schemeClr val="lt1"/>
+          </a:fillRef>
+          <a:effectRef idx="0">
+            <a:schemeClr val="dk1"/>
+          </a:effectRef>
+          <a:fontRef idx="minor">
+            <a:schemeClr val="dk1"/>
+          </a:fontRef>
+        </p:style>
+        <p:txBody>
+          <a:bodyPr rtlCol="0" anchor="t"/>
+          <a:lstStyle/>
+          <a:p>
+            <a:pPr algn="ctr"/>
+            <a:r>
+              <a:rPr lang="en-US" altLang="ko-KR" sz="1400"/>
+              <a:t>tap02</a:t>
+            </a:r>
+            <a:endParaRPr lang="ko-KR" altLang="en-US" sz="1400" dirty="0"/>
+          </a:p>
+        </p:txBody>
+      </p:sp>
+      <p:sp>
+        <p:nvSpPr>
+          <p:cNvPr id="42" name="모서리가 둥근 직사각형 20">
+            <a:extLst>
+              <a:ext uri="{FF2B5EF4-FFF2-40B4-BE49-F238E27FC236}">
+                <a16:creationId xmlns:a16="http://schemas.microsoft.com/office/drawing/2014/main" id="{18E21163-8407-4D68-AD42-BDE90652C113}"/>
+              </a:ext>
+            </a:extLst>
+          </p:cNvPr>
+          <p:cNvSpPr/>
+          <p:nvPr/>
+        </p:nvSpPr>
+        <p:spPr>
+          <a:xfrm>
+            <a:off x="5368962" y="3444904"/>
+            <a:ext cx="1224136" cy="290684"/>
+          </a:xfrm>
+          <a:prstGeom prst="roundRect">
+            <a:avLst>
+              <a:gd name="adj" fmla="val 3400"/>
+            </a:avLst>
+          </a:prstGeom>
+          <a:solidFill>
+            <a:schemeClr val="accent2">
+              <a:lumMod val="40000"/>
+              <a:lumOff val="60000"/>
+            </a:schemeClr>
+          </a:solidFill>
+        </p:spPr>
+        <p:style>
+          <a:lnRef idx="2">
+            <a:schemeClr val="dk1"/>
+          </a:lnRef>
+          <a:fillRef idx="1">
+            <a:schemeClr val="lt1"/>
+          </a:fillRef>
+          <a:effectRef idx="0">
+            <a:schemeClr val="dk1"/>
+          </a:effectRef>
+          <a:fontRef idx="minor">
+            <a:schemeClr val="dk1"/>
+          </a:fontRef>
+        </p:style>
+        <p:txBody>
+          <a:bodyPr rtlCol="0" anchor="t"/>
+          <a:lstStyle/>
+          <a:p>
+            <a:pPr algn="ctr"/>
+            <a:r>
+              <a:rPr lang="en-US" altLang="ko-KR" sz="1400" dirty="0" err="1"/>
+              <a:t>brq02</a:t>
+            </a:r>
+            <a:endParaRPr lang="ko-KR" altLang="en-US" sz="1400" dirty="0"/>
+          </a:p>
+        </p:txBody>
+      </p:sp>
+      <p:sp>
+        <p:nvSpPr>
+          <p:cNvPr id="43" name="모서리가 둥근 직사각형 50">
+            <a:extLst>
+              <a:ext uri="{FF2B5EF4-FFF2-40B4-BE49-F238E27FC236}">
+                <a16:creationId xmlns:a16="http://schemas.microsoft.com/office/drawing/2014/main" id="{9E7C3C22-64F6-4ED2-AAE4-BD56FCE94A11}"/>
+              </a:ext>
+            </a:extLst>
+          </p:cNvPr>
+          <p:cNvSpPr/>
+          <p:nvPr/>
+        </p:nvSpPr>
+        <p:spPr>
+          <a:xfrm>
+            <a:off x="5368962" y="3937250"/>
+            <a:ext cx="1224136" cy="290684"/>
+          </a:xfrm>
+          <a:prstGeom prst="roundRect">
+            <a:avLst>
+              <a:gd name="adj" fmla="val 3400"/>
+            </a:avLst>
+          </a:prstGeom>
+          <a:solidFill>
+            <a:schemeClr val="accent3">
+              <a:lumMod val="40000"/>
+              <a:lumOff val="60000"/>
+            </a:schemeClr>
+          </a:solidFill>
+        </p:spPr>
+        <p:style>
+          <a:lnRef idx="2">
+            <a:schemeClr val="dk1"/>
+          </a:lnRef>
+          <a:fillRef idx="1">
+            <a:schemeClr val="lt1"/>
+          </a:fillRef>
+          <a:effectRef idx="0">
+            <a:schemeClr val="dk1"/>
+          </a:effectRef>
+          <a:fontRef idx="minor">
+            <a:schemeClr val="dk1"/>
+          </a:fontRef>
+        </p:style>
+        <p:txBody>
+          <a:bodyPr rtlCol="0" anchor="t"/>
+          <a:lstStyle/>
+          <a:p>
+            <a:pPr algn="ctr"/>
+            <a:r>
+              <a:rPr lang="en-US" altLang="ko-KR" sz="1400"/>
+              <a:t>vxlan-20</a:t>
+            </a:r>
+            <a:endParaRPr lang="ko-KR" altLang="en-US" sz="1400" dirty="0"/>
+          </a:p>
+        </p:txBody>
+      </p:sp>
+      <p:sp>
+        <p:nvSpPr>
+          <p:cNvPr id="45" name="모서리가 둥근 직사각형 16">
+            <a:extLst>
+              <a:ext uri="{FF2B5EF4-FFF2-40B4-BE49-F238E27FC236}">
+                <a16:creationId xmlns:a16="http://schemas.microsoft.com/office/drawing/2014/main" id="{4E681E6C-6ABF-460F-8C26-8FD90695A486}"/>
+              </a:ext>
+            </a:extLst>
+          </p:cNvPr>
+          <p:cNvSpPr/>
+          <p:nvPr/>
+        </p:nvSpPr>
+        <p:spPr>
+          <a:xfrm>
+            <a:off x="3995936" y="2952530"/>
+            <a:ext cx="648072" cy="290684"/>
+          </a:xfrm>
+          <a:prstGeom prst="roundRect">
+            <a:avLst>
+              <a:gd name="adj" fmla="val 3400"/>
+            </a:avLst>
+          </a:prstGeom>
+          <a:solidFill>
+            <a:schemeClr val="tx2">
+              <a:lumMod val="40000"/>
+              <a:lumOff val="60000"/>
+            </a:schemeClr>
+          </a:solidFill>
+        </p:spPr>
+        <p:style>
+          <a:lnRef idx="2">
+            <a:schemeClr val="dk1"/>
+          </a:lnRef>
+          <a:fillRef idx="1">
+            <a:schemeClr val="lt1"/>
+          </a:fillRef>
+          <a:effectRef idx="0">
+            <a:schemeClr val="dk1"/>
+          </a:effectRef>
+          <a:fontRef idx="minor">
+            <a:schemeClr val="dk1"/>
+          </a:fontRef>
+        </p:style>
+        <p:txBody>
+          <a:bodyPr rtlCol="0" anchor="t"/>
+          <a:lstStyle/>
+          <a:p>
+            <a:pPr algn="ctr"/>
+            <a:r>
+              <a:rPr lang="en-US" altLang="ko-KR" sz="1400"/>
+              <a:t>tap03</a:t>
+            </a:r>
+            <a:endParaRPr lang="ko-KR" altLang="en-US" sz="1400" dirty="0"/>
+          </a:p>
+        </p:txBody>
+      </p:sp>
+      <p:cxnSp>
+        <p:nvCxnSpPr>
+          <p:cNvPr id="46" name="직선 연결선 45">
+            <a:extLst>
+              <a:ext uri="{FF2B5EF4-FFF2-40B4-BE49-F238E27FC236}">
+                <a16:creationId xmlns:a16="http://schemas.microsoft.com/office/drawing/2014/main" id="{C1A82374-38F5-4E62-8302-48790E6025F0}"/>
+              </a:ext>
+            </a:extLst>
+          </p:cNvPr>
+          <p:cNvCxnSpPr>
+            <a:cxnSpLocks/>
+            <a:stCxn id="37" idx="2"/>
+            <a:endCxn id="18" idx="0"/>
+          </p:cNvCxnSpPr>
+          <p:nvPr/>
+        </p:nvCxnSpPr>
+        <p:spPr>
+          <a:xfrm>
+            <a:off x="3887924" y="4227934"/>
+            <a:ext cx="0" cy="361743"/>
+          </a:xfrm>
+          <a:prstGeom prst="line">
+            <a:avLst/>
+          </a:prstGeom>
+          <a:ln w="28575">
+            <a:solidFill>
+              <a:schemeClr val="tx1"/>
+            </a:solidFill>
+          </a:ln>
+        </p:spPr>
+        <p:style>
+          <a:lnRef idx="1">
+            <a:schemeClr val="accent1"/>
+          </a:lnRef>
+          <a:fillRef idx="0">
+            <a:schemeClr val="accent1"/>
+          </a:fillRef>
+          <a:effectRef idx="0">
+            <a:schemeClr val="accent1"/>
+          </a:effectRef>
+          <a:fontRef idx="minor">
+            <a:schemeClr val="tx1"/>
+          </a:fontRef>
+        </p:style>
+      </p:cxnSp>
+      <p:cxnSp>
+        <p:nvCxnSpPr>
+          <p:cNvPr id="49" name="직선 연결선 48">
+            <a:extLst>
+              <a:ext uri="{FF2B5EF4-FFF2-40B4-BE49-F238E27FC236}">
+                <a16:creationId xmlns:a16="http://schemas.microsoft.com/office/drawing/2014/main" id="{EB08C168-6080-4625-9763-128DE8DF606B}"/>
+              </a:ext>
+            </a:extLst>
+          </p:cNvPr>
+          <p:cNvCxnSpPr>
+            <a:cxnSpLocks/>
+            <a:stCxn id="43" idx="2"/>
+            <a:endCxn id="18" idx="0"/>
+          </p:cNvCxnSpPr>
+          <p:nvPr/>
+        </p:nvCxnSpPr>
+        <p:spPr>
+          <a:xfrm flipH="1">
+            <a:off x="3887924" y="4227934"/>
+            <a:ext cx="2093106" cy="361743"/>
+          </a:xfrm>
+          <a:prstGeom prst="line">
+            <a:avLst/>
+          </a:prstGeom>
+          <a:ln w="28575">
+            <a:solidFill>
+              <a:schemeClr val="tx1"/>
+            </a:solidFill>
+          </a:ln>
+        </p:spPr>
+        <p:style>
+          <a:lnRef idx="1">
+            <a:schemeClr val="accent1"/>
+          </a:lnRef>
+          <a:fillRef idx="0">
+            <a:schemeClr val="accent1"/>
+          </a:fillRef>
+          <a:effectRef idx="0">
+            <a:schemeClr val="accent1"/>
+          </a:effectRef>
+          <a:fontRef idx="minor">
+            <a:schemeClr val="tx1"/>
+          </a:fontRef>
+        </p:style>
+      </p:cxnSp>
+      <p:sp>
+        <p:nvSpPr>
+          <p:cNvPr id="52" name="모서리가 둥근 직사각형 16">
+            <a:extLst>
+              <a:ext uri="{FF2B5EF4-FFF2-40B4-BE49-F238E27FC236}">
+                <a16:creationId xmlns:a16="http://schemas.microsoft.com/office/drawing/2014/main" id="{746BE3C4-6E04-46A1-B534-4ABB1EE85EDC}"/>
+              </a:ext>
+            </a:extLst>
+          </p:cNvPr>
+          <p:cNvSpPr/>
+          <p:nvPr/>
+        </p:nvSpPr>
+        <p:spPr>
+          <a:xfrm>
+            <a:off x="5044927" y="2947091"/>
+            <a:ext cx="648072" cy="290684"/>
+          </a:xfrm>
+          <a:prstGeom prst="roundRect">
+            <a:avLst>
+              <a:gd name="adj" fmla="val 3400"/>
+            </a:avLst>
+          </a:prstGeom>
+          <a:solidFill>
+            <a:schemeClr val="tx2">
+              <a:lumMod val="40000"/>
+              <a:lumOff val="60000"/>
+            </a:schemeClr>
+          </a:solidFill>
+        </p:spPr>
+        <p:style>
+          <a:lnRef idx="2">
+            <a:schemeClr val="dk1"/>
+          </a:lnRef>
+          <a:fillRef idx="1">
+            <a:schemeClr val="lt1"/>
+          </a:fillRef>
+          <a:effectRef idx="0">
+            <a:schemeClr val="dk1"/>
+          </a:effectRef>
+          <a:fontRef idx="minor">
+            <a:schemeClr val="dk1"/>
+          </a:fontRef>
+        </p:style>
+        <p:txBody>
+          <a:bodyPr rtlCol="0" anchor="t"/>
+          <a:lstStyle/>
+          <a:p>
+            <a:pPr algn="ctr"/>
+            <a:r>
+              <a:rPr lang="en-US" altLang="ko-KR" sz="1400"/>
+              <a:t>tap04</a:t>
+            </a:r>
+            <a:endParaRPr lang="ko-KR" altLang="en-US" sz="1400" dirty="0"/>
+          </a:p>
+        </p:txBody>
+      </p:sp>
+      <p:sp>
+        <p:nvSpPr>
+          <p:cNvPr id="53" name="모서리가 둥근 직사각형 16">
+            <a:extLst>
+              <a:ext uri="{FF2B5EF4-FFF2-40B4-BE49-F238E27FC236}">
+                <a16:creationId xmlns:a16="http://schemas.microsoft.com/office/drawing/2014/main" id="{F38844AD-825E-4431-B9B3-15582F628EC9}"/>
+              </a:ext>
+            </a:extLst>
+          </p:cNvPr>
+          <p:cNvSpPr/>
+          <p:nvPr/>
+        </p:nvSpPr>
+        <p:spPr>
+          <a:xfrm>
+            <a:off x="6269062" y="2952530"/>
+            <a:ext cx="648072" cy="290684"/>
+          </a:xfrm>
+          <a:prstGeom prst="roundRect">
+            <a:avLst>
+              <a:gd name="adj" fmla="val 3400"/>
+            </a:avLst>
+          </a:prstGeom>
+          <a:solidFill>
+            <a:schemeClr val="tx2">
+              <a:lumMod val="40000"/>
+              <a:lumOff val="60000"/>
+            </a:schemeClr>
+          </a:solidFill>
+        </p:spPr>
+        <p:style>
+          <a:lnRef idx="2">
+            <a:schemeClr val="dk1"/>
+          </a:lnRef>
+          <a:fillRef idx="1">
+            <a:schemeClr val="lt1"/>
+          </a:fillRef>
+          <a:effectRef idx="0">
+            <a:schemeClr val="dk1"/>
+          </a:effectRef>
+          <a:fontRef idx="minor">
+            <a:schemeClr val="dk1"/>
+          </a:fontRef>
+        </p:style>
+        <p:txBody>
+          <a:bodyPr rtlCol="0" anchor="t"/>
+          <a:lstStyle/>
+          <a:p>
+            <a:pPr algn="ctr"/>
+            <a:r>
+              <a:rPr lang="en-US" altLang="ko-KR" sz="1400"/>
+              <a:t>tap05</a:t>
+            </a:r>
+            <a:endParaRPr lang="ko-KR" altLang="en-US" sz="1400" dirty="0"/>
+          </a:p>
+        </p:txBody>
+      </p:sp>
+      <p:sp>
+        <p:nvSpPr>
+          <p:cNvPr id="54" name="사각형: 둥근 모서리 53">
+            <a:extLst>
+              <a:ext uri="{FF2B5EF4-FFF2-40B4-BE49-F238E27FC236}">
+                <a16:creationId xmlns:a16="http://schemas.microsoft.com/office/drawing/2014/main" id="{E4DAA928-114C-45A3-BCCD-E81A32A2E182}"/>
+              </a:ext>
+            </a:extLst>
+          </p:cNvPr>
+          <p:cNvSpPr/>
+          <p:nvPr/>
+        </p:nvSpPr>
+        <p:spPr>
+          <a:xfrm>
+            <a:off x="395536" y="1059582"/>
+            <a:ext cx="2160240" cy="2178193"/>
+          </a:xfrm>
+          <a:prstGeom prst="roundRect">
+            <a:avLst>
+              <a:gd name="adj" fmla="val 7073"/>
+            </a:avLst>
+          </a:prstGeom>
+          <a:ln>
+            <a:prstDash val="dash"/>
+          </a:ln>
+        </p:spPr>
+        <p:style>
+          <a:lnRef idx="2">
+            <a:schemeClr val="dk1"/>
+          </a:lnRef>
+          <a:fillRef idx="1">
+            <a:schemeClr val="lt1"/>
+          </a:fillRef>
+          <a:effectRef idx="0">
+            <a:schemeClr val="dk1"/>
+          </a:effectRef>
+          <a:fontRef idx="minor">
+            <a:schemeClr val="dk1"/>
+          </a:fontRef>
+        </p:style>
+        <p:txBody>
+          <a:bodyPr rtlCol="0" anchor="t"/>
+          <a:lstStyle/>
+          <a:p>
+            <a:pPr algn="ctr"/>
+            <a:r>
+              <a:rPr lang="en-US" altLang="ko-KR" sz="1400"/>
+              <a:t>Router A </a:t>
+            </a:r>
+          </a:p>
+          <a:p>
+            <a:pPr algn="ctr"/>
+            <a:r>
+              <a:rPr lang="en-US" altLang="ko-KR" sz="1400"/>
+              <a:t>Net Namespace</a:t>
+            </a:r>
+            <a:endParaRPr lang="ko-KR" altLang="en-US" sz="1400"/>
+          </a:p>
+        </p:txBody>
+      </p:sp>
+      <p:cxnSp>
+        <p:nvCxnSpPr>
+          <p:cNvPr id="55" name="직선 연결선 54">
+            <a:extLst>
+              <a:ext uri="{FF2B5EF4-FFF2-40B4-BE49-F238E27FC236}">
+                <a16:creationId xmlns:a16="http://schemas.microsoft.com/office/drawing/2014/main" id="{6E3CB981-1347-4F93-842E-234E9A18F4F5}"/>
+              </a:ext>
+            </a:extLst>
+          </p:cNvPr>
+          <p:cNvCxnSpPr>
+            <a:cxnSpLocks/>
+            <a:stCxn id="34" idx="2"/>
+            <a:endCxn id="33" idx="0"/>
+          </p:cNvCxnSpPr>
+          <p:nvPr/>
+        </p:nvCxnSpPr>
+        <p:spPr>
+          <a:xfrm>
+            <a:off x="1007604" y="3738621"/>
+            <a:ext cx="0" cy="198629"/>
+          </a:xfrm>
+          <a:prstGeom prst="line">
+            <a:avLst/>
+          </a:prstGeom>
+          <a:ln w="28575">
+            <a:solidFill>
+              <a:schemeClr val="tx1"/>
+            </a:solidFill>
+          </a:ln>
+        </p:spPr>
+        <p:style>
+          <a:lnRef idx="1">
+            <a:schemeClr val="accent1"/>
+          </a:lnRef>
+          <a:fillRef idx="0">
+            <a:schemeClr val="accent1"/>
+          </a:fillRef>
+          <a:effectRef idx="0">
+            <a:schemeClr val="accent1"/>
+          </a:effectRef>
+          <a:fontRef idx="minor">
+            <a:schemeClr val="tx1"/>
+          </a:fontRef>
+        </p:style>
+      </p:cxnSp>
+      <p:cxnSp>
+        <p:nvCxnSpPr>
+          <p:cNvPr id="58" name="직선 연결선 57">
+            <a:extLst>
+              <a:ext uri="{FF2B5EF4-FFF2-40B4-BE49-F238E27FC236}">
+                <a16:creationId xmlns:a16="http://schemas.microsoft.com/office/drawing/2014/main" id="{CBBEB152-7CF5-48D3-87CB-48A402098C3A}"/>
+              </a:ext>
+            </a:extLst>
+          </p:cNvPr>
+          <p:cNvCxnSpPr>
+            <a:cxnSpLocks/>
+            <a:endCxn id="34" idx="0"/>
+          </p:cNvCxnSpPr>
+          <p:nvPr/>
+        </p:nvCxnSpPr>
+        <p:spPr>
+          <a:xfrm>
+            <a:off x="1007604" y="3003798"/>
+            <a:ext cx="0" cy="444139"/>
+          </a:xfrm>
+          <a:prstGeom prst="line">
+            <a:avLst/>
+          </a:prstGeom>
+          <a:ln w="28575">
+            <a:solidFill>
+              <a:schemeClr val="tx1"/>
+            </a:solidFill>
+          </a:ln>
+        </p:spPr>
+        <p:style>
+          <a:lnRef idx="1">
+            <a:schemeClr val="accent1"/>
+          </a:lnRef>
+          <a:fillRef idx="0">
+            <a:schemeClr val="accent1"/>
+          </a:fillRef>
+          <a:effectRef idx="0">
+            <a:schemeClr val="accent1"/>
+          </a:effectRef>
+          <a:fontRef idx="minor">
+            <a:schemeClr val="tx1"/>
+          </a:fontRef>
+        </p:style>
+      </p:cxnSp>
+      <p:sp>
+        <p:nvSpPr>
+          <p:cNvPr id="62" name="모서리가 둥근 직사각형 16">
+            <a:extLst>
+              <a:ext uri="{FF2B5EF4-FFF2-40B4-BE49-F238E27FC236}">
+                <a16:creationId xmlns:a16="http://schemas.microsoft.com/office/drawing/2014/main" id="{61B43E21-8FA6-4C29-9C25-C9EEE872B90F}"/>
+              </a:ext>
+            </a:extLst>
+          </p:cNvPr>
+          <p:cNvSpPr/>
+          <p:nvPr/>
+        </p:nvSpPr>
+        <p:spPr>
+          <a:xfrm>
+            <a:off x="652571" y="2713114"/>
+            <a:ext cx="710066" cy="290684"/>
+          </a:xfrm>
+          <a:prstGeom prst="roundRect">
+            <a:avLst>
+              <a:gd name="adj" fmla="val 3400"/>
+            </a:avLst>
+          </a:prstGeom>
+          <a:solidFill>
+            <a:schemeClr val="tx2">
+              <a:lumMod val="40000"/>
+              <a:lumOff val="60000"/>
+            </a:schemeClr>
+          </a:solidFill>
+        </p:spPr>
+        <p:style>
+          <a:lnRef idx="2">
+            <a:schemeClr val="dk1"/>
+          </a:lnRef>
+          <a:fillRef idx="1">
+            <a:schemeClr val="lt1"/>
+          </a:fillRef>
+          <a:effectRef idx="0">
+            <a:schemeClr val="dk1"/>
+          </a:effectRef>
+          <a:fontRef idx="minor">
+            <a:schemeClr val="dk1"/>
+          </a:fontRef>
+        </p:style>
+        <p:txBody>
+          <a:bodyPr rtlCol="0" anchor="t"/>
+          <a:lstStyle/>
+          <a:p>
+            <a:pPr algn="ctr"/>
+            <a:r>
+              <a:rPr lang="en-US" altLang="ko-KR" sz="1400"/>
+              <a:t>qg-01</a:t>
+            </a:r>
+            <a:endParaRPr lang="ko-KR" altLang="en-US" sz="1400" dirty="0"/>
+          </a:p>
+        </p:txBody>
+      </p:sp>
+      <p:sp>
+        <p:nvSpPr>
+          <p:cNvPr id="64" name="모서리가 둥근 직사각형 16">
+            <a:extLst>
+              <a:ext uri="{FF2B5EF4-FFF2-40B4-BE49-F238E27FC236}">
+                <a16:creationId xmlns:a16="http://schemas.microsoft.com/office/drawing/2014/main" id="{62DA1D6C-A1AF-4E1A-A6CE-1C68BF1A7EBB}"/>
+              </a:ext>
+            </a:extLst>
+          </p:cNvPr>
+          <p:cNvSpPr/>
+          <p:nvPr/>
+        </p:nvSpPr>
+        <p:spPr>
+          <a:xfrm>
+            <a:off x="529804" y="2091218"/>
+            <a:ext cx="1089868" cy="290684"/>
+          </a:xfrm>
+          <a:prstGeom prst="roundRect">
+            <a:avLst>
+              <a:gd name="adj" fmla="val 3400"/>
+            </a:avLst>
+          </a:prstGeom>
+          <a:ln>
+            <a:noFill/>
+          </a:ln>
+        </p:spPr>
+        <p:style>
+          <a:lnRef idx="2">
+            <a:schemeClr val="dk1"/>
+          </a:lnRef>
+          <a:fillRef idx="1">
+            <a:schemeClr val="lt1"/>
+          </a:fillRef>
+          <a:effectRef idx="0">
+            <a:schemeClr val="dk1"/>
+          </a:effectRef>
+          <a:fontRef idx="minor">
+            <a:schemeClr val="dk1"/>
+          </a:fontRef>
+        </p:style>
+        <p:txBody>
+          <a:bodyPr rtlCol="0" anchor="t"/>
+          <a:lstStyle/>
+          <a:p>
+            <a:pPr algn="ctr"/>
+            <a:r>
+              <a:rPr lang="en-US" altLang="ko-KR" sz="1400"/>
+              <a:t>iptables</a:t>
+            </a:r>
+            <a:endParaRPr lang="ko-KR" altLang="en-US" sz="1400" dirty="0"/>
+          </a:p>
+        </p:txBody>
+      </p:sp>
+      <p:sp>
+        <p:nvSpPr>
+          <p:cNvPr id="67" name="모서리가 둥근 직사각형 16">
+            <a:extLst>
+              <a:ext uri="{FF2B5EF4-FFF2-40B4-BE49-F238E27FC236}">
+                <a16:creationId xmlns:a16="http://schemas.microsoft.com/office/drawing/2014/main" id="{3346BD14-6B8A-4C83-9830-3296C7D793D5}"/>
+              </a:ext>
+            </a:extLst>
+          </p:cNvPr>
+          <p:cNvSpPr/>
+          <p:nvPr/>
+        </p:nvSpPr>
+        <p:spPr>
+          <a:xfrm>
+            <a:off x="1763688" y="1707654"/>
+            <a:ext cx="648072" cy="290684"/>
+          </a:xfrm>
+          <a:prstGeom prst="roundRect">
+            <a:avLst>
+              <a:gd name="adj" fmla="val 3400"/>
+            </a:avLst>
+          </a:prstGeom>
+          <a:solidFill>
+            <a:schemeClr val="tx2">
+              <a:lumMod val="40000"/>
+              <a:lumOff val="60000"/>
+            </a:schemeClr>
+          </a:solidFill>
+        </p:spPr>
+        <p:style>
+          <a:lnRef idx="2">
+            <a:schemeClr val="dk1"/>
+          </a:lnRef>
+          <a:fillRef idx="1">
+            <a:schemeClr val="lt1"/>
+          </a:fillRef>
+          <a:effectRef idx="0">
+            <a:schemeClr val="dk1"/>
+          </a:effectRef>
+          <a:fontRef idx="minor">
+            <a:schemeClr val="dk1"/>
+          </a:fontRef>
+        </p:style>
+        <p:txBody>
+          <a:bodyPr rtlCol="0" anchor="t"/>
+          <a:lstStyle/>
+          <a:p>
+            <a:pPr algn="ctr"/>
+            <a:r>
+              <a:rPr lang="en-US" altLang="ko-KR" sz="1400"/>
+              <a:t>qr-01</a:t>
+            </a:r>
+            <a:endParaRPr lang="ko-KR" altLang="en-US" sz="1400" dirty="0"/>
+          </a:p>
+        </p:txBody>
+      </p:sp>
+      <p:sp>
+        <p:nvSpPr>
+          <p:cNvPr id="68" name="모서리가 둥근 직사각형 16">
+            <a:extLst>
+              <a:ext uri="{FF2B5EF4-FFF2-40B4-BE49-F238E27FC236}">
+                <a16:creationId xmlns:a16="http://schemas.microsoft.com/office/drawing/2014/main" id="{789B316C-E0A3-450F-B333-870AAA5BF766}"/>
+              </a:ext>
+            </a:extLst>
+          </p:cNvPr>
+          <p:cNvSpPr/>
+          <p:nvPr/>
+        </p:nvSpPr>
+        <p:spPr>
+          <a:xfrm>
+            <a:off x="1763688" y="2470537"/>
+            <a:ext cx="648072" cy="290684"/>
+          </a:xfrm>
+          <a:prstGeom prst="roundRect">
+            <a:avLst>
+              <a:gd name="adj" fmla="val 3400"/>
+            </a:avLst>
+          </a:prstGeom>
+          <a:solidFill>
+            <a:schemeClr val="tx2">
+              <a:lumMod val="40000"/>
+              <a:lumOff val="60000"/>
+            </a:schemeClr>
+          </a:solidFill>
+        </p:spPr>
+        <p:style>
+          <a:lnRef idx="2">
+            <a:schemeClr val="dk1"/>
+          </a:lnRef>
+          <a:fillRef idx="1">
+            <a:schemeClr val="lt1"/>
+          </a:fillRef>
+          <a:effectRef idx="0">
+            <a:schemeClr val="dk1"/>
+          </a:effectRef>
+          <a:fontRef idx="minor">
+            <a:schemeClr val="dk1"/>
+          </a:fontRef>
+        </p:style>
+        <p:txBody>
+          <a:bodyPr rtlCol="0" anchor="t"/>
+          <a:lstStyle/>
+          <a:p>
+            <a:pPr algn="ctr"/>
+            <a:r>
+              <a:rPr lang="en-US" altLang="ko-KR" sz="1400"/>
+              <a:t>qr-02</a:t>
+            </a:r>
+            <a:endParaRPr lang="ko-KR" altLang="en-US" sz="1400" dirty="0"/>
+          </a:p>
+        </p:txBody>
+      </p:sp>
+      <p:cxnSp>
+        <p:nvCxnSpPr>
+          <p:cNvPr id="69" name="직선 연결선 68">
+            <a:extLst>
+              <a:ext uri="{FF2B5EF4-FFF2-40B4-BE49-F238E27FC236}">
+                <a16:creationId xmlns:a16="http://schemas.microsoft.com/office/drawing/2014/main" id="{1E845AB7-C1BA-49BF-9190-4FE4CA1116E1}"/>
+              </a:ext>
+            </a:extLst>
+          </p:cNvPr>
+          <p:cNvCxnSpPr>
+            <a:cxnSpLocks/>
+            <a:stCxn id="68" idx="3"/>
+            <a:endCxn id="41" idx="0"/>
+          </p:cNvCxnSpPr>
+          <p:nvPr/>
+        </p:nvCxnSpPr>
+        <p:spPr>
+          <a:xfrm>
+            <a:off x="2411760" y="2615879"/>
+            <a:ext cx="684077" cy="336651"/>
+          </a:xfrm>
+          <a:prstGeom prst="line">
+            <a:avLst/>
+          </a:prstGeom>
+          <a:ln w="28575">
+            <a:solidFill>
+              <a:schemeClr val="tx1"/>
+            </a:solidFill>
+          </a:ln>
+        </p:spPr>
+        <p:style>
+          <a:lnRef idx="1">
+            <a:schemeClr val="accent1"/>
+          </a:lnRef>
+          <a:fillRef idx="0">
+            <a:schemeClr val="accent1"/>
+          </a:fillRef>
+          <a:effectRef idx="0">
+            <a:schemeClr val="accent1"/>
+          </a:effectRef>
+          <a:fontRef idx="minor">
+            <a:schemeClr val="tx1"/>
+          </a:fontRef>
+        </p:style>
+      </p:cxnSp>
+      <p:cxnSp>
+        <p:nvCxnSpPr>
+          <p:cNvPr id="72" name="직선 연결선 71">
+            <a:extLst>
+              <a:ext uri="{FF2B5EF4-FFF2-40B4-BE49-F238E27FC236}">
+                <a16:creationId xmlns:a16="http://schemas.microsoft.com/office/drawing/2014/main" id="{898F9043-E50A-4DEB-AB2B-7AB04A46BE89}"/>
+              </a:ext>
+            </a:extLst>
+          </p:cNvPr>
+          <p:cNvCxnSpPr>
+            <a:cxnSpLocks/>
+            <a:stCxn id="67" idx="3"/>
+            <a:endCxn id="52" idx="0"/>
+          </p:cNvCxnSpPr>
+          <p:nvPr/>
+        </p:nvCxnSpPr>
+        <p:spPr>
+          <a:xfrm>
+            <a:off x="2411760" y="1852996"/>
+            <a:ext cx="2957203" cy="1094095"/>
+          </a:xfrm>
+          <a:prstGeom prst="line">
+            <a:avLst/>
+          </a:prstGeom>
+          <a:ln w="28575">
+            <a:solidFill>
+              <a:schemeClr val="tx1"/>
+            </a:solidFill>
+          </a:ln>
+        </p:spPr>
+        <p:style>
+          <a:lnRef idx="1">
+            <a:schemeClr val="accent1"/>
+          </a:lnRef>
+          <a:fillRef idx="0">
+            <a:schemeClr val="accent1"/>
+          </a:fillRef>
+          <a:effectRef idx="0">
+            <a:schemeClr val="accent1"/>
+          </a:effectRef>
+          <a:fontRef idx="minor">
+            <a:schemeClr val="tx1"/>
+          </a:fontRef>
+        </p:style>
+      </p:cxnSp>
+      <p:cxnSp>
+        <p:nvCxnSpPr>
+          <p:cNvPr id="75" name="직선 연결선 74">
+            <a:extLst>
+              <a:ext uri="{FF2B5EF4-FFF2-40B4-BE49-F238E27FC236}">
+                <a16:creationId xmlns:a16="http://schemas.microsoft.com/office/drawing/2014/main" id="{4E4F5EBF-BCD5-46B7-A731-12235117A5E8}"/>
+              </a:ext>
+            </a:extLst>
+          </p:cNvPr>
+          <p:cNvCxnSpPr>
+            <a:cxnSpLocks/>
+            <a:stCxn id="41" idx="2"/>
+            <a:endCxn id="36" idx="0"/>
+          </p:cNvCxnSpPr>
+          <p:nvPr/>
+        </p:nvCxnSpPr>
+        <p:spPr>
+          <a:xfrm>
+            <a:off x="3095837" y="3243214"/>
+            <a:ext cx="792087" cy="201690"/>
+          </a:xfrm>
+          <a:prstGeom prst="line">
+            <a:avLst/>
+          </a:prstGeom>
+          <a:ln w="28575">
+            <a:solidFill>
+              <a:schemeClr val="tx1"/>
+            </a:solidFill>
+          </a:ln>
+        </p:spPr>
+        <p:style>
+          <a:lnRef idx="1">
+            <a:schemeClr val="accent1"/>
+          </a:lnRef>
+          <a:fillRef idx="0">
+            <a:schemeClr val="accent1"/>
+          </a:fillRef>
+          <a:effectRef idx="0">
+            <a:schemeClr val="accent1"/>
+          </a:effectRef>
+          <a:fontRef idx="minor">
+            <a:schemeClr val="tx1"/>
+          </a:fontRef>
+        </p:style>
+      </p:cxnSp>
+      <p:cxnSp>
+        <p:nvCxnSpPr>
+          <p:cNvPr id="78" name="직선 연결선 77">
+            <a:extLst>
+              <a:ext uri="{FF2B5EF4-FFF2-40B4-BE49-F238E27FC236}">
+                <a16:creationId xmlns:a16="http://schemas.microsoft.com/office/drawing/2014/main" id="{AB6273F6-47DC-49D3-A217-863B1FC7EA57}"/>
+              </a:ext>
+            </a:extLst>
+          </p:cNvPr>
+          <p:cNvCxnSpPr>
+            <a:cxnSpLocks/>
+            <a:stCxn id="45" idx="2"/>
+            <a:endCxn id="36" idx="0"/>
+          </p:cNvCxnSpPr>
+          <p:nvPr/>
+        </p:nvCxnSpPr>
+        <p:spPr>
+          <a:xfrm flipH="1">
+            <a:off x="3887924" y="3243214"/>
+            <a:ext cx="432048" cy="201690"/>
+          </a:xfrm>
+          <a:prstGeom prst="line">
+            <a:avLst/>
+          </a:prstGeom>
+          <a:ln w="28575">
+            <a:solidFill>
+              <a:schemeClr val="tx1"/>
+            </a:solidFill>
+          </a:ln>
+        </p:spPr>
+        <p:style>
+          <a:lnRef idx="1">
+            <a:schemeClr val="accent1"/>
+          </a:lnRef>
+          <a:fillRef idx="0">
+            <a:schemeClr val="accent1"/>
+          </a:fillRef>
+          <a:effectRef idx="0">
+            <a:schemeClr val="accent1"/>
+          </a:effectRef>
+          <a:fontRef idx="minor">
+            <a:schemeClr val="tx1"/>
+          </a:fontRef>
+        </p:style>
+      </p:cxnSp>
+      <p:cxnSp>
+        <p:nvCxnSpPr>
+          <p:cNvPr id="81" name="직선 연결선 80">
+            <a:extLst>
+              <a:ext uri="{FF2B5EF4-FFF2-40B4-BE49-F238E27FC236}">
+                <a16:creationId xmlns:a16="http://schemas.microsoft.com/office/drawing/2014/main" id="{1B8CCB6D-07ED-497E-BE02-25314F8E2470}"/>
+              </a:ext>
+            </a:extLst>
+          </p:cNvPr>
+          <p:cNvCxnSpPr>
+            <a:cxnSpLocks/>
+            <a:stCxn id="52" idx="2"/>
+            <a:endCxn id="42" idx="0"/>
+          </p:cNvCxnSpPr>
+          <p:nvPr/>
+        </p:nvCxnSpPr>
+        <p:spPr>
+          <a:xfrm>
+            <a:off x="5368963" y="3237775"/>
+            <a:ext cx="612067" cy="207129"/>
+          </a:xfrm>
+          <a:prstGeom prst="line">
+            <a:avLst/>
+          </a:prstGeom>
+          <a:ln w="28575">
+            <a:solidFill>
+              <a:schemeClr val="tx1"/>
+            </a:solidFill>
+          </a:ln>
+        </p:spPr>
+        <p:style>
+          <a:lnRef idx="1">
+            <a:schemeClr val="accent1"/>
+          </a:lnRef>
+          <a:fillRef idx="0">
+            <a:schemeClr val="accent1"/>
+          </a:fillRef>
+          <a:effectRef idx="0">
+            <a:schemeClr val="accent1"/>
+          </a:effectRef>
+          <a:fontRef idx="minor">
+            <a:schemeClr val="tx1"/>
+          </a:fontRef>
+        </p:style>
+      </p:cxnSp>
+      <p:cxnSp>
+        <p:nvCxnSpPr>
+          <p:cNvPr id="94" name="직선 연결선 93">
+            <a:extLst>
+              <a:ext uri="{FF2B5EF4-FFF2-40B4-BE49-F238E27FC236}">
+                <a16:creationId xmlns:a16="http://schemas.microsoft.com/office/drawing/2014/main" id="{37743E4A-1DF0-45B6-BD32-47D6E81E4B03}"/>
+              </a:ext>
+            </a:extLst>
+          </p:cNvPr>
+          <p:cNvCxnSpPr>
+            <a:cxnSpLocks/>
+            <a:stCxn id="64" idx="2"/>
+            <a:endCxn id="62" idx="0"/>
+          </p:cNvCxnSpPr>
+          <p:nvPr/>
+        </p:nvCxnSpPr>
+        <p:spPr>
+          <a:xfrm flipH="1">
+            <a:off x="1007604" y="2381902"/>
+            <a:ext cx="67134" cy="331212"/>
+          </a:xfrm>
+          <a:prstGeom prst="line">
+            <a:avLst/>
+          </a:prstGeom>
+          <a:ln w="28575">
+            <a:solidFill>
+              <a:schemeClr val="tx1"/>
+            </a:solidFill>
+            <a:headEnd type="arrow" w="med" len="med"/>
+            <a:tailEnd type="arrow" w="med" len="med"/>
+          </a:ln>
+        </p:spPr>
+        <p:style>
+          <a:lnRef idx="1">
+            <a:schemeClr val="accent1"/>
+          </a:lnRef>
+          <a:fillRef idx="0">
+            <a:schemeClr val="accent1"/>
+          </a:fillRef>
+          <a:effectRef idx="0">
+            <a:schemeClr val="accent1"/>
+          </a:effectRef>
+          <a:fontRef idx="minor">
+            <a:schemeClr val="tx1"/>
+          </a:fontRef>
+        </p:style>
+      </p:cxnSp>
+      <p:cxnSp>
+        <p:nvCxnSpPr>
+          <p:cNvPr id="97" name="직선 연결선 96">
+            <a:extLst>
+              <a:ext uri="{FF2B5EF4-FFF2-40B4-BE49-F238E27FC236}">
+                <a16:creationId xmlns:a16="http://schemas.microsoft.com/office/drawing/2014/main" id="{CAFE8D56-EB54-4805-AC17-7646C5BC3598}"/>
+              </a:ext>
+            </a:extLst>
+          </p:cNvPr>
+          <p:cNvCxnSpPr>
+            <a:cxnSpLocks/>
+            <a:endCxn id="37" idx="0"/>
+          </p:cNvCxnSpPr>
+          <p:nvPr/>
+        </p:nvCxnSpPr>
+        <p:spPr>
+          <a:xfrm>
+            <a:off x="3887924" y="3735588"/>
+            <a:ext cx="0" cy="201662"/>
+          </a:xfrm>
+          <a:prstGeom prst="line">
+            <a:avLst/>
+          </a:prstGeom>
+          <a:ln w="28575">
+            <a:solidFill>
+              <a:schemeClr val="tx1"/>
+            </a:solidFill>
+          </a:ln>
+        </p:spPr>
+        <p:style>
+          <a:lnRef idx="1">
+            <a:schemeClr val="accent1"/>
+          </a:lnRef>
+          <a:fillRef idx="0">
+            <a:schemeClr val="accent1"/>
+          </a:fillRef>
+          <a:effectRef idx="0">
+            <a:schemeClr val="accent1"/>
+          </a:effectRef>
+          <a:fontRef idx="minor">
+            <a:schemeClr val="tx1"/>
+          </a:fontRef>
+        </p:style>
+      </p:cxnSp>
+      <p:cxnSp>
+        <p:nvCxnSpPr>
+          <p:cNvPr id="100" name="직선 연결선 99">
+            <a:extLst>
+              <a:ext uri="{FF2B5EF4-FFF2-40B4-BE49-F238E27FC236}">
+                <a16:creationId xmlns:a16="http://schemas.microsoft.com/office/drawing/2014/main" id="{3137D643-BB7B-4706-8BCC-4293BF9D30DD}"/>
+              </a:ext>
+            </a:extLst>
+          </p:cNvPr>
+          <p:cNvCxnSpPr>
+            <a:cxnSpLocks/>
+            <a:stCxn id="42" idx="2"/>
+            <a:endCxn id="43" idx="0"/>
+          </p:cNvCxnSpPr>
+          <p:nvPr/>
+        </p:nvCxnSpPr>
+        <p:spPr>
+          <a:xfrm>
+            <a:off x="5981030" y="3735588"/>
+            <a:ext cx="0" cy="201662"/>
+          </a:xfrm>
+          <a:prstGeom prst="line">
+            <a:avLst/>
+          </a:prstGeom>
+          <a:ln w="28575">
+            <a:solidFill>
+              <a:schemeClr val="tx1"/>
+            </a:solidFill>
+          </a:ln>
+        </p:spPr>
+        <p:style>
+          <a:lnRef idx="1">
+            <a:schemeClr val="accent1"/>
+          </a:lnRef>
+          <a:fillRef idx="0">
+            <a:schemeClr val="accent1"/>
+          </a:fillRef>
+          <a:effectRef idx="0">
+            <a:schemeClr val="accent1"/>
+          </a:effectRef>
+          <a:fontRef idx="minor">
+            <a:schemeClr val="tx1"/>
+          </a:fontRef>
+        </p:style>
+      </p:cxnSp>
+      <p:sp>
+        <p:nvSpPr>
+          <p:cNvPr id="103" name="사각형: 둥근 모서리 102">
+            <a:extLst>
+              <a:ext uri="{FF2B5EF4-FFF2-40B4-BE49-F238E27FC236}">
+                <a16:creationId xmlns:a16="http://schemas.microsoft.com/office/drawing/2014/main" id="{A08452B1-38E3-43DB-B9CD-441AE66B40FE}"/>
+              </a:ext>
+            </a:extLst>
+          </p:cNvPr>
+          <p:cNvSpPr/>
+          <p:nvPr/>
+        </p:nvSpPr>
+        <p:spPr>
+          <a:xfrm>
+            <a:off x="3509881" y="1279211"/>
+            <a:ext cx="1620182" cy="1471629"/>
+          </a:xfrm>
+          <a:prstGeom prst="roundRect">
+            <a:avLst>
+              <a:gd name="adj" fmla="val 7073"/>
+            </a:avLst>
+          </a:prstGeom>
+          <a:ln>
+            <a:prstDash val="dash"/>
+          </a:ln>
+        </p:spPr>
+        <p:style>
+          <a:lnRef idx="2">
+            <a:schemeClr val="dk1"/>
+          </a:lnRef>
+          <a:fillRef idx="1">
+            <a:schemeClr val="lt1"/>
+          </a:fillRef>
+          <a:effectRef idx="0">
+            <a:schemeClr val="dk1"/>
+          </a:effectRef>
+          <a:fontRef idx="minor">
+            <a:schemeClr val="dk1"/>
+          </a:fontRef>
+        </p:style>
+        <p:txBody>
+          <a:bodyPr rtlCol="0" anchor="t"/>
+          <a:lstStyle/>
+          <a:p>
+            <a:pPr algn="ctr"/>
+            <a:r>
+              <a:rPr lang="en-US" altLang="ko-KR" sz="1400"/>
+              <a:t>DHCP A </a:t>
+            </a:r>
+          </a:p>
+          <a:p>
+            <a:pPr algn="ctr"/>
+            <a:r>
+              <a:rPr lang="en-US" altLang="ko-KR" sz="1400"/>
+              <a:t>Net Namespace</a:t>
+            </a:r>
+            <a:endParaRPr lang="ko-KR" altLang="en-US" sz="1400"/>
+          </a:p>
+        </p:txBody>
+      </p:sp>
+      <p:sp>
+        <p:nvSpPr>
+          <p:cNvPr id="104" name="사각형: 둥근 모서리 103">
+            <a:extLst>
+              <a:ext uri="{FF2B5EF4-FFF2-40B4-BE49-F238E27FC236}">
+                <a16:creationId xmlns:a16="http://schemas.microsoft.com/office/drawing/2014/main" id="{101B1539-0D28-4181-AB58-5B38BF87BF2F}"/>
+              </a:ext>
+            </a:extLst>
+          </p:cNvPr>
+          <p:cNvSpPr/>
+          <p:nvPr/>
+        </p:nvSpPr>
+        <p:spPr>
+          <a:xfrm>
+            <a:off x="5783007" y="1279211"/>
+            <a:ext cx="1620182" cy="1471629"/>
+          </a:xfrm>
+          <a:prstGeom prst="roundRect">
+            <a:avLst>
+              <a:gd name="adj" fmla="val 7073"/>
+            </a:avLst>
+          </a:prstGeom>
+          <a:ln>
+            <a:prstDash val="dash"/>
+          </a:ln>
+        </p:spPr>
+        <p:style>
+          <a:lnRef idx="2">
+            <a:schemeClr val="dk1"/>
+          </a:lnRef>
+          <a:fillRef idx="1">
+            <a:schemeClr val="lt1"/>
+          </a:fillRef>
+          <a:effectRef idx="0">
+            <a:schemeClr val="dk1"/>
+          </a:effectRef>
+          <a:fontRef idx="minor">
+            <a:schemeClr val="dk1"/>
+          </a:fontRef>
+        </p:style>
+        <p:txBody>
+          <a:bodyPr rtlCol="0" anchor="t"/>
+          <a:lstStyle/>
+          <a:p>
+            <a:pPr algn="ctr"/>
+            <a:r>
+              <a:rPr lang="en-US" altLang="ko-KR" sz="1400"/>
+              <a:t>DHCP B </a:t>
+            </a:r>
+          </a:p>
+          <a:p>
+            <a:pPr algn="ctr"/>
+            <a:r>
+              <a:rPr lang="en-US" altLang="ko-KR" sz="1400"/>
+              <a:t>Net Namespace</a:t>
+            </a:r>
+            <a:endParaRPr lang="ko-KR" altLang="en-US" sz="1400"/>
+          </a:p>
+        </p:txBody>
+      </p:sp>
+      <p:cxnSp>
+        <p:nvCxnSpPr>
+          <p:cNvPr id="105" name="직선 연결선 104">
+            <a:extLst>
+              <a:ext uri="{FF2B5EF4-FFF2-40B4-BE49-F238E27FC236}">
+                <a16:creationId xmlns:a16="http://schemas.microsoft.com/office/drawing/2014/main" id="{EB649BA5-0EDD-4261-89BC-D0A0F4EC4D80}"/>
+              </a:ext>
+            </a:extLst>
+          </p:cNvPr>
+          <p:cNvCxnSpPr>
+            <a:cxnSpLocks/>
+            <a:stCxn id="53" idx="2"/>
+            <a:endCxn id="42" idx="0"/>
+          </p:cNvCxnSpPr>
+          <p:nvPr/>
+        </p:nvCxnSpPr>
+        <p:spPr>
+          <a:xfrm flipH="1">
+            <a:off x="5981030" y="3243214"/>
+            <a:ext cx="612068" cy="201690"/>
+          </a:xfrm>
+          <a:prstGeom prst="line">
+            <a:avLst/>
+          </a:prstGeom>
+          <a:ln w="28575">
+            <a:solidFill>
+              <a:schemeClr val="tx1"/>
+            </a:solidFill>
+          </a:ln>
+        </p:spPr>
+        <p:style>
+          <a:lnRef idx="1">
+            <a:schemeClr val="accent1"/>
+          </a:lnRef>
+          <a:fillRef idx="0">
+            <a:schemeClr val="accent1"/>
+          </a:fillRef>
+          <a:effectRef idx="0">
+            <a:schemeClr val="accent1"/>
+          </a:effectRef>
+          <a:fontRef idx="minor">
+            <a:schemeClr val="tx1"/>
+          </a:fontRef>
+        </p:style>
+      </p:cxnSp>
+      <p:sp>
+        <p:nvSpPr>
+          <p:cNvPr id="110" name="모서리가 둥근 직사각형 16">
+            <a:extLst>
+              <a:ext uri="{FF2B5EF4-FFF2-40B4-BE49-F238E27FC236}">
+                <a16:creationId xmlns:a16="http://schemas.microsoft.com/office/drawing/2014/main" id="{8B11636E-1588-42CE-8F64-C612FA3BA3F8}"/>
+              </a:ext>
+            </a:extLst>
+          </p:cNvPr>
+          <p:cNvSpPr/>
+          <p:nvPr/>
+        </p:nvSpPr>
+        <p:spPr>
+          <a:xfrm>
+            <a:off x="3995936" y="2353548"/>
+            <a:ext cx="648072" cy="290684"/>
+          </a:xfrm>
+          <a:prstGeom prst="roundRect">
+            <a:avLst>
+              <a:gd name="adj" fmla="val 3400"/>
+            </a:avLst>
+          </a:prstGeom>
+          <a:solidFill>
+            <a:schemeClr val="tx2">
+              <a:lumMod val="40000"/>
+              <a:lumOff val="60000"/>
+            </a:schemeClr>
+          </a:solidFill>
+        </p:spPr>
+        <p:style>
+          <a:lnRef idx="2">
+            <a:schemeClr val="dk1"/>
+          </a:lnRef>
+          <a:fillRef idx="1">
+            <a:schemeClr val="lt1"/>
+          </a:fillRef>
+          <a:effectRef idx="0">
+            <a:schemeClr val="dk1"/>
+          </a:effectRef>
+          <a:fontRef idx="minor">
+            <a:schemeClr val="dk1"/>
+          </a:fontRef>
+        </p:style>
+        <p:txBody>
+          <a:bodyPr rtlCol="0" anchor="t"/>
+          <a:lstStyle/>
+          <a:p>
+            <a:pPr algn="ctr"/>
+            <a:r>
+              <a:rPr lang="en-US" altLang="ko-KR" sz="1400"/>
+              <a:t>ns-01</a:t>
+            </a:r>
+            <a:endParaRPr lang="ko-KR" altLang="en-US" sz="1400" dirty="0"/>
+          </a:p>
+        </p:txBody>
+      </p:sp>
+      <p:cxnSp>
+        <p:nvCxnSpPr>
+          <p:cNvPr id="111" name="직선 연결선 110">
+            <a:extLst>
+              <a:ext uri="{FF2B5EF4-FFF2-40B4-BE49-F238E27FC236}">
+                <a16:creationId xmlns:a16="http://schemas.microsoft.com/office/drawing/2014/main" id="{B16CAD1D-77F5-441A-8CA5-76FD570DB159}"/>
+              </a:ext>
+            </a:extLst>
+          </p:cNvPr>
+          <p:cNvCxnSpPr>
+            <a:cxnSpLocks/>
+            <a:stCxn id="110" idx="2"/>
+            <a:endCxn id="45" idx="0"/>
+          </p:cNvCxnSpPr>
+          <p:nvPr/>
+        </p:nvCxnSpPr>
+        <p:spPr>
+          <a:xfrm>
+            <a:off x="4319972" y="2644232"/>
+            <a:ext cx="0" cy="308298"/>
+          </a:xfrm>
+          <a:prstGeom prst="line">
+            <a:avLst/>
+          </a:prstGeom>
+          <a:ln w="28575">
+            <a:solidFill>
+              <a:schemeClr val="tx1"/>
+            </a:solidFill>
+          </a:ln>
+        </p:spPr>
+        <p:style>
+          <a:lnRef idx="1">
+            <a:schemeClr val="accent1"/>
+          </a:lnRef>
+          <a:fillRef idx="0">
+            <a:schemeClr val="accent1"/>
+          </a:fillRef>
+          <a:effectRef idx="0">
+            <a:schemeClr val="accent1"/>
+          </a:effectRef>
+          <a:fontRef idx="minor">
+            <a:schemeClr val="tx1"/>
+          </a:fontRef>
+        </p:style>
+      </p:cxnSp>
+      <p:sp>
+        <p:nvSpPr>
+          <p:cNvPr id="116" name="모서리가 둥근 직사각형 16">
+            <a:extLst>
+              <a:ext uri="{FF2B5EF4-FFF2-40B4-BE49-F238E27FC236}">
+                <a16:creationId xmlns:a16="http://schemas.microsoft.com/office/drawing/2014/main" id="{0E961805-3A75-4C1B-9626-643A8102B744}"/>
+              </a:ext>
+            </a:extLst>
+          </p:cNvPr>
+          <p:cNvSpPr/>
+          <p:nvPr/>
+        </p:nvSpPr>
+        <p:spPr>
+          <a:xfrm>
+            <a:off x="6269062" y="2353548"/>
+            <a:ext cx="648072" cy="290684"/>
+          </a:xfrm>
+          <a:prstGeom prst="roundRect">
+            <a:avLst>
+              <a:gd name="adj" fmla="val 3400"/>
+            </a:avLst>
+          </a:prstGeom>
+          <a:solidFill>
+            <a:schemeClr val="tx2">
+              <a:lumMod val="40000"/>
+              <a:lumOff val="60000"/>
+            </a:schemeClr>
+          </a:solidFill>
+        </p:spPr>
+        <p:style>
+          <a:lnRef idx="2">
+            <a:schemeClr val="dk1"/>
+          </a:lnRef>
+          <a:fillRef idx="1">
+            <a:schemeClr val="lt1"/>
+          </a:fillRef>
+          <a:effectRef idx="0">
+            <a:schemeClr val="dk1"/>
+          </a:effectRef>
+          <a:fontRef idx="minor">
+            <a:schemeClr val="dk1"/>
+          </a:fontRef>
+        </p:style>
+        <p:txBody>
+          <a:bodyPr rtlCol="0" anchor="t"/>
+          <a:lstStyle/>
+          <a:p>
+            <a:pPr algn="ctr"/>
+            <a:r>
+              <a:rPr lang="en-US" altLang="ko-KR" sz="1400"/>
+              <a:t>ns-02</a:t>
+            </a:r>
+            <a:endParaRPr lang="ko-KR" altLang="en-US" sz="1400" dirty="0"/>
+          </a:p>
+        </p:txBody>
+      </p:sp>
+      <p:cxnSp>
+        <p:nvCxnSpPr>
+          <p:cNvPr id="117" name="직선 연결선 116">
+            <a:extLst>
+              <a:ext uri="{FF2B5EF4-FFF2-40B4-BE49-F238E27FC236}">
+                <a16:creationId xmlns:a16="http://schemas.microsoft.com/office/drawing/2014/main" id="{E176BCE7-0420-47CF-A1FA-9CE3F8B1BE35}"/>
+              </a:ext>
+            </a:extLst>
+          </p:cNvPr>
+          <p:cNvCxnSpPr>
+            <a:cxnSpLocks/>
+            <a:stCxn id="116" idx="2"/>
+            <a:endCxn id="53" idx="0"/>
+          </p:cNvCxnSpPr>
+          <p:nvPr/>
+        </p:nvCxnSpPr>
+        <p:spPr>
+          <a:xfrm>
+            <a:off x="6593098" y="2644232"/>
+            <a:ext cx="0" cy="308298"/>
+          </a:xfrm>
+          <a:prstGeom prst="line">
+            <a:avLst/>
+          </a:prstGeom>
+          <a:ln w="28575">
+            <a:solidFill>
+              <a:schemeClr val="tx1"/>
+            </a:solidFill>
+          </a:ln>
+        </p:spPr>
+        <p:style>
+          <a:lnRef idx="1">
+            <a:schemeClr val="accent1"/>
+          </a:lnRef>
+          <a:fillRef idx="0">
+            <a:schemeClr val="accent1"/>
+          </a:fillRef>
+          <a:effectRef idx="0">
+            <a:schemeClr val="accent1"/>
+          </a:effectRef>
+          <a:fontRef idx="minor">
+            <a:schemeClr val="tx1"/>
+          </a:fontRef>
+        </p:style>
+      </p:cxnSp>
+      <p:sp>
+        <p:nvSpPr>
+          <p:cNvPr id="120" name="타원 119">
+            <a:extLst>
+              <a:ext uri="{FF2B5EF4-FFF2-40B4-BE49-F238E27FC236}">
+                <a16:creationId xmlns:a16="http://schemas.microsoft.com/office/drawing/2014/main" id="{228255D0-F2FB-4349-9417-F28B4EB7A90C}"/>
+              </a:ext>
+            </a:extLst>
+          </p:cNvPr>
+          <p:cNvSpPr/>
+          <p:nvPr/>
+        </p:nvSpPr>
+        <p:spPr>
+          <a:xfrm>
+            <a:off x="3635896" y="1851670"/>
+            <a:ext cx="1368152" cy="290684"/>
+          </a:xfrm>
+          <a:prstGeom prst="ellipse">
+            <a:avLst/>
+          </a:prstGeom>
+        </p:spPr>
+        <p:style>
+          <a:lnRef idx="2">
+            <a:schemeClr val="dk1"/>
+          </a:lnRef>
+          <a:fillRef idx="1">
+            <a:schemeClr val="lt1"/>
+          </a:fillRef>
+          <a:effectRef idx="0">
+            <a:schemeClr val="dk1"/>
+          </a:effectRef>
+          <a:fontRef idx="minor">
+            <a:schemeClr val="dk1"/>
+          </a:fontRef>
+        </p:style>
+        <p:txBody>
+          <a:bodyPr rtlCol="0" anchor="ctr"/>
+          <a:lstStyle/>
+          <a:p>
+            <a:pPr algn="ctr"/>
+            <a:r>
+              <a:rPr lang="en-US" altLang="ko-KR" sz="1400"/>
+              <a:t>dnsmasq</a:t>
+            </a:r>
+            <a:endParaRPr lang="ko-KR" altLang="en-US" sz="1400"/>
+          </a:p>
+        </p:txBody>
+      </p:sp>
+      <p:sp>
+        <p:nvSpPr>
+          <p:cNvPr id="121" name="타원 120">
+            <a:extLst>
+              <a:ext uri="{FF2B5EF4-FFF2-40B4-BE49-F238E27FC236}">
+                <a16:creationId xmlns:a16="http://schemas.microsoft.com/office/drawing/2014/main" id="{342C2B3C-FCA7-406B-A592-5DEC403F5985}"/>
+              </a:ext>
+            </a:extLst>
+          </p:cNvPr>
+          <p:cNvSpPr/>
+          <p:nvPr/>
+        </p:nvSpPr>
+        <p:spPr>
+          <a:xfrm>
+            <a:off x="5909022" y="1851670"/>
+            <a:ext cx="1368152" cy="290684"/>
+          </a:xfrm>
+          <a:prstGeom prst="ellipse">
+            <a:avLst/>
+          </a:prstGeom>
+        </p:spPr>
+        <p:style>
+          <a:lnRef idx="2">
+            <a:schemeClr val="dk1"/>
+          </a:lnRef>
+          <a:fillRef idx="1">
+            <a:schemeClr val="lt1"/>
+          </a:fillRef>
+          <a:effectRef idx="0">
+            <a:schemeClr val="dk1"/>
+          </a:effectRef>
+          <a:fontRef idx="minor">
+            <a:schemeClr val="dk1"/>
+          </a:fontRef>
+        </p:style>
+        <p:txBody>
+          <a:bodyPr rtlCol="0" anchor="ctr"/>
+          <a:lstStyle/>
+          <a:p>
+            <a:pPr algn="ctr"/>
+            <a:r>
+              <a:rPr lang="en-US" altLang="ko-KR" sz="1400"/>
+              <a:t>dnsmasq</a:t>
+            </a:r>
+            <a:endParaRPr lang="ko-KR" altLang="en-US" sz="1400"/>
+          </a:p>
+        </p:txBody>
+      </p:sp>
+      <p:cxnSp>
+        <p:nvCxnSpPr>
+          <p:cNvPr id="122" name="직선 연결선 121">
+            <a:extLst>
+              <a:ext uri="{FF2B5EF4-FFF2-40B4-BE49-F238E27FC236}">
+                <a16:creationId xmlns:a16="http://schemas.microsoft.com/office/drawing/2014/main" id="{E2B8C93E-EE50-427D-8BC2-2A439841B224}"/>
+              </a:ext>
+            </a:extLst>
+          </p:cNvPr>
+          <p:cNvCxnSpPr>
+            <a:cxnSpLocks/>
+            <a:stCxn id="64" idx="2"/>
+            <a:endCxn id="68" idx="1"/>
+          </p:cNvCxnSpPr>
+          <p:nvPr/>
+        </p:nvCxnSpPr>
+        <p:spPr>
+          <a:xfrm>
+            <a:off x="1074738" y="2381902"/>
+            <a:ext cx="688950" cy="233977"/>
+          </a:xfrm>
+          <a:prstGeom prst="line">
+            <a:avLst/>
+          </a:prstGeom>
+          <a:ln w="28575">
+            <a:solidFill>
+              <a:schemeClr val="tx1"/>
+            </a:solidFill>
+            <a:headEnd type="arrow" w="med" len="med"/>
+            <a:tailEnd type="arrow" w="med" len="med"/>
+          </a:ln>
+        </p:spPr>
+        <p:style>
+          <a:lnRef idx="1">
+            <a:schemeClr val="accent1"/>
+          </a:lnRef>
+          <a:fillRef idx="0">
+            <a:schemeClr val="accent1"/>
+          </a:fillRef>
+          <a:effectRef idx="0">
+            <a:schemeClr val="accent1"/>
+          </a:effectRef>
+          <a:fontRef idx="minor">
+            <a:schemeClr val="tx1"/>
+          </a:fontRef>
+        </p:style>
+      </p:cxnSp>
+      <p:cxnSp>
+        <p:nvCxnSpPr>
+          <p:cNvPr id="125" name="직선 연결선 124">
+            <a:extLst>
+              <a:ext uri="{FF2B5EF4-FFF2-40B4-BE49-F238E27FC236}">
+                <a16:creationId xmlns:a16="http://schemas.microsoft.com/office/drawing/2014/main" id="{79ECA6FC-1378-4E3E-B7C4-D7CB6844D942}"/>
+              </a:ext>
+            </a:extLst>
+          </p:cNvPr>
+          <p:cNvCxnSpPr>
+            <a:cxnSpLocks/>
+            <a:stCxn id="64" idx="0"/>
+            <a:endCxn id="67" idx="1"/>
+          </p:cNvCxnSpPr>
+          <p:nvPr/>
+        </p:nvCxnSpPr>
+        <p:spPr>
+          <a:xfrm flipV="1">
+            <a:off x="1074738" y="1852996"/>
+            <a:ext cx="688950" cy="238222"/>
+          </a:xfrm>
+          <a:prstGeom prst="line">
+            <a:avLst/>
+          </a:prstGeom>
+          <a:ln w="28575">
+            <a:solidFill>
+              <a:schemeClr val="tx1"/>
+            </a:solidFill>
+            <a:headEnd type="arrow" w="med" len="med"/>
+            <a:tailEnd type="arrow" w="med" len="med"/>
+          </a:ln>
+        </p:spPr>
+        <p:style>
+          <a:lnRef idx="1">
+            <a:schemeClr val="accent1"/>
+          </a:lnRef>
+          <a:fillRef idx="0">
+            <a:schemeClr val="accent1"/>
+          </a:fillRef>
+          <a:effectRef idx="0">
+            <a:schemeClr val="accent1"/>
+          </a:effectRef>
+          <a:fontRef idx="minor">
+            <a:schemeClr val="tx1"/>
+          </a:fontRef>
+        </p:style>
+      </p:cxnSp>
+      <p:cxnSp>
+        <p:nvCxnSpPr>
+          <p:cNvPr id="128" name="직선 연결선 127">
+            <a:extLst>
+              <a:ext uri="{FF2B5EF4-FFF2-40B4-BE49-F238E27FC236}">
+                <a16:creationId xmlns:a16="http://schemas.microsoft.com/office/drawing/2014/main" id="{20A671A6-7223-4385-BFC3-1D6E7C2F36D2}"/>
+              </a:ext>
+            </a:extLst>
+          </p:cNvPr>
+          <p:cNvCxnSpPr>
+            <a:cxnSpLocks/>
+            <a:stCxn id="110" idx="0"/>
+            <a:endCxn id="120" idx="4"/>
+          </p:cNvCxnSpPr>
+          <p:nvPr/>
+        </p:nvCxnSpPr>
+        <p:spPr>
+          <a:xfrm flipV="1">
+            <a:off x="4319972" y="2142354"/>
+            <a:ext cx="0" cy="211194"/>
+          </a:xfrm>
+          <a:prstGeom prst="line">
+            <a:avLst/>
+          </a:prstGeom>
+          <a:ln w="28575">
+            <a:solidFill>
+              <a:schemeClr val="tx1"/>
+            </a:solidFill>
+            <a:headEnd type="arrow" w="med" len="med"/>
+            <a:tailEnd type="none" w="med" len="med"/>
+          </a:ln>
+        </p:spPr>
+        <p:style>
+          <a:lnRef idx="1">
+            <a:schemeClr val="accent1"/>
+          </a:lnRef>
+          <a:fillRef idx="0">
+            <a:schemeClr val="accent1"/>
+          </a:fillRef>
+          <a:effectRef idx="0">
+            <a:schemeClr val="accent1"/>
+          </a:effectRef>
+          <a:fontRef idx="minor">
+            <a:schemeClr val="tx1"/>
+          </a:fontRef>
+        </p:style>
+      </p:cxnSp>
+      <p:cxnSp>
+        <p:nvCxnSpPr>
+          <p:cNvPr id="131" name="직선 연결선 130">
+            <a:extLst>
+              <a:ext uri="{FF2B5EF4-FFF2-40B4-BE49-F238E27FC236}">
+                <a16:creationId xmlns:a16="http://schemas.microsoft.com/office/drawing/2014/main" id="{9B8DC52F-8CF7-4FFE-9EC2-1C67EB44E279}"/>
+              </a:ext>
+            </a:extLst>
+          </p:cNvPr>
+          <p:cNvCxnSpPr>
+            <a:cxnSpLocks/>
+            <a:stCxn id="116" idx="0"/>
+            <a:endCxn id="121" idx="4"/>
+          </p:cNvCxnSpPr>
+          <p:nvPr/>
+        </p:nvCxnSpPr>
+        <p:spPr>
+          <a:xfrm flipV="1">
+            <a:off x="6593098" y="2142354"/>
+            <a:ext cx="0" cy="211194"/>
+          </a:xfrm>
+          <a:prstGeom prst="line">
+            <a:avLst/>
+          </a:prstGeom>
+          <a:ln w="28575">
+            <a:solidFill>
+              <a:schemeClr val="tx1"/>
+            </a:solidFill>
+            <a:headEnd type="arrow" w="med" len="med"/>
+            <a:tailEnd type="none" w="med" len="med"/>
+          </a:ln>
+        </p:spPr>
+        <p:style>
+          <a:lnRef idx="1">
+            <a:schemeClr val="accent1"/>
+          </a:lnRef>
+          <a:fillRef idx="0">
+            <a:schemeClr val="accent1"/>
+          </a:fillRef>
+          <a:effectRef idx="0">
+            <a:schemeClr val="accent1"/>
+          </a:effectRef>
+          <a:fontRef idx="minor">
+            <a:schemeClr val="tx1"/>
+          </a:fontRef>
+        </p:style>
+      </p:cxnSp>
+      <p:sp>
+        <p:nvSpPr>
+          <p:cNvPr id="136" name="모서리가 둥근 직사각형 50">
+            <a:extLst>
+              <a:ext uri="{FF2B5EF4-FFF2-40B4-BE49-F238E27FC236}">
+                <a16:creationId xmlns:a16="http://schemas.microsoft.com/office/drawing/2014/main" id="{F99EDE86-03FE-456F-BC24-F8B57B069F73}"/>
+              </a:ext>
+            </a:extLst>
+          </p:cNvPr>
+          <p:cNvSpPr/>
+          <p:nvPr/>
+        </p:nvSpPr>
+        <p:spPr>
+          <a:xfrm>
+            <a:off x="7674265" y="3203705"/>
+            <a:ext cx="537624" cy="232141"/>
+          </a:xfrm>
+          <a:prstGeom prst="roundRect">
+            <a:avLst>
+              <a:gd name="adj" fmla="val 3400"/>
+            </a:avLst>
+          </a:prstGeom>
+          <a:solidFill>
+            <a:schemeClr val="accent3">
+              <a:lumMod val="40000"/>
+              <a:lumOff val="60000"/>
+            </a:schemeClr>
+          </a:solidFill>
+        </p:spPr>
+        <p:style>
+          <a:lnRef idx="2">
+            <a:schemeClr val="dk1"/>
+          </a:lnRef>
+          <a:fillRef idx="1">
+            <a:schemeClr val="lt1"/>
+          </a:fillRef>
+          <a:effectRef idx="0">
+            <a:schemeClr val="dk1"/>
+          </a:effectRef>
+          <a:fontRef idx="minor">
+            <a:schemeClr val="dk1"/>
+          </a:fontRef>
+        </p:style>
+        <p:txBody>
+          <a:bodyPr rtlCol="0" anchor="t"/>
+          <a:lstStyle/>
+          <a:p>
+            <a:pPr algn="ctr"/>
+            <a:endParaRPr lang="ko-KR" altLang="en-US" sz="1400" dirty="0"/>
+          </a:p>
+        </p:txBody>
+      </p:sp>
+      <p:sp>
+        <p:nvSpPr>
+          <p:cNvPr id="137" name="모서리가 둥근 직사각형 50">
+            <a:extLst>
+              <a:ext uri="{FF2B5EF4-FFF2-40B4-BE49-F238E27FC236}">
+                <a16:creationId xmlns:a16="http://schemas.microsoft.com/office/drawing/2014/main" id="{A2D73F33-F965-402F-BD63-21376DA88F70}"/>
+              </a:ext>
+            </a:extLst>
+          </p:cNvPr>
+          <p:cNvSpPr/>
+          <p:nvPr/>
+        </p:nvSpPr>
+        <p:spPr>
+          <a:xfrm>
+            <a:off x="7674710" y="2779715"/>
+            <a:ext cx="537624" cy="232141"/>
+          </a:xfrm>
+          <a:prstGeom prst="roundRect">
+            <a:avLst>
+              <a:gd name="adj" fmla="val 3400"/>
+            </a:avLst>
+          </a:prstGeom>
+          <a:solidFill>
+            <a:schemeClr val="accent2">
+              <a:lumMod val="40000"/>
+              <a:lumOff val="60000"/>
+            </a:schemeClr>
+          </a:solidFill>
+        </p:spPr>
+        <p:style>
+          <a:lnRef idx="2">
+            <a:schemeClr val="dk1"/>
+          </a:lnRef>
+          <a:fillRef idx="1">
+            <a:schemeClr val="lt1"/>
+          </a:fillRef>
+          <a:effectRef idx="0">
+            <a:schemeClr val="dk1"/>
+          </a:effectRef>
+          <a:fontRef idx="minor">
+            <a:schemeClr val="dk1"/>
+          </a:fontRef>
+        </p:style>
+        <p:txBody>
+          <a:bodyPr rtlCol="0" anchor="t"/>
+          <a:lstStyle/>
+          <a:p>
+            <a:pPr algn="ctr"/>
+            <a:endParaRPr lang="ko-KR" altLang="en-US" sz="1400" dirty="0"/>
+          </a:p>
+        </p:txBody>
+      </p:sp>
+      <p:sp>
+        <p:nvSpPr>
+          <p:cNvPr id="138" name="모서리가 둥근 직사각형 50">
+            <a:extLst>
+              <a:ext uri="{FF2B5EF4-FFF2-40B4-BE49-F238E27FC236}">
+                <a16:creationId xmlns:a16="http://schemas.microsoft.com/office/drawing/2014/main" id="{256F5DBE-5E5B-4727-929E-5516E0FA9B2A}"/>
+              </a:ext>
+            </a:extLst>
+          </p:cNvPr>
+          <p:cNvSpPr/>
+          <p:nvPr/>
+        </p:nvSpPr>
+        <p:spPr>
+          <a:xfrm>
+            <a:off x="7674265" y="2355726"/>
+            <a:ext cx="537624" cy="232141"/>
+          </a:xfrm>
+          <a:prstGeom prst="roundRect">
+            <a:avLst>
+              <a:gd name="adj" fmla="val 3400"/>
+            </a:avLst>
+          </a:prstGeom>
+          <a:solidFill>
+            <a:schemeClr val="tx2">
+              <a:lumMod val="40000"/>
+              <a:lumOff val="60000"/>
+            </a:schemeClr>
+          </a:solidFill>
+        </p:spPr>
+        <p:style>
+          <a:lnRef idx="2">
+            <a:schemeClr val="dk1"/>
+          </a:lnRef>
+          <a:fillRef idx="1">
+            <a:schemeClr val="lt1"/>
+          </a:fillRef>
+          <a:effectRef idx="0">
+            <a:schemeClr val="dk1"/>
+          </a:effectRef>
+          <a:fontRef idx="minor">
+            <a:schemeClr val="dk1"/>
+          </a:fontRef>
+        </p:style>
+        <p:txBody>
+          <a:bodyPr rtlCol="0" anchor="t"/>
+          <a:lstStyle/>
+          <a:p>
+            <a:pPr algn="ctr"/>
+            <a:endParaRPr lang="ko-KR" altLang="en-US" sz="1400" dirty="0"/>
+          </a:p>
+        </p:txBody>
+      </p:sp>
+      <p:sp>
+        <p:nvSpPr>
+          <p:cNvPr id="142" name="모서리가 둥근 직사각형 16">
+            <a:extLst>
+              <a:ext uri="{FF2B5EF4-FFF2-40B4-BE49-F238E27FC236}">
+                <a16:creationId xmlns:a16="http://schemas.microsoft.com/office/drawing/2014/main" id="{6D226070-AF6D-40F0-8ABF-40308A1C555C}"/>
+              </a:ext>
+            </a:extLst>
+          </p:cNvPr>
+          <p:cNvSpPr/>
+          <p:nvPr/>
+        </p:nvSpPr>
+        <p:spPr>
+          <a:xfrm>
+            <a:off x="8200150" y="2296491"/>
+            <a:ext cx="828092" cy="290684"/>
+          </a:xfrm>
+          <a:prstGeom prst="roundRect">
+            <a:avLst>
+              <a:gd name="adj" fmla="val 3400"/>
+            </a:avLst>
+          </a:prstGeom>
+          <a:noFill/>
+          <a:ln>
+            <a:noFill/>
+          </a:ln>
+        </p:spPr>
+        <p:style>
+          <a:lnRef idx="2">
+            <a:schemeClr val="dk1"/>
+          </a:lnRef>
+          <a:fillRef idx="1">
+            <a:schemeClr val="lt1"/>
+          </a:fillRef>
+          <a:effectRef idx="0">
+            <a:schemeClr val="dk1"/>
+          </a:effectRef>
+          <a:fontRef idx="minor">
+            <a:schemeClr val="dk1"/>
+          </a:fontRef>
+        </p:style>
+        <p:txBody>
+          <a:bodyPr rtlCol="0" anchor="t"/>
+          <a:lstStyle/>
+          <a:p>
+            <a:r>
+              <a:rPr lang="en-US" altLang="ko-KR" sz="1400"/>
+              <a:t>VETH</a:t>
+            </a:r>
+            <a:endParaRPr lang="ko-KR" altLang="en-US" sz="1400" dirty="0"/>
+          </a:p>
+        </p:txBody>
+      </p:sp>
+      <p:sp>
+        <p:nvSpPr>
+          <p:cNvPr id="143" name="모서리가 둥근 직사각형 16">
+            <a:extLst>
+              <a:ext uri="{FF2B5EF4-FFF2-40B4-BE49-F238E27FC236}">
+                <a16:creationId xmlns:a16="http://schemas.microsoft.com/office/drawing/2014/main" id="{21FD406A-6F43-4EF0-94C2-6B22D34EB38B}"/>
+              </a:ext>
+            </a:extLst>
+          </p:cNvPr>
+          <p:cNvSpPr/>
+          <p:nvPr/>
+        </p:nvSpPr>
+        <p:spPr>
+          <a:xfrm>
+            <a:off x="8200150" y="2720319"/>
+            <a:ext cx="828092" cy="290684"/>
+          </a:xfrm>
+          <a:prstGeom prst="roundRect">
+            <a:avLst>
+              <a:gd name="adj" fmla="val 3400"/>
+            </a:avLst>
+          </a:prstGeom>
+          <a:noFill/>
+          <a:ln>
+            <a:noFill/>
+          </a:ln>
+        </p:spPr>
+        <p:style>
+          <a:lnRef idx="2">
+            <a:schemeClr val="dk1"/>
+          </a:lnRef>
+          <a:fillRef idx="1">
+            <a:schemeClr val="lt1"/>
+          </a:fillRef>
+          <a:effectRef idx="0">
+            <a:schemeClr val="dk1"/>
+          </a:effectRef>
+          <a:fontRef idx="minor">
+            <a:schemeClr val="dk1"/>
+          </a:fontRef>
+        </p:style>
+        <p:txBody>
+          <a:bodyPr rtlCol="0" anchor="t"/>
+          <a:lstStyle/>
+          <a:p>
+            <a:r>
+              <a:rPr lang="en-US" altLang="ko-KR" sz="1400"/>
+              <a:t>Bridge</a:t>
+            </a:r>
+            <a:endParaRPr lang="ko-KR" altLang="en-US" sz="1400" dirty="0"/>
+          </a:p>
+        </p:txBody>
+      </p:sp>
+      <p:sp>
+        <p:nvSpPr>
+          <p:cNvPr id="144" name="모서리가 둥근 직사각형 16">
+            <a:extLst>
+              <a:ext uri="{FF2B5EF4-FFF2-40B4-BE49-F238E27FC236}">
+                <a16:creationId xmlns:a16="http://schemas.microsoft.com/office/drawing/2014/main" id="{AF84A8B5-6CD3-43DE-9881-8AFE58BBEFA7}"/>
+              </a:ext>
+            </a:extLst>
+          </p:cNvPr>
+          <p:cNvSpPr/>
+          <p:nvPr/>
+        </p:nvSpPr>
+        <p:spPr>
+          <a:xfrm>
+            <a:off x="8200150" y="3154220"/>
+            <a:ext cx="828092" cy="290684"/>
+          </a:xfrm>
+          <a:prstGeom prst="roundRect">
+            <a:avLst>
+              <a:gd name="adj" fmla="val 3400"/>
+            </a:avLst>
+          </a:prstGeom>
+          <a:noFill/>
+          <a:ln>
+            <a:noFill/>
+          </a:ln>
+        </p:spPr>
+        <p:style>
+          <a:lnRef idx="2">
+            <a:schemeClr val="dk1"/>
+          </a:lnRef>
+          <a:fillRef idx="1">
+            <a:schemeClr val="lt1"/>
+          </a:fillRef>
+          <a:effectRef idx="0">
+            <a:schemeClr val="dk1"/>
+          </a:effectRef>
+          <a:fontRef idx="minor">
+            <a:schemeClr val="dk1"/>
+          </a:fontRef>
+        </p:style>
+        <p:txBody>
+          <a:bodyPr rtlCol="0" anchor="t"/>
+          <a:lstStyle/>
+          <a:p>
+            <a:r>
+              <a:rPr lang="en-US" altLang="ko-KR" sz="1400"/>
+              <a:t>VXLAN</a:t>
+            </a:r>
+            <a:endParaRPr lang="ko-KR" altLang="en-US" sz="1400" dirty="0"/>
+          </a:p>
+        </p:txBody>
+      </p:sp>
+    </p:spTree>
+    <p:extLst>
+      <p:ext uri="{BB962C8B-B14F-4D97-AF65-F5344CB8AC3E}">
+        <p14:creationId xmlns:p14="http://schemas.microsoft.com/office/powerpoint/2010/main" val="371221980"/>
+      </p:ext>
+    </p:extLst>
+  </p:cSld>
+  <p:clrMapOvr>
+    <a:masterClrMapping/>
+  </p:clrMapOvr>
+</p:sld>
+</file>
+
+<file path=ppt/slides/slide5.xml><?xml version="1.0" encoding="utf-8"?>
+<p:sld xmlns:a="http://schemas.openxmlformats.org/drawingml/2006/main" xmlns:r="http://schemas.openxmlformats.org/officeDocument/2006/relationships" xmlns:p="http://schemas.openxmlformats.org/presentationml/2006/main">
+  <p:cSld>
+    <p:spTree>
+      <p:nvGrpSpPr>
+        <p:cNvPr id="1" name=""/>
+        <p:cNvGrpSpPr/>
+        <p:nvPr/>
+      </p:nvGrpSpPr>
+      <p:grpSpPr>
+        <a:xfrm>
+          <a:off x="0" y="0"/>
+          <a:ext cx="0" cy="0"/>
+          <a:chOff x="0" y="0"/>
+          <a:chExt cx="0" cy="0"/>
+        </a:xfrm>
+      </p:grpSpPr>
+      <p:sp>
+        <p:nvSpPr>
+          <p:cNvPr id="2" name="제목 1">
+            <a:extLst>
+              <a:ext uri="{FF2B5EF4-FFF2-40B4-BE49-F238E27FC236}">
+                <a16:creationId xmlns:a16="http://schemas.microsoft.com/office/drawing/2014/main" id="{FF60FED1-0275-4400-BDCA-16678BBDB7E6}"/>
+              </a:ext>
+            </a:extLst>
+          </p:cNvPr>
+          <p:cNvSpPr>
+            <a:spLocks noGrp="1"/>
+          </p:cNvSpPr>
+          <p:nvPr>
+            <p:ph type="title"/>
+          </p:nvPr>
+        </p:nvSpPr>
+        <p:spPr/>
+        <p:txBody>
+          <a:bodyPr/>
+          <a:lstStyle/>
+          <a:p>
+            <a:endParaRPr lang="ko-KR" altLang="en-US"/>
+          </a:p>
+        </p:txBody>
+      </p:sp>
+      <p:sp>
+        <p:nvSpPr>
+          <p:cNvPr id="3" name="내용 개체 틀 2">
+            <a:extLst>
+              <a:ext uri="{FF2B5EF4-FFF2-40B4-BE49-F238E27FC236}">
+                <a16:creationId xmlns:a16="http://schemas.microsoft.com/office/drawing/2014/main" id="{EF05DF65-83D1-483E-8EBB-8D34BE255F2D}"/>
+              </a:ext>
+            </a:extLst>
+          </p:cNvPr>
+          <p:cNvSpPr>
+            <a:spLocks noGrp="1"/>
+          </p:cNvSpPr>
+          <p:nvPr>
+            <p:ph idx="1"/>
+          </p:nvPr>
+        </p:nvSpPr>
+        <p:spPr/>
+        <p:txBody>
+          <a:bodyPr/>
+          <a:lstStyle/>
+          <a:p>
+            <a:endParaRPr lang="ko-KR" altLang="en-US"/>
+          </a:p>
+        </p:txBody>
+      </p:sp>
+    </p:spTree>
+    <p:extLst>
+      <p:ext uri="{BB962C8B-B14F-4D97-AF65-F5344CB8AC3E}">
+        <p14:creationId xmlns:p14="http://schemas.microsoft.com/office/powerpoint/2010/main" val="2916109617"/>
+      </p:ext>
+    </p:extLst>
+  </p:cSld>
+  <p:clrMapOvr>
+    <a:masterClrMapping/>
+  </p:clrMapOvr>
+</p:sld>
+</file>
+
+<file path=ppt/slides/slide6.xml><?xml version="1.0" encoding="utf-8"?>
+<p:sld xmlns:a="http://schemas.openxmlformats.org/drawingml/2006/main" xmlns:r="http://schemas.openxmlformats.org/officeDocument/2006/relationships" xmlns:p="http://schemas.openxmlformats.org/presentationml/2006/main">
+  <p:cSld>
+    <p:spTree>
+      <p:nvGrpSpPr>
+        <p:cNvPr id="1" name=""/>
+        <p:cNvGrpSpPr/>
+        <p:nvPr/>
+      </p:nvGrpSpPr>
+      <p:grpSpPr>
+        <a:xfrm>
+          <a:off x="0" y="0"/>
+          <a:ext cx="0" cy="0"/>
+          <a:chOff x="0" y="0"/>
+          <a:chExt cx="0" cy="0"/>
+        </a:xfrm>
+      </p:grpSpPr>
+      <p:sp>
+        <p:nvSpPr>
+          <p:cNvPr id="2" name="제목 1"/>
+          <p:cNvSpPr>
+            <a:spLocks noGrp="1"/>
+          </p:cNvSpPr>
+          <p:nvPr>
+            <p:ph type="title"/>
+          </p:nvPr>
+        </p:nvSpPr>
+        <p:spPr>
+          <a:xfrm>
+            <a:off x="457200" y="-20538"/>
+            <a:ext cx="8229600" cy="720080"/>
+          </a:xfrm>
+        </p:spPr>
+        <p:txBody>
+          <a:bodyPr>
+            <a:normAutofit/>
+          </a:bodyPr>
+          <a:lstStyle/>
+          <a:p>
+            <a:r>
+              <a:rPr lang="en-US" altLang="ko-KR" sz="3600" dirty="0"/>
+              <a:t>Host Network</a:t>
+            </a:r>
+            <a:endParaRPr lang="ko-KR" altLang="en-US" sz="3600" dirty="0"/>
+          </a:p>
+        </p:txBody>
+      </p:sp>
+      <p:sp>
+        <p:nvSpPr>
+          <p:cNvPr id="4" name="모서리가 둥근 직사각형 3"/>
+          <p:cNvSpPr/>
+          <p:nvPr/>
+        </p:nvSpPr>
+        <p:spPr>
+          <a:xfrm>
+            <a:off x="1403648" y="1450413"/>
+            <a:ext cx="1616682" cy="2016224"/>
+          </a:xfrm>
+          <a:prstGeom prst="roundRect">
+            <a:avLst>
+              <a:gd name="adj" fmla="val 3400"/>
+            </a:avLst>
+          </a:prstGeom>
+        </p:spPr>
+        <p:style>
+          <a:lnRef idx="2">
+            <a:schemeClr val="dk1"/>
+          </a:lnRef>
+          <a:fillRef idx="1">
+            <a:schemeClr val="lt1"/>
+          </a:fillRef>
+          <a:effectRef idx="0">
+            <a:schemeClr val="dk1"/>
+          </a:effectRef>
+          <a:fontRef idx="minor">
+            <a:schemeClr val="dk1"/>
+          </a:fontRef>
+        </p:style>
+        <p:txBody>
+          <a:bodyPr rtlCol="0" anchor="t"/>
+          <a:lstStyle/>
+          <a:p>
+            <a:pPr algn="ctr"/>
+            <a:r>
+              <a:rPr lang="en-US" altLang="ko-KR" sz="1400" b="1" dirty="0"/>
               <a:t>Network Node</a:t>
             </a:r>
             <a:endParaRPr lang="ko-KR" altLang="en-US" sz="1400" b="1" dirty="0"/>
@@ -5157,11 +10975,11 @@
           <a:p>
             <a:pPr algn="ctr"/>
             <a:r>
-              <a:rPr lang="en-US" altLang="ko-KR" sz="1200" dirty="0" err="1" smtClean="0"/>
+              <a:rPr lang="en-US" altLang="ko-KR" sz="1200" dirty="0" err="1"/>
               <a:t>ML2</a:t>
             </a:r>
             <a:r>
-              <a:rPr lang="en-US" altLang="ko-KR" sz="1200" dirty="0" smtClean="0"/>
+              <a:rPr lang="en-US" altLang="ko-KR" sz="1200" dirty="0"/>
               <a:t> Plugin Agent</a:t>
             </a:r>
             <a:endParaRPr lang="ko-KR" altLang="en-US" sz="1200" dirty="0"/>
@@ -5205,11 +11023,11 @@
           <a:p>
             <a:pPr algn="ctr"/>
             <a:r>
-              <a:rPr lang="en-US" altLang="ko-KR" sz="1200" dirty="0" err="1" smtClean="0"/>
+              <a:rPr lang="en-US" altLang="ko-KR" sz="1200" dirty="0" err="1"/>
               <a:t>L3</a:t>
             </a:r>
             <a:r>
-              <a:rPr lang="en-US" altLang="ko-KR" sz="1200" dirty="0" smtClean="0"/>
+              <a:rPr lang="en-US" altLang="ko-KR" sz="1200" dirty="0"/>
               <a:t> Agent</a:t>
             </a:r>
             <a:endParaRPr lang="ko-KR" altLang="en-US" sz="1200" dirty="0"/>
@@ -5253,11 +11071,11 @@
           <a:p>
             <a:pPr algn="ctr"/>
             <a:r>
-              <a:rPr lang="en-US" altLang="ko-KR" sz="1200" dirty="0" err="1" smtClean="0"/>
+              <a:rPr lang="en-US" altLang="ko-KR" sz="1200" dirty="0" err="1"/>
               <a:t>DHCP</a:t>
             </a:r>
             <a:r>
-              <a:rPr lang="en-US" altLang="ko-KR" sz="1200" dirty="0" smtClean="0"/>
+              <a:rPr lang="en-US" altLang="ko-KR" sz="1200" dirty="0"/>
               <a:t> Agent</a:t>
             </a:r>
             <a:endParaRPr lang="ko-KR" altLang="en-US" sz="1200" dirty="0"/>
@@ -5301,7 +11119,7 @@
           <a:p>
             <a:pPr algn="ctr"/>
             <a:r>
-              <a:rPr lang="en-US" altLang="ko-KR" sz="1200" dirty="0" smtClean="0"/>
+              <a:rPr lang="en-US" altLang="ko-KR" sz="1200" dirty="0"/>
               <a:t>Meta Agent</a:t>
             </a:r>
             <a:endParaRPr lang="ko-KR" altLang="en-US" sz="1200" dirty="0"/>
@@ -5359,7 +11177,7 @@
             <a:p>
               <a:pPr algn="ctr"/>
               <a:r>
-                <a:rPr lang="en-US" altLang="ko-KR" sz="1400" b="1" dirty="0" smtClean="0"/>
+                <a:rPr lang="en-US" altLang="ko-KR" sz="1400" b="1" dirty="0"/>
                 <a:t>Compute Node</a:t>
               </a:r>
               <a:endParaRPr lang="ko-KR" altLang="en-US" sz="1400" b="1" dirty="0"/>
@@ -5403,11 +11221,11 @@
             <a:p>
               <a:pPr algn="ctr"/>
               <a:r>
-                <a:rPr lang="en-US" altLang="ko-KR" sz="1200" dirty="0" err="1" smtClean="0"/>
+                <a:rPr lang="en-US" altLang="ko-KR" sz="1200" dirty="0" err="1"/>
                 <a:t>ML2</a:t>
               </a:r>
               <a:r>
-                <a:rPr lang="en-US" altLang="ko-KR" sz="1200" dirty="0" smtClean="0"/>
+                <a:rPr lang="en-US" altLang="ko-KR" sz="1200" dirty="0"/>
                 <a:t> Plugin</a:t>
               </a:r>
               <a:endParaRPr lang="ko-KR" altLang="en-US" sz="1200" dirty="0"/>
@@ -5507,7 +11325,7 @@
             <a:p>
               <a:pPr algn="ctr"/>
               <a:r>
-                <a:rPr lang="en-US" altLang="ko-KR" sz="1400" b="1" dirty="0" smtClean="0"/>
+                <a:rPr lang="en-US" altLang="ko-KR" sz="1400" b="1" dirty="0"/>
                 <a:t>Compute Node</a:t>
               </a:r>
               <a:endParaRPr lang="ko-KR" altLang="en-US" sz="1400" b="1" dirty="0"/>
@@ -5551,11 +11369,11 @@
             <a:p>
               <a:pPr algn="ctr"/>
               <a:r>
-                <a:rPr lang="en-US" altLang="ko-KR" sz="1200" dirty="0" err="1" smtClean="0"/>
+                <a:rPr lang="en-US" altLang="ko-KR" sz="1200" dirty="0" err="1"/>
                 <a:t>ML2</a:t>
               </a:r>
               <a:r>
-                <a:rPr lang="en-US" altLang="ko-KR" sz="1200" dirty="0" smtClean="0"/>
+                <a:rPr lang="en-US" altLang="ko-KR" sz="1200" dirty="0"/>
                 <a:t> Plugin</a:t>
               </a:r>
               <a:endParaRPr lang="ko-KR" altLang="en-US" sz="1200" dirty="0"/>
@@ -5614,7 +11432,7 @@
             <a:p>
               <a:pPr algn="ctr"/>
               <a:r>
-                <a:rPr lang="en-US" altLang="ko-KR" sz="1400" b="1" dirty="0" smtClean="0"/>
+                <a:rPr lang="en-US" altLang="ko-KR" sz="1400" b="1" dirty="0"/>
                 <a:t>Compute Node</a:t>
               </a:r>
               <a:endParaRPr lang="ko-KR" altLang="en-US" sz="1400" b="1" dirty="0"/>
@@ -5658,11 +11476,11 @@
             <a:p>
               <a:pPr algn="ctr"/>
               <a:r>
-                <a:rPr lang="en-US" altLang="ko-KR" sz="1200" dirty="0" err="1" smtClean="0"/>
+                <a:rPr lang="en-US" altLang="ko-KR" sz="1200" dirty="0" err="1"/>
                 <a:t>ML2</a:t>
               </a:r>
               <a:r>
-                <a:rPr lang="en-US" altLang="ko-KR" sz="1200" dirty="0" smtClean="0"/>
+                <a:rPr lang="en-US" altLang="ko-KR" sz="1200" dirty="0"/>
                 <a:t> Plugin Agent</a:t>
               </a:r>
               <a:endParaRPr lang="ko-KR" altLang="en-US" sz="1200" dirty="0"/>
@@ -5782,7 +11600,7 @@
           <a:p>
             <a:pPr algn="ctr"/>
             <a:r>
-              <a:rPr lang="en-US" altLang="ko-KR" sz="1400" b="1" dirty="0" smtClean="0"/>
+              <a:rPr lang="en-US" altLang="ko-KR" sz="1400" b="1" dirty="0"/>
               <a:t>Internet</a:t>
             </a:r>
             <a:endParaRPr lang="ko-KR" altLang="en-US" sz="1600" b="1" dirty="0"/>
@@ -5863,7 +11681,7 @@
           <a:p>
             <a:pPr algn="ctr"/>
             <a:r>
-              <a:rPr lang="en-US" altLang="ko-KR" sz="1400" b="1" dirty="0" smtClean="0"/>
+              <a:rPr lang="en-US" altLang="ko-KR" sz="1400" b="1" dirty="0"/>
               <a:t>Controller Node</a:t>
             </a:r>
             <a:endParaRPr lang="ko-KR" altLang="en-US" sz="1400" b="1" dirty="0"/>
@@ -5907,7 +11725,7 @@
           <a:p>
             <a:pPr algn="ctr"/>
             <a:r>
-              <a:rPr lang="en-US" altLang="ko-KR" sz="1200" dirty="0" smtClean="0"/>
+              <a:rPr lang="en-US" altLang="ko-KR" sz="1200" dirty="0"/>
               <a:t>Neutron Server</a:t>
             </a:r>
             <a:endParaRPr lang="ko-KR" altLang="en-US" sz="1200" dirty="0"/>
@@ -6222,7 +12040,7 @@
           <a:p>
             <a:pPr algn="ctr"/>
             <a:r>
-              <a:rPr lang="en-US" altLang="ko-KR" sz="1400" b="1" dirty="0" smtClean="0">
+              <a:rPr lang="en-US" altLang="ko-KR" sz="1400" b="1" dirty="0">
                 <a:solidFill>
                   <a:schemeClr val="accent6">
                     <a:lumMod val="75000"/>
@@ -6265,7 +12083,7 @@
           <a:p>
             <a:pPr algn="ctr"/>
             <a:r>
-              <a:rPr lang="en-US" altLang="ko-KR" sz="1400" b="1" dirty="0" smtClean="0">
+              <a:rPr lang="en-US" altLang="ko-KR" sz="1400" b="1" dirty="0">
                 <a:solidFill>
                   <a:schemeClr val="accent3">
                     <a:lumMod val="75000"/>
@@ -6308,7 +12126,7 @@
           <a:p>
             <a:pPr algn="ctr"/>
             <a:r>
-              <a:rPr lang="en-US" altLang="ko-KR" sz="1400" b="1" dirty="0" smtClean="0">
+              <a:rPr lang="en-US" altLang="ko-KR" sz="1400" b="1" dirty="0">
                 <a:solidFill>
                   <a:srgbClr val="C00000"/>
                 </a:solidFill>
@@ -6347,7 +12165,7 @@
           <a:p>
             <a:pPr algn="ctr"/>
             <a:r>
-              <a:rPr lang="en-US" altLang="ko-KR" sz="1400" b="1" dirty="0" smtClean="0">
+              <a:rPr lang="en-US" altLang="ko-KR" sz="1400" b="1" dirty="0">
                 <a:solidFill>
                   <a:schemeClr val="accent1"/>
                 </a:solidFill>
@@ -6366,1421 +12184,6 @@
     <p:extLst>
       <p:ext uri="{BB962C8B-B14F-4D97-AF65-F5344CB8AC3E}">
         <p14:creationId xmlns:p14="http://schemas.microsoft.com/office/powerpoint/2010/main" val="1291811900"/>
-      </p:ext>
-    </p:extLst>
-  </p:cSld>
-  <p:clrMapOvr>
-    <a:masterClrMapping/>
-  </p:clrMapOvr>
-</p:sld>
-</file>
-
-<file path=ppt/slides/slide3.xml><?xml version="1.0" encoding="utf-8"?>
-<p:sld xmlns:a="http://schemas.openxmlformats.org/drawingml/2006/main" xmlns:r="http://schemas.openxmlformats.org/officeDocument/2006/relationships" xmlns:p="http://schemas.openxmlformats.org/presentationml/2006/main">
-  <p:cSld>
-    <p:spTree>
-      <p:nvGrpSpPr>
-        <p:cNvPr id="1" name=""/>
-        <p:cNvGrpSpPr/>
-        <p:nvPr/>
-      </p:nvGrpSpPr>
-      <p:grpSpPr>
-        <a:xfrm>
-          <a:off x="0" y="0"/>
-          <a:ext cx="0" cy="0"/>
-          <a:chOff x="0" y="0"/>
-          <a:chExt cx="0" cy="0"/>
-        </a:xfrm>
-      </p:grpSpPr>
-      <p:sp>
-        <p:nvSpPr>
-          <p:cNvPr id="2" name="제목 1"/>
-          <p:cNvSpPr>
-            <a:spLocks noGrp="1"/>
-          </p:cNvSpPr>
-          <p:nvPr>
-            <p:ph type="title"/>
-          </p:nvPr>
-        </p:nvSpPr>
-        <p:spPr>
-          <a:xfrm>
-            <a:off x="457200" y="-20538"/>
-            <a:ext cx="8229600" cy="720080"/>
-          </a:xfrm>
-        </p:spPr>
-        <p:txBody>
-          <a:bodyPr>
-            <a:normAutofit/>
-          </a:bodyPr>
-          <a:lstStyle/>
-          <a:p>
-            <a:r>
-              <a:rPr lang="en-US" altLang="ko-KR" sz="3600" dirty="0" smtClean="0"/>
-              <a:t>Network Node, </a:t>
-            </a:r>
-            <a:r>
-              <a:rPr lang="en-US" altLang="ko-KR" sz="3600" dirty="0" err="1" smtClean="0"/>
-              <a:t>VXLAN</a:t>
-            </a:r>
-            <a:r>
-              <a:rPr lang="en-US" altLang="ko-KR" sz="3600" dirty="0" smtClean="0"/>
-              <a:t>, No </a:t>
-            </a:r>
-            <a:r>
-              <a:rPr lang="en-US" altLang="ko-KR" sz="3600" dirty="0" err="1" smtClean="0"/>
-              <a:t>OVS</a:t>
-            </a:r>
-            <a:r>
-              <a:rPr lang="en-US" altLang="ko-KR" sz="3600" dirty="0" smtClean="0"/>
-              <a:t> </a:t>
-            </a:r>
-            <a:endParaRPr lang="ko-KR" altLang="en-US" sz="3600" dirty="0"/>
-          </a:p>
-        </p:txBody>
-      </p:sp>
-    </p:spTree>
-    <p:extLst>
-      <p:ext uri="{BB962C8B-B14F-4D97-AF65-F5344CB8AC3E}">
-        <p14:creationId xmlns:p14="http://schemas.microsoft.com/office/powerpoint/2010/main" val="371221980"/>
-      </p:ext>
-    </p:extLst>
-  </p:cSld>
-  <p:clrMapOvr>
-    <a:masterClrMapping/>
-  </p:clrMapOvr>
-</p:sld>
-</file>
-
-<file path=ppt/slides/slide4.xml><?xml version="1.0" encoding="utf-8"?>
-<p:sld xmlns:a="http://schemas.openxmlformats.org/drawingml/2006/main" xmlns:r="http://schemas.openxmlformats.org/officeDocument/2006/relationships" xmlns:p="http://schemas.openxmlformats.org/presentationml/2006/main">
-  <p:cSld>
-    <p:spTree>
-      <p:nvGrpSpPr>
-        <p:cNvPr id="1" name=""/>
-        <p:cNvGrpSpPr/>
-        <p:nvPr/>
-      </p:nvGrpSpPr>
-      <p:grpSpPr>
-        <a:xfrm>
-          <a:off x="0" y="0"/>
-          <a:ext cx="0" cy="0"/>
-          <a:chOff x="0" y="0"/>
-          <a:chExt cx="0" cy="0"/>
-        </a:xfrm>
-      </p:grpSpPr>
-      <p:sp>
-        <p:nvSpPr>
-          <p:cNvPr id="2" name="제목 1"/>
-          <p:cNvSpPr>
-            <a:spLocks noGrp="1"/>
-          </p:cNvSpPr>
-          <p:nvPr>
-            <p:ph type="title"/>
-          </p:nvPr>
-        </p:nvSpPr>
-        <p:spPr>
-          <a:xfrm>
-            <a:off x="457200" y="-20538"/>
-            <a:ext cx="8229600" cy="720080"/>
-          </a:xfrm>
-        </p:spPr>
-        <p:txBody>
-          <a:bodyPr>
-            <a:normAutofit/>
-          </a:bodyPr>
-          <a:lstStyle/>
-          <a:p>
-            <a:r>
-              <a:rPr lang="en-US" altLang="ko-KR" sz="3600" dirty="0" smtClean="0"/>
-              <a:t>Compute Node, </a:t>
-            </a:r>
-            <a:r>
-              <a:rPr lang="en-US" altLang="ko-KR" sz="3600" dirty="0" err="1" smtClean="0"/>
-              <a:t>VLAN</a:t>
-            </a:r>
-            <a:r>
-              <a:rPr lang="en-US" altLang="ko-KR" sz="3600" dirty="0" smtClean="0"/>
-              <a:t>, No </a:t>
-            </a:r>
-            <a:r>
-              <a:rPr lang="en-US" altLang="ko-KR" sz="3600" dirty="0" err="1" smtClean="0"/>
-              <a:t>OVS</a:t>
-            </a:r>
-            <a:r>
-              <a:rPr lang="en-US" altLang="ko-KR" sz="3600" dirty="0" smtClean="0"/>
-              <a:t> </a:t>
-            </a:r>
-            <a:endParaRPr lang="ko-KR" altLang="en-US" sz="3600" dirty="0"/>
-          </a:p>
-        </p:txBody>
-      </p:sp>
-      <p:sp>
-        <p:nvSpPr>
-          <p:cNvPr id="4" name="모서리가 둥근 직사각형 3"/>
-          <p:cNvSpPr/>
-          <p:nvPr/>
-        </p:nvSpPr>
-        <p:spPr>
-          <a:xfrm>
-            <a:off x="1619672" y="1275606"/>
-            <a:ext cx="5904656" cy="3168352"/>
-          </a:xfrm>
-          <a:prstGeom prst="roundRect">
-            <a:avLst>
-              <a:gd name="adj" fmla="val 3400"/>
-            </a:avLst>
-          </a:prstGeom>
-        </p:spPr>
-        <p:style>
-          <a:lnRef idx="2">
-            <a:schemeClr val="dk1"/>
-          </a:lnRef>
-          <a:fillRef idx="1">
-            <a:schemeClr val="lt1"/>
-          </a:fillRef>
-          <a:effectRef idx="0">
-            <a:schemeClr val="dk1"/>
-          </a:effectRef>
-          <a:fontRef idx="minor">
-            <a:schemeClr val="dk1"/>
-          </a:fontRef>
-        </p:style>
-        <p:txBody>
-          <a:bodyPr rtlCol="0" anchor="t"/>
-          <a:lstStyle/>
-          <a:p>
-            <a:pPr algn="ctr"/>
-            <a:r>
-              <a:rPr lang="en-US" altLang="ko-KR" sz="1400" b="1" dirty="0" smtClean="0"/>
-              <a:t>Compute Node</a:t>
-            </a:r>
-            <a:endParaRPr lang="ko-KR" altLang="en-US" sz="1400" b="1" dirty="0"/>
-          </a:p>
-        </p:txBody>
-      </p:sp>
-      <p:sp>
-        <p:nvSpPr>
-          <p:cNvPr id="7" name="모서리가 둥근 직사각형 6"/>
-          <p:cNvSpPr/>
-          <p:nvPr/>
-        </p:nvSpPr>
-        <p:spPr>
-          <a:xfrm>
-            <a:off x="1763688" y="1659277"/>
-            <a:ext cx="1296144" cy="722732"/>
-          </a:xfrm>
-          <a:prstGeom prst="roundRect">
-            <a:avLst>
-              <a:gd name="adj" fmla="val 3400"/>
-            </a:avLst>
-          </a:prstGeom>
-        </p:spPr>
-        <p:style>
-          <a:lnRef idx="2">
-            <a:schemeClr val="dk1"/>
-          </a:lnRef>
-          <a:fillRef idx="1">
-            <a:schemeClr val="lt1"/>
-          </a:fillRef>
-          <a:effectRef idx="0">
-            <a:schemeClr val="dk1"/>
-          </a:effectRef>
-          <a:fontRef idx="minor">
-            <a:schemeClr val="dk1"/>
-          </a:fontRef>
-        </p:style>
-        <p:txBody>
-          <a:bodyPr rtlCol="0" anchor="t"/>
-          <a:lstStyle/>
-          <a:p>
-            <a:pPr algn="ctr"/>
-            <a:r>
-              <a:rPr lang="en-US" altLang="ko-KR" sz="1400" b="1" dirty="0" err="1" smtClean="0"/>
-              <a:t>VM</a:t>
-            </a:r>
-            <a:r>
-              <a:rPr lang="en-US" altLang="ko-KR" sz="1400" b="1" dirty="0" smtClean="0"/>
-              <a:t> A</a:t>
-            </a:r>
-            <a:endParaRPr lang="ko-KR" altLang="en-US" sz="1400" b="1" dirty="0"/>
-          </a:p>
-        </p:txBody>
-      </p:sp>
-      <p:sp>
-        <p:nvSpPr>
-          <p:cNvPr id="9" name="모서리가 둥근 직사각형 8"/>
-          <p:cNvSpPr/>
-          <p:nvPr/>
-        </p:nvSpPr>
-        <p:spPr>
-          <a:xfrm>
-            <a:off x="3203848" y="1659277"/>
-            <a:ext cx="1296144" cy="722732"/>
-          </a:xfrm>
-          <a:prstGeom prst="roundRect">
-            <a:avLst>
-              <a:gd name="adj" fmla="val 3400"/>
-            </a:avLst>
-          </a:prstGeom>
-        </p:spPr>
-        <p:style>
-          <a:lnRef idx="2">
-            <a:schemeClr val="dk1"/>
-          </a:lnRef>
-          <a:fillRef idx="1">
-            <a:schemeClr val="lt1"/>
-          </a:fillRef>
-          <a:effectRef idx="0">
-            <a:schemeClr val="dk1"/>
-          </a:effectRef>
-          <a:fontRef idx="minor">
-            <a:schemeClr val="dk1"/>
-          </a:fontRef>
-        </p:style>
-        <p:txBody>
-          <a:bodyPr rtlCol="0" anchor="t"/>
-          <a:lstStyle/>
-          <a:p>
-            <a:pPr algn="ctr"/>
-            <a:r>
-              <a:rPr lang="en-US" altLang="ko-KR" sz="1400" b="1" dirty="0" err="1" smtClean="0"/>
-              <a:t>VM</a:t>
-            </a:r>
-            <a:r>
-              <a:rPr lang="en-US" altLang="ko-KR" sz="1400" b="1" dirty="0" smtClean="0"/>
-              <a:t> B</a:t>
-            </a:r>
-            <a:endParaRPr lang="ko-KR" altLang="en-US" sz="1400" b="1" dirty="0"/>
-          </a:p>
-        </p:txBody>
-      </p:sp>
-      <p:sp>
-        <p:nvSpPr>
-          <p:cNvPr id="10" name="모서리가 둥근 직사각형 9"/>
-          <p:cNvSpPr/>
-          <p:nvPr/>
-        </p:nvSpPr>
-        <p:spPr>
-          <a:xfrm>
-            <a:off x="4644008" y="1659277"/>
-            <a:ext cx="1296144" cy="722732"/>
-          </a:xfrm>
-          <a:prstGeom prst="roundRect">
-            <a:avLst>
-              <a:gd name="adj" fmla="val 3400"/>
-            </a:avLst>
-          </a:prstGeom>
-        </p:spPr>
-        <p:style>
-          <a:lnRef idx="2">
-            <a:schemeClr val="dk1"/>
-          </a:lnRef>
-          <a:fillRef idx="1">
-            <a:schemeClr val="lt1"/>
-          </a:fillRef>
-          <a:effectRef idx="0">
-            <a:schemeClr val="dk1"/>
-          </a:effectRef>
-          <a:fontRef idx="minor">
-            <a:schemeClr val="dk1"/>
-          </a:fontRef>
-        </p:style>
-        <p:txBody>
-          <a:bodyPr rtlCol="0" anchor="t"/>
-          <a:lstStyle/>
-          <a:p>
-            <a:pPr algn="ctr"/>
-            <a:r>
-              <a:rPr lang="en-US" altLang="ko-KR" sz="1400" b="1" dirty="0" err="1" smtClean="0"/>
-              <a:t>VM</a:t>
-            </a:r>
-            <a:r>
-              <a:rPr lang="en-US" altLang="ko-KR" sz="1400" b="1" dirty="0" smtClean="0"/>
-              <a:t> C</a:t>
-            </a:r>
-            <a:endParaRPr lang="ko-KR" altLang="en-US" sz="1400" b="1" dirty="0"/>
-          </a:p>
-        </p:txBody>
-      </p:sp>
-      <p:sp>
-        <p:nvSpPr>
-          <p:cNvPr id="11" name="모서리가 둥근 직사각형 10"/>
-          <p:cNvSpPr/>
-          <p:nvPr/>
-        </p:nvSpPr>
-        <p:spPr>
-          <a:xfrm>
-            <a:off x="6084168" y="1659277"/>
-            <a:ext cx="1296144" cy="722732"/>
-          </a:xfrm>
-          <a:prstGeom prst="roundRect">
-            <a:avLst>
-              <a:gd name="adj" fmla="val 3400"/>
-            </a:avLst>
-          </a:prstGeom>
-        </p:spPr>
-        <p:style>
-          <a:lnRef idx="2">
-            <a:schemeClr val="dk1"/>
-          </a:lnRef>
-          <a:fillRef idx="1">
-            <a:schemeClr val="lt1"/>
-          </a:fillRef>
-          <a:effectRef idx="0">
-            <a:schemeClr val="dk1"/>
-          </a:effectRef>
-          <a:fontRef idx="minor">
-            <a:schemeClr val="dk1"/>
-          </a:fontRef>
-        </p:style>
-        <p:txBody>
-          <a:bodyPr rtlCol="0" anchor="t"/>
-          <a:lstStyle/>
-          <a:p>
-            <a:pPr algn="ctr"/>
-            <a:r>
-              <a:rPr lang="en-US" altLang="ko-KR" sz="1400" b="1" dirty="0" err="1" smtClean="0"/>
-              <a:t>VM</a:t>
-            </a:r>
-            <a:r>
-              <a:rPr lang="en-US" altLang="ko-KR" sz="1400" b="1" dirty="0" smtClean="0"/>
-              <a:t> D</a:t>
-            </a:r>
-            <a:endParaRPr lang="ko-KR" altLang="en-US" sz="1400" b="1" dirty="0"/>
-          </a:p>
-        </p:txBody>
-      </p:sp>
-      <p:sp>
-        <p:nvSpPr>
-          <p:cNvPr id="12" name="모서리가 둥근 직사각형 11"/>
-          <p:cNvSpPr/>
-          <p:nvPr/>
-        </p:nvSpPr>
-        <p:spPr>
-          <a:xfrm>
-            <a:off x="2087724" y="2091325"/>
-            <a:ext cx="648072" cy="290684"/>
-          </a:xfrm>
-          <a:prstGeom prst="roundRect">
-            <a:avLst>
-              <a:gd name="adj" fmla="val 3400"/>
-            </a:avLst>
-          </a:prstGeom>
-        </p:spPr>
-        <p:style>
-          <a:lnRef idx="2">
-            <a:schemeClr val="dk1"/>
-          </a:lnRef>
-          <a:fillRef idx="1">
-            <a:schemeClr val="lt1"/>
-          </a:fillRef>
-          <a:effectRef idx="0">
-            <a:schemeClr val="dk1"/>
-          </a:effectRef>
-          <a:fontRef idx="minor">
-            <a:schemeClr val="dk1"/>
-          </a:fontRef>
-        </p:style>
-        <p:txBody>
-          <a:bodyPr rtlCol="0" anchor="t"/>
-          <a:lstStyle/>
-          <a:p>
-            <a:pPr algn="ctr"/>
-            <a:r>
-              <a:rPr lang="en-US" altLang="ko-KR" sz="1400" dirty="0" err="1" smtClean="0"/>
-              <a:t>eth0</a:t>
-            </a:r>
-            <a:endParaRPr lang="ko-KR" altLang="en-US" sz="1400" dirty="0"/>
-          </a:p>
-        </p:txBody>
-      </p:sp>
-      <p:sp>
-        <p:nvSpPr>
-          <p:cNvPr id="13" name="모서리가 둥근 직사각형 12"/>
-          <p:cNvSpPr/>
-          <p:nvPr/>
-        </p:nvSpPr>
-        <p:spPr>
-          <a:xfrm>
-            <a:off x="3527884" y="2091325"/>
-            <a:ext cx="648072" cy="290684"/>
-          </a:xfrm>
-          <a:prstGeom prst="roundRect">
-            <a:avLst>
-              <a:gd name="adj" fmla="val 3400"/>
-            </a:avLst>
-          </a:prstGeom>
-        </p:spPr>
-        <p:style>
-          <a:lnRef idx="2">
-            <a:schemeClr val="dk1"/>
-          </a:lnRef>
-          <a:fillRef idx="1">
-            <a:schemeClr val="lt1"/>
-          </a:fillRef>
-          <a:effectRef idx="0">
-            <a:schemeClr val="dk1"/>
-          </a:effectRef>
-          <a:fontRef idx="minor">
-            <a:schemeClr val="dk1"/>
-          </a:fontRef>
-        </p:style>
-        <p:txBody>
-          <a:bodyPr rtlCol="0" anchor="t"/>
-          <a:lstStyle/>
-          <a:p>
-            <a:pPr algn="ctr"/>
-            <a:r>
-              <a:rPr lang="en-US" altLang="ko-KR" sz="1400" dirty="0" err="1" smtClean="0"/>
-              <a:t>eth0</a:t>
-            </a:r>
-            <a:endParaRPr lang="ko-KR" altLang="en-US" sz="1400" dirty="0"/>
-          </a:p>
-        </p:txBody>
-      </p:sp>
-      <p:sp>
-        <p:nvSpPr>
-          <p:cNvPr id="14" name="모서리가 둥근 직사각형 13"/>
-          <p:cNvSpPr/>
-          <p:nvPr/>
-        </p:nvSpPr>
-        <p:spPr>
-          <a:xfrm>
-            <a:off x="4968044" y="2091325"/>
-            <a:ext cx="648072" cy="290684"/>
-          </a:xfrm>
-          <a:prstGeom prst="roundRect">
-            <a:avLst>
-              <a:gd name="adj" fmla="val 3400"/>
-            </a:avLst>
-          </a:prstGeom>
-        </p:spPr>
-        <p:style>
-          <a:lnRef idx="2">
-            <a:schemeClr val="dk1"/>
-          </a:lnRef>
-          <a:fillRef idx="1">
-            <a:schemeClr val="lt1"/>
-          </a:fillRef>
-          <a:effectRef idx="0">
-            <a:schemeClr val="dk1"/>
-          </a:effectRef>
-          <a:fontRef idx="minor">
-            <a:schemeClr val="dk1"/>
-          </a:fontRef>
-        </p:style>
-        <p:txBody>
-          <a:bodyPr rtlCol="0" anchor="t"/>
-          <a:lstStyle/>
-          <a:p>
-            <a:pPr algn="ctr"/>
-            <a:r>
-              <a:rPr lang="en-US" altLang="ko-KR" sz="1400" dirty="0" err="1" smtClean="0"/>
-              <a:t>eth0</a:t>
-            </a:r>
-            <a:endParaRPr lang="ko-KR" altLang="en-US" sz="1400" dirty="0"/>
-          </a:p>
-        </p:txBody>
-      </p:sp>
-      <p:sp>
-        <p:nvSpPr>
-          <p:cNvPr id="15" name="모서리가 둥근 직사각형 14"/>
-          <p:cNvSpPr/>
-          <p:nvPr/>
-        </p:nvSpPr>
-        <p:spPr>
-          <a:xfrm>
-            <a:off x="6408204" y="2091325"/>
-            <a:ext cx="648072" cy="290684"/>
-          </a:xfrm>
-          <a:prstGeom prst="roundRect">
-            <a:avLst>
-              <a:gd name="adj" fmla="val 3400"/>
-            </a:avLst>
-          </a:prstGeom>
-        </p:spPr>
-        <p:style>
-          <a:lnRef idx="2">
-            <a:schemeClr val="dk1"/>
-          </a:lnRef>
-          <a:fillRef idx="1">
-            <a:schemeClr val="lt1"/>
-          </a:fillRef>
-          <a:effectRef idx="0">
-            <a:schemeClr val="dk1"/>
-          </a:effectRef>
-          <a:fontRef idx="minor">
-            <a:schemeClr val="dk1"/>
-          </a:fontRef>
-        </p:style>
-        <p:txBody>
-          <a:bodyPr rtlCol="0" anchor="t"/>
-          <a:lstStyle/>
-          <a:p>
-            <a:pPr algn="ctr"/>
-            <a:r>
-              <a:rPr lang="en-US" altLang="ko-KR" sz="1400" dirty="0" err="1" smtClean="0"/>
-              <a:t>eth0</a:t>
-            </a:r>
-            <a:endParaRPr lang="ko-KR" altLang="en-US" sz="1400" dirty="0"/>
-          </a:p>
-        </p:txBody>
-      </p:sp>
-      <p:sp>
-        <p:nvSpPr>
-          <p:cNvPr id="16" name="모서리가 둥근 직사각형 15"/>
-          <p:cNvSpPr/>
-          <p:nvPr/>
-        </p:nvSpPr>
-        <p:spPr>
-          <a:xfrm>
-            <a:off x="2514898" y="3145162"/>
-            <a:ext cx="1224136" cy="290684"/>
-          </a:xfrm>
-          <a:prstGeom prst="roundRect">
-            <a:avLst>
-              <a:gd name="adj" fmla="val 3400"/>
-            </a:avLst>
-          </a:prstGeom>
-        </p:spPr>
-        <p:style>
-          <a:lnRef idx="2">
-            <a:schemeClr val="dk1"/>
-          </a:lnRef>
-          <a:fillRef idx="1">
-            <a:schemeClr val="lt1"/>
-          </a:fillRef>
-          <a:effectRef idx="0">
-            <a:schemeClr val="dk1"/>
-          </a:effectRef>
-          <a:fontRef idx="minor">
-            <a:schemeClr val="dk1"/>
-          </a:fontRef>
-        </p:style>
-        <p:txBody>
-          <a:bodyPr rtlCol="0" anchor="t"/>
-          <a:lstStyle/>
-          <a:p>
-            <a:pPr algn="ctr"/>
-            <a:r>
-              <a:rPr lang="en-US" altLang="ko-KR" sz="1400" dirty="0" err="1" smtClean="0"/>
-              <a:t>brq01</a:t>
-            </a:r>
-            <a:endParaRPr lang="ko-KR" altLang="en-US" sz="1400" dirty="0"/>
-          </a:p>
-        </p:txBody>
-      </p:sp>
-      <p:sp>
-        <p:nvSpPr>
-          <p:cNvPr id="17" name="모서리가 둥근 직사각형 16"/>
-          <p:cNvSpPr/>
-          <p:nvPr/>
-        </p:nvSpPr>
-        <p:spPr>
-          <a:xfrm>
-            <a:off x="2087724" y="2582239"/>
-            <a:ext cx="648072" cy="290684"/>
-          </a:xfrm>
-          <a:prstGeom prst="roundRect">
-            <a:avLst>
-              <a:gd name="adj" fmla="val 3400"/>
-            </a:avLst>
-          </a:prstGeom>
-        </p:spPr>
-        <p:style>
-          <a:lnRef idx="2">
-            <a:schemeClr val="dk1"/>
-          </a:lnRef>
-          <a:fillRef idx="1">
-            <a:schemeClr val="lt1"/>
-          </a:fillRef>
-          <a:effectRef idx="0">
-            <a:schemeClr val="dk1"/>
-          </a:effectRef>
-          <a:fontRef idx="minor">
-            <a:schemeClr val="dk1"/>
-          </a:fontRef>
-        </p:style>
-        <p:txBody>
-          <a:bodyPr rtlCol="0" anchor="t"/>
-          <a:lstStyle/>
-          <a:p>
-            <a:pPr algn="ctr"/>
-            <a:r>
-              <a:rPr lang="en-US" altLang="ko-KR" sz="1400" dirty="0" err="1" smtClean="0"/>
-              <a:t>tap01</a:t>
-            </a:r>
-            <a:endParaRPr lang="ko-KR" altLang="en-US" sz="1400" dirty="0"/>
-          </a:p>
-        </p:txBody>
-      </p:sp>
-      <p:sp>
-        <p:nvSpPr>
-          <p:cNvPr id="18" name="모서리가 둥근 직사각형 17"/>
-          <p:cNvSpPr/>
-          <p:nvPr/>
-        </p:nvSpPr>
-        <p:spPr>
-          <a:xfrm>
-            <a:off x="3527884" y="2582239"/>
-            <a:ext cx="648072" cy="290684"/>
-          </a:xfrm>
-          <a:prstGeom prst="roundRect">
-            <a:avLst>
-              <a:gd name="adj" fmla="val 3400"/>
-            </a:avLst>
-          </a:prstGeom>
-        </p:spPr>
-        <p:style>
-          <a:lnRef idx="2">
-            <a:schemeClr val="dk1"/>
-          </a:lnRef>
-          <a:fillRef idx="1">
-            <a:schemeClr val="lt1"/>
-          </a:fillRef>
-          <a:effectRef idx="0">
-            <a:schemeClr val="dk1"/>
-          </a:effectRef>
-          <a:fontRef idx="minor">
-            <a:schemeClr val="dk1"/>
-          </a:fontRef>
-        </p:style>
-        <p:txBody>
-          <a:bodyPr rtlCol="0" anchor="t"/>
-          <a:lstStyle/>
-          <a:p>
-            <a:pPr algn="ctr"/>
-            <a:r>
-              <a:rPr lang="en-US" altLang="ko-KR" sz="1400" dirty="0" err="1" smtClean="0"/>
-              <a:t>tap02</a:t>
-            </a:r>
-            <a:endParaRPr lang="ko-KR" altLang="en-US" sz="1400" dirty="0"/>
-          </a:p>
-        </p:txBody>
-      </p:sp>
-      <p:sp>
-        <p:nvSpPr>
-          <p:cNvPr id="19" name="모서리가 둥근 직사각형 18"/>
-          <p:cNvSpPr/>
-          <p:nvPr/>
-        </p:nvSpPr>
-        <p:spPr>
-          <a:xfrm>
-            <a:off x="4968044" y="2582239"/>
-            <a:ext cx="648072" cy="290684"/>
-          </a:xfrm>
-          <a:prstGeom prst="roundRect">
-            <a:avLst>
-              <a:gd name="adj" fmla="val 3400"/>
-            </a:avLst>
-          </a:prstGeom>
-        </p:spPr>
-        <p:style>
-          <a:lnRef idx="2">
-            <a:schemeClr val="dk1"/>
-          </a:lnRef>
-          <a:fillRef idx="1">
-            <a:schemeClr val="lt1"/>
-          </a:fillRef>
-          <a:effectRef idx="0">
-            <a:schemeClr val="dk1"/>
-          </a:effectRef>
-          <a:fontRef idx="minor">
-            <a:schemeClr val="dk1"/>
-          </a:fontRef>
-        </p:style>
-        <p:txBody>
-          <a:bodyPr rtlCol="0" anchor="t"/>
-          <a:lstStyle/>
-          <a:p>
-            <a:pPr algn="ctr"/>
-            <a:r>
-              <a:rPr lang="en-US" altLang="ko-KR" sz="1400" dirty="0" err="1" smtClean="0"/>
-              <a:t>tap03</a:t>
-            </a:r>
-            <a:endParaRPr lang="ko-KR" altLang="en-US" sz="1400" dirty="0"/>
-          </a:p>
-        </p:txBody>
-      </p:sp>
-      <p:sp>
-        <p:nvSpPr>
-          <p:cNvPr id="20" name="모서리가 둥근 직사각형 19"/>
-          <p:cNvSpPr/>
-          <p:nvPr/>
-        </p:nvSpPr>
-        <p:spPr>
-          <a:xfrm>
-            <a:off x="6408204" y="2582239"/>
-            <a:ext cx="648072" cy="290684"/>
-          </a:xfrm>
-          <a:prstGeom prst="roundRect">
-            <a:avLst>
-              <a:gd name="adj" fmla="val 3400"/>
-            </a:avLst>
-          </a:prstGeom>
-        </p:spPr>
-        <p:style>
-          <a:lnRef idx="2">
-            <a:schemeClr val="dk1"/>
-          </a:lnRef>
-          <a:fillRef idx="1">
-            <a:schemeClr val="lt1"/>
-          </a:fillRef>
-          <a:effectRef idx="0">
-            <a:schemeClr val="dk1"/>
-          </a:effectRef>
-          <a:fontRef idx="minor">
-            <a:schemeClr val="dk1"/>
-          </a:fontRef>
-        </p:style>
-        <p:txBody>
-          <a:bodyPr rtlCol="0" anchor="t"/>
-          <a:lstStyle/>
-          <a:p>
-            <a:pPr algn="ctr"/>
-            <a:r>
-              <a:rPr lang="en-US" altLang="ko-KR" sz="1400" dirty="0" err="1" smtClean="0"/>
-              <a:t>tap04</a:t>
-            </a:r>
-            <a:endParaRPr lang="ko-KR" altLang="en-US" sz="1400" dirty="0"/>
-          </a:p>
-        </p:txBody>
-      </p:sp>
-      <p:sp>
-        <p:nvSpPr>
-          <p:cNvPr id="21" name="모서리가 둥근 직사각형 20"/>
-          <p:cNvSpPr/>
-          <p:nvPr/>
-        </p:nvSpPr>
-        <p:spPr>
-          <a:xfrm>
-            <a:off x="5389488" y="3145162"/>
-            <a:ext cx="1224136" cy="290684"/>
-          </a:xfrm>
-          <a:prstGeom prst="roundRect">
-            <a:avLst>
-              <a:gd name="adj" fmla="val 3400"/>
-            </a:avLst>
-          </a:prstGeom>
-        </p:spPr>
-        <p:style>
-          <a:lnRef idx="2">
-            <a:schemeClr val="dk1"/>
-          </a:lnRef>
-          <a:fillRef idx="1">
-            <a:schemeClr val="lt1"/>
-          </a:fillRef>
-          <a:effectRef idx="0">
-            <a:schemeClr val="dk1"/>
-          </a:effectRef>
-          <a:fontRef idx="minor">
-            <a:schemeClr val="dk1"/>
-          </a:fontRef>
-        </p:style>
-        <p:txBody>
-          <a:bodyPr rtlCol="0" anchor="t"/>
-          <a:lstStyle/>
-          <a:p>
-            <a:pPr algn="ctr"/>
-            <a:r>
-              <a:rPr lang="en-US" altLang="ko-KR" sz="1400" dirty="0" err="1" smtClean="0"/>
-              <a:t>brq02</a:t>
-            </a:r>
-            <a:endParaRPr lang="ko-KR" altLang="en-US" sz="1400" dirty="0"/>
-          </a:p>
-        </p:txBody>
-      </p:sp>
-      <p:sp>
-        <p:nvSpPr>
-          <p:cNvPr id="22" name="모서리가 둥근 직사각형 21"/>
-          <p:cNvSpPr/>
-          <p:nvPr/>
-        </p:nvSpPr>
-        <p:spPr>
-          <a:xfrm>
-            <a:off x="3959932" y="4153274"/>
-            <a:ext cx="1224136" cy="290684"/>
-          </a:xfrm>
-          <a:prstGeom prst="roundRect">
-            <a:avLst>
-              <a:gd name="adj" fmla="val 3400"/>
-            </a:avLst>
-          </a:prstGeom>
-        </p:spPr>
-        <p:style>
-          <a:lnRef idx="2">
-            <a:schemeClr val="dk1"/>
-          </a:lnRef>
-          <a:fillRef idx="1">
-            <a:schemeClr val="lt1"/>
-          </a:fillRef>
-          <a:effectRef idx="0">
-            <a:schemeClr val="dk1"/>
-          </a:effectRef>
-          <a:fontRef idx="minor">
-            <a:schemeClr val="dk1"/>
-          </a:fontRef>
-        </p:style>
-        <p:txBody>
-          <a:bodyPr rtlCol="0" anchor="t"/>
-          <a:lstStyle/>
-          <a:p>
-            <a:pPr algn="ctr"/>
-            <a:r>
-              <a:rPr lang="en-US" altLang="ko-KR" sz="1400" dirty="0" err="1" smtClean="0"/>
-              <a:t>eth0</a:t>
-            </a:r>
-            <a:endParaRPr lang="ko-KR" altLang="en-US" sz="1400" dirty="0"/>
-          </a:p>
-        </p:txBody>
-      </p:sp>
-      <p:cxnSp>
-        <p:nvCxnSpPr>
-          <p:cNvPr id="24" name="직선 연결선 23"/>
-          <p:cNvCxnSpPr>
-            <a:stCxn id="12" idx="2"/>
-            <a:endCxn id="17" idx="0"/>
-          </p:cNvCxnSpPr>
-          <p:nvPr/>
-        </p:nvCxnSpPr>
-        <p:spPr>
-          <a:xfrm>
-            <a:off x="2411760" y="2382009"/>
-            <a:ext cx="0" cy="200230"/>
-          </a:xfrm>
-          <a:prstGeom prst="line">
-            <a:avLst/>
-          </a:prstGeom>
-          <a:ln w="28575">
-            <a:solidFill>
-              <a:schemeClr val="tx1"/>
-            </a:solidFill>
-          </a:ln>
-        </p:spPr>
-        <p:style>
-          <a:lnRef idx="1">
-            <a:schemeClr val="accent1"/>
-          </a:lnRef>
-          <a:fillRef idx="0">
-            <a:schemeClr val="accent1"/>
-          </a:fillRef>
-          <a:effectRef idx="0">
-            <a:schemeClr val="accent1"/>
-          </a:effectRef>
-          <a:fontRef idx="minor">
-            <a:schemeClr val="tx1"/>
-          </a:fontRef>
-        </p:style>
-      </p:cxnSp>
-      <p:cxnSp>
-        <p:nvCxnSpPr>
-          <p:cNvPr id="25" name="직선 연결선 24"/>
-          <p:cNvCxnSpPr>
-            <a:stCxn id="13" idx="2"/>
-            <a:endCxn id="18" idx="0"/>
-          </p:cNvCxnSpPr>
-          <p:nvPr/>
-        </p:nvCxnSpPr>
-        <p:spPr>
-          <a:xfrm>
-            <a:off x="3851920" y="2382009"/>
-            <a:ext cx="0" cy="200230"/>
-          </a:xfrm>
-          <a:prstGeom prst="line">
-            <a:avLst/>
-          </a:prstGeom>
-          <a:ln w="28575">
-            <a:solidFill>
-              <a:schemeClr val="tx1"/>
-            </a:solidFill>
-          </a:ln>
-        </p:spPr>
-        <p:style>
-          <a:lnRef idx="1">
-            <a:schemeClr val="accent1"/>
-          </a:lnRef>
-          <a:fillRef idx="0">
-            <a:schemeClr val="accent1"/>
-          </a:fillRef>
-          <a:effectRef idx="0">
-            <a:schemeClr val="accent1"/>
-          </a:effectRef>
-          <a:fontRef idx="minor">
-            <a:schemeClr val="tx1"/>
-          </a:fontRef>
-        </p:style>
-      </p:cxnSp>
-      <p:cxnSp>
-        <p:nvCxnSpPr>
-          <p:cNvPr id="28" name="직선 연결선 27"/>
-          <p:cNvCxnSpPr>
-            <a:stCxn id="14" idx="2"/>
-            <a:endCxn id="19" idx="0"/>
-          </p:cNvCxnSpPr>
-          <p:nvPr/>
-        </p:nvCxnSpPr>
-        <p:spPr>
-          <a:xfrm>
-            <a:off x="5292080" y="2382009"/>
-            <a:ext cx="0" cy="200230"/>
-          </a:xfrm>
-          <a:prstGeom prst="line">
-            <a:avLst/>
-          </a:prstGeom>
-          <a:ln w="28575">
-            <a:solidFill>
-              <a:schemeClr val="tx1"/>
-            </a:solidFill>
-          </a:ln>
-        </p:spPr>
-        <p:style>
-          <a:lnRef idx="1">
-            <a:schemeClr val="accent1"/>
-          </a:lnRef>
-          <a:fillRef idx="0">
-            <a:schemeClr val="accent1"/>
-          </a:fillRef>
-          <a:effectRef idx="0">
-            <a:schemeClr val="accent1"/>
-          </a:effectRef>
-          <a:fontRef idx="minor">
-            <a:schemeClr val="tx1"/>
-          </a:fontRef>
-        </p:style>
-      </p:cxnSp>
-      <p:cxnSp>
-        <p:nvCxnSpPr>
-          <p:cNvPr id="31" name="직선 연결선 30"/>
-          <p:cNvCxnSpPr>
-            <a:stCxn id="15" idx="2"/>
-            <a:endCxn id="20" idx="0"/>
-          </p:cNvCxnSpPr>
-          <p:nvPr/>
-        </p:nvCxnSpPr>
-        <p:spPr>
-          <a:xfrm>
-            <a:off x="6732240" y="2382009"/>
-            <a:ext cx="0" cy="200230"/>
-          </a:xfrm>
-          <a:prstGeom prst="line">
-            <a:avLst/>
-          </a:prstGeom>
-          <a:ln w="28575">
-            <a:solidFill>
-              <a:schemeClr val="tx1"/>
-            </a:solidFill>
-          </a:ln>
-        </p:spPr>
-        <p:style>
-          <a:lnRef idx="1">
-            <a:schemeClr val="accent1"/>
-          </a:lnRef>
-          <a:fillRef idx="0">
-            <a:schemeClr val="accent1"/>
-          </a:fillRef>
-          <a:effectRef idx="0">
-            <a:schemeClr val="accent1"/>
-          </a:effectRef>
-          <a:fontRef idx="minor">
-            <a:schemeClr val="tx1"/>
-          </a:fontRef>
-        </p:style>
-      </p:cxnSp>
-      <p:cxnSp>
-        <p:nvCxnSpPr>
-          <p:cNvPr id="34" name="직선 연결선 33"/>
-          <p:cNvCxnSpPr>
-            <a:stCxn id="17" idx="2"/>
-          </p:cNvCxnSpPr>
-          <p:nvPr/>
-        </p:nvCxnSpPr>
-        <p:spPr>
-          <a:xfrm>
-            <a:off x="2411760" y="2872923"/>
-            <a:ext cx="715206" cy="272239"/>
-          </a:xfrm>
-          <a:prstGeom prst="line">
-            <a:avLst/>
-          </a:prstGeom>
-          <a:ln w="28575">
-            <a:solidFill>
-              <a:schemeClr val="tx1"/>
-            </a:solidFill>
-          </a:ln>
-        </p:spPr>
-        <p:style>
-          <a:lnRef idx="1">
-            <a:schemeClr val="accent1"/>
-          </a:lnRef>
-          <a:fillRef idx="0">
-            <a:schemeClr val="accent1"/>
-          </a:fillRef>
-          <a:effectRef idx="0">
-            <a:schemeClr val="accent1"/>
-          </a:effectRef>
-          <a:fontRef idx="minor">
-            <a:schemeClr val="tx1"/>
-          </a:fontRef>
-        </p:style>
-      </p:cxnSp>
-      <p:sp>
-        <p:nvSpPr>
-          <p:cNvPr id="37" name="모서리가 둥근 직사각형 36"/>
-          <p:cNvSpPr/>
-          <p:nvPr/>
-        </p:nvSpPr>
-        <p:spPr>
-          <a:xfrm>
-            <a:off x="2514898" y="3637508"/>
-            <a:ext cx="1224136" cy="290684"/>
-          </a:xfrm>
-          <a:prstGeom prst="roundRect">
-            <a:avLst>
-              <a:gd name="adj" fmla="val 3400"/>
-            </a:avLst>
-          </a:prstGeom>
-        </p:spPr>
-        <p:style>
-          <a:lnRef idx="2">
-            <a:schemeClr val="dk1"/>
-          </a:lnRef>
-          <a:fillRef idx="1">
-            <a:schemeClr val="lt1"/>
-          </a:fillRef>
-          <a:effectRef idx="0">
-            <a:schemeClr val="dk1"/>
-          </a:effectRef>
-          <a:fontRef idx="minor">
-            <a:schemeClr val="dk1"/>
-          </a:fontRef>
-        </p:style>
-        <p:txBody>
-          <a:bodyPr rtlCol="0" anchor="t"/>
-          <a:lstStyle/>
-          <a:p>
-            <a:pPr algn="ctr"/>
-            <a:r>
-              <a:rPr lang="en-US" altLang="ko-KR" sz="1400" dirty="0" err="1" smtClean="0"/>
-              <a:t>vxlan10</a:t>
-            </a:r>
-            <a:endParaRPr lang="ko-KR" altLang="en-US" sz="1400" dirty="0"/>
-          </a:p>
-        </p:txBody>
-      </p:sp>
-      <p:cxnSp>
-        <p:nvCxnSpPr>
-          <p:cNvPr id="38" name="직선 연결선 37"/>
-          <p:cNvCxnSpPr>
-            <a:stCxn id="18" idx="2"/>
-            <a:endCxn id="16" idx="0"/>
-          </p:cNvCxnSpPr>
-          <p:nvPr/>
-        </p:nvCxnSpPr>
-        <p:spPr>
-          <a:xfrm flipH="1">
-            <a:off x="3126966" y="2872923"/>
-            <a:ext cx="724954" cy="272239"/>
-          </a:xfrm>
-          <a:prstGeom prst="line">
-            <a:avLst/>
-          </a:prstGeom>
-          <a:ln w="28575">
-            <a:solidFill>
-              <a:schemeClr val="tx1"/>
-            </a:solidFill>
-          </a:ln>
-        </p:spPr>
-        <p:style>
-          <a:lnRef idx="1">
-            <a:schemeClr val="accent1"/>
-          </a:lnRef>
-          <a:fillRef idx="0">
-            <a:schemeClr val="accent1"/>
-          </a:fillRef>
-          <a:effectRef idx="0">
-            <a:schemeClr val="accent1"/>
-          </a:effectRef>
-          <a:fontRef idx="minor">
-            <a:schemeClr val="tx1"/>
-          </a:fontRef>
-        </p:style>
-      </p:cxnSp>
-      <p:cxnSp>
-        <p:nvCxnSpPr>
-          <p:cNvPr id="41" name="직선 연결선 40"/>
-          <p:cNvCxnSpPr>
-            <a:stCxn id="19" idx="2"/>
-            <a:endCxn id="21" idx="0"/>
-          </p:cNvCxnSpPr>
-          <p:nvPr/>
-        </p:nvCxnSpPr>
-        <p:spPr>
-          <a:xfrm>
-            <a:off x="5292080" y="2872923"/>
-            <a:ext cx="709476" cy="272239"/>
-          </a:xfrm>
-          <a:prstGeom prst="line">
-            <a:avLst/>
-          </a:prstGeom>
-          <a:ln w="28575">
-            <a:solidFill>
-              <a:schemeClr val="tx1"/>
-            </a:solidFill>
-          </a:ln>
-        </p:spPr>
-        <p:style>
-          <a:lnRef idx="1">
-            <a:schemeClr val="accent1"/>
-          </a:lnRef>
-          <a:fillRef idx="0">
-            <a:schemeClr val="accent1"/>
-          </a:fillRef>
-          <a:effectRef idx="0">
-            <a:schemeClr val="accent1"/>
-          </a:effectRef>
-          <a:fontRef idx="minor">
-            <a:schemeClr val="tx1"/>
-          </a:fontRef>
-        </p:style>
-      </p:cxnSp>
-      <p:cxnSp>
-        <p:nvCxnSpPr>
-          <p:cNvPr id="44" name="직선 연결선 43"/>
-          <p:cNvCxnSpPr>
-            <a:stCxn id="20" idx="2"/>
-            <a:endCxn id="21" idx="0"/>
-          </p:cNvCxnSpPr>
-          <p:nvPr/>
-        </p:nvCxnSpPr>
-        <p:spPr>
-          <a:xfrm flipH="1">
-            <a:off x="6001556" y="2872923"/>
-            <a:ext cx="730684" cy="272239"/>
-          </a:xfrm>
-          <a:prstGeom prst="line">
-            <a:avLst/>
-          </a:prstGeom>
-          <a:ln w="28575">
-            <a:solidFill>
-              <a:schemeClr val="tx1"/>
-            </a:solidFill>
-          </a:ln>
-        </p:spPr>
-        <p:style>
-          <a:lnRef idx="1">
-            <a:schemeClr val="accent1"/>
-          </a:lnRef>
-          <a:fillRef idx="0">
-            <a:schemeClr val="accent1"/>
-          </a:fillRef>
-          <a:effectRef idx="0">
-            <a:schemeClr val="accent1"/>
-          </a:effectRef>
-          <a:fontRef idx="minor">
-            <a:schemeClr val="tx1"/>
-          </a:fontRef>
-        </p:style>
-      </p:cxnSp>
-      <p:cxnSp>
-        <p:nvCxnSpPr>
-          <p:cNvPr id="47" name="직선 연결선 46"/>
-          <p:cNvCxnSpPr>
-            <a:stCxn id="16" idx="2"/>
-            <a:endCxn id="37" idx="0"/>
-          </p:cNvCxnSpPr>
-          <p:nvPr/>
-        </p:nvCxnSpPr>
-        <p:spPr>
-          <a:xfrm>
-            <a:off x="3126966" y="3435846"/>
-            <a:ext cx="0" cy="201662"/>
-          </a:xfrm>
-          <a:prstGeom prst="line">
-            <a:avLst/>
-          </a:prstGeom>
-          <a:ln w="28575">
-            <a:solidFill>
-              <a:schemeClr val="tx1"/>
-            </a:solidFill>
-          </a:ln>
-        </p:spPr>
-        <p:style>
-          <a:lnRef idx="1">
-            <a:schemeClr val="accent1"/>
-          </a:lnRef>
-          <a:fillRef idx="0">
-            <a:schemeClr val="accent1"/>
-          </a:fillRef>
-          <a:effectRef idx="0">
-            <a:schemeClr val="accent1"/>
-          </a:effectRef>
-          <a:fontRef idx="minor">
-            <a:schemeClr val="tx1"/>
-          </a:fontRef>
-        </p:style>
-      </p:cxnSp>
-      <p:sp>
-        <p:nvSpPr>
-          <p:cNvPr id="51" name="모서리가 둥근 직사각형 50"/>
-          <p:cNvSpPr/>
-          <p:nvPr/>
-        </p:nvSpPr>
-        <p:spPr>
-          <a:xfrm>
-            <a:off x="5389488" y="3637508"/>
-            <a:ext cx="1224136" cy="290684"/>
-          </a:xfrm>
-          <a:prstGeom prst="roundRect">
-            <a:avLst>
-              <a:gd name="adj" fmla="val 3400"/>
-            </a:avLst>
-          </a:prstGeom>
-        </p:spPr>
-        <p:style>
-          <a:lnRef idx="2">
-            <a:schemeClr val="dk1"/>
-          </a:lnRef>
-          <a:fillRef idx="1">
-            <a:schemeClr val="lt1"/>
-          </a:fillRef>
-          <a:effectRef idx="0">
-            <a:schemeClr val="dk1"/>
-          </a:effectRef>
-          <a:fontRef idx="minor">
-            <a:schemeClr val="dk1"/>
-          </a:fontRef>
-        </p:style>
-        <p:txBody>
-          <a:bodyPr rtlCol="0" anchor="t"/>
-          <a:lstStyle/>
-          <a:p>
-            <a:pPr algn="ctr"/>
-            <a:r>
-              <a:rPr lang="en-US" altLang="ko-KR" sz="1400" dirty="0" err="1" smtClean="0"/>
-              <a:t>vxlan20</a:t>
-            </a:r>
-            <a:endParaRPr lang="ko-KR" altLang="en-US" sz="1400" dirty="0"/>
-          </a:p>
-        </p:txBody>
-      </p:sp>
-      <p:cxnSp>
-        <p:nvCxnSpPr>
-          <p:cNvPr id="52" name="직선 연결선 51"/>
-          <p:cNvCxnSpPr>
-            <a:stCxn id="21" idx="2"/>
-            <a:endCxn id="51" idx="0"/>
-          </p:cNvCxnSpPr>
-          <p:nvPr/>
-        </p:nvCxnSpPr>
-        <p:spPr>
-          <a:xfrm>
-            <a:off x="6001556" y="3435846"/>
-            <a:ext cx="0" cy="201662"/>
-          </a:xfrm>
-          <a:prstGeom prst="line">
-            <a:avLst/>
-          </a:prstGeom>
-          <a:ln w="28575">
-            <a:solidFill>
-              <a:schemeClr val="tx1"/>
-            </a:solidFill>
-          </a:ln>
-        </p:spPr>
-        <p:style>
-          <a:lnRef idx="1">
-            <a:schemeClr val="accent1"/>
-          </a:lnRef>
-          <a:fillRef idx="0">
-            <a:schemeClr val="accent1"/>
-          </a:fillRef>
-          <a:effectRef idx="0">
-            <a:schemeClr val="accent1"/>
-          </a:effectRef>
-          <a:fontRef idx="minor">
-            <a:schemeClr val="tx1"/>
-          </a:fontRef>
-        </p:style>
-      </p:cxnSp>
-      <p:cxnSp>
-        <p:nvCxnSpPr>
-          <p:cNvPr id="55" name="직선 연결선 54"/>
-          <p:cNvCxnSpPr>
-            <a:stCxn id="37" idx="2"/>
-            <a:endCxn id="22" idx="0"/>
-          </p:cNvCxnSpPr>
-          <p:nvPr/>
-        </p:nvCxnSpPr>
-        <p:spPr>
-          <a:xfrm>
-            <a:off x="3126966" y="3928192"/>
-            <a:ext cx="1445034" cy="225082"/>
-          </a:xfrm>
-          <a:prstGeom prst="line">
-            <a:avLst/>
-          </a:prstGeom>
-          <a:ln w="28575">
-            <a:solidFill>
-              <a:schemeClr val="tx1"/>
-            </a:solidFill>
-          </a:ln>
-        </p:spPr>
-        <p:style>
-          <a:lnRef idx="1">
-            <a:schemeClr val="accent1"/>
-          </a:lnRef>
-          <a:fillRef idx="0">
-            <a:schemeClr val="accent1"/>
-          </a:fillRef>
-          <a:effectRef idx="0">
-            <a:schemeClr val="accent1"/>
-          </a:effectRef>
-          <a:fontRef idx="minor">
-            <a:schemeClr val="tx1"/>
-          </a:fontRef>
-        </p:style>
-      </p:cxnSp>
-      <p:cxnSp>
-        <p:nvCxnSpPr>
-          <p:cNvPr id="58" name="직선 연결선 57"/>
-          <p:cNvCxnSpPr>
-            <a:stCxn id="51" idx="2"/>
-            <a:endCxn id="22" idx="0"/>
-          </p:cNvCxnSpPr>
-          <p:nvPr/>
-        </p:nvCxnSpPr>
-        <p:spPr>
-          <a:xfrm flipH="1">
-            <a:off x="4572000" y="3928192"/>
-            <a:ext cx="1429556" cy="225082"/>
-          </a:xfrm>
-          <a:prstGeom prst="line">
-            <a:avLst/>
-          </a:prstGeom>
-          <a:ln w="28575">
-            <a:solidFill>
-              <a:schemeClr val="tx1"/>
-            </a:solidFill>
-          </a:ln>
-        </p:spPr>
-        <p:style>
-          <a:lnRef idx="1">
-            <a:schemeClr val="accent1"/>
-          </a:lnRef>
-          <a:fillRef idx="0">
-            <a:schemeClr val="accent1"/>
-          </a:fillRef>
-          <a:effectRef idx="0">
-            <a:schemeClr val="accent1"/>
-          </a:effectRef>
-          <a:fontRef idx="minor">
-            <a:schemeClr val="tx1"/>
-          </a:fontRef>
-        </p:style>
-      </p:cxnSp>
-    </p:spTree>
-    <p:extLst>
-      <p:ext uri="{BB962C8B-B14F-4D97-AF65-F5344CB8AC3E}">
-        <p14:creationId xmlns:p14="http://schemas.microsoft.com/office/powerpoint/2010/main" val="3448164958"/>
       </p:ext>
     </p:extLst>
   </p:cSld>
